--- a/DDD_Sample/Docs/DDD.pptx
+++ b/DDD_Sample/Docs/DDD.pptx
@@ -7,6 +7,9 @@
   <p:sldIdLst>
     <p:sldId id="256" r:id="rId2"/>
     <p:sldId id="257" r:id="rId3"/>
+    <p:sldId id="258" r:id="rId4"/>
+    <p:sldId id="259" r:id="rId5"/>
+    <p:sldId id="260" r:id="rId6"/>
   </p:sldIdLst>
   <p:sldSz cx="12192000" cy="6858000"/>
   <p:notesSz cx="6858000" cy="9144000"/>
@@ -105,6 +108,11 @@
       </a:defRPr>
     </a:lvl9pPr>
   </p:defaultTextStyle>
+  <p:extLst>
+    <p:ext uri="{EFAFB233-063F-42B5-8137-9DF3F51BA10A}">
+      <p15:sldGuideLst xmlns:p15="http://schemas.microsoft.com/office/powerpoint/2012/main"/>
+    </p:ext>
+  </p:extLst>
 </p:presentation>
 </file>
 
@@ -3407,6 +3415,15 @@
               </a:rPr>
               <a:t>https://www.infoq.cn/article/alibaba-freshhema-ddd-practice</a:t>
             </a:r>
+            <a:endParaRPr lang="en-US" altLang="zh-CN" dirty="0"/>
+          </a:p>
+          <a:p>
+            <a:r>
+              <a:rPr lang="en-US" altLang="zh-CN" dirty="0">
+                <a:hlinkClick r:id="rId3"/>
+              </a:rPr>
+              <a:t>https://juejin.im/post/5e1989d7e51d4558864b0b29</a:t>
+            </a:r>
             <a:endParaRPr lang="zh-CN" altLang="en-US" dirty="0"/>
           </a:p>
         </p:txBody>
@@ -3415,6 +3432,716 @@
     <p:extLst>
       <p:ext uri="{BB962C8B-B14F-4D97-AF65-F5344CB8AC3E}">
         <p14:creationId xmlns:p14="http://schemas.microsoft.com/office/powerpoint/2010/main" val="1962659971"/>
+      </p:ext>
+    </p:extLst>
+  </p:cSld>
+  <p:clrMapOvr>
+    <a:masterClrMapping/>
+  </p:clrMapOvr>
+</p:sld>
+</file>
+
+<file path=ppt/slides/slide3.xml><?xml version="1.0" encoding="utf-8"?>
+<p:sld xmlns:a="http://schemas.openxmlformats.org/drawingml/2006/main" xmlns:r="http://schemas.openxmlformats.org/officeDocument/2006/relationships" xmlns:p="http://schemas.openxmlformats.org/presentationml/2006/main">
+  <p:cSld>
+    <p:spTree>
+      <p:nvGrpSpPr>
+        <p:cNvPr id="1" name=""/>
+        <p:cNvGrpSpPr/>
+        <p:nvPr/>
+      </p:nvGrpSpPr>
+      <p:grpSpPr>
+        <a:xfrm>
+          <a:off x="0" y="0"/>
+          <a:ext cx="0" cy="0"/>
+          <a:chOff x="0" y="0"/>
+          <a:chExt cx="0" cy="0"/>
+        </a:xfrm>
+      </p:grpSpPr>
+      <p:sp>
+        <p:nvSpPr>
+          <p:cNvPr id="2" name="文本框 1">
+            <a:extLst>
+              <a:ext uri="{FF2B5EF4-FFF2-40B4-BE49-F238E27FC236}">
+                <a16:creationId xmlns:a16="http://schemas.microsoft.com/office/drawing/2014/main" id="{16831F7D-53E2-403B-9D53-6176B1659DF8}"/>
+              </a:ext>
+            </a:extLst>
+          </p:cNvPr>
+          <p:cNvSpPr txBox="1"/>
+          <p:nvPr/>
+        </p:nvSpPr>
+        <p:spPr>
+          <a:xfrm>
+            <a:off x="1136342" y="790113"/>
+            <a:ext cx="8566769" cy="369332"/>
+          </a:xfrm>
+          <a:prstGeom prst="rect">
+            <a:avLst/>
+          </a:prstGeom>
+          <a:noFill/>
+        </p:spPr>
+        <p:txBody>
+          <a:bodyPr wrap="none" rtlCol="0">
+            <a:spAutoFit/>
+          </a:bodyPr>
+          <a:lstStyle/>
+          <a:p>
+            <a:r>
+              <a:rPr lang="zh-CN" altLang="en-US" b="1" dirty="0">
+                <a:solidFill>
+                  <a:srgbClr val="FF0000"/>
+                </a:solidFill>
+              </a:rPr>
+              <a:t>领域</a:t>
+            </a:r>
+            <a:r>
+              <a:rPr lang="zh-CN" altLang="en-US" dirty="0"/>
+              <a:t>就是用来确定范围的，范围即边界，这也是 </a:t>
+            </a:r>
+            <a:r>
+              <a:rPr lang="en-US" altLang="zh-CN" dirty="0"/>
+              <a:t>DDD </a:t>
+            </a:r>
+            <a:r>
+              <a:rPr lang="zh-CN" altLang="en-US" dirty="0"/>
+              <a:t>在设计中不断强调边界的原因</a:t>
+            </a:r>
+          </a:p>
+        </p:txBody>
+      </p:sp>
+      <p:sp>
+        <p:nvSpPr>
+          <p:cNvPr id="3" name="矩形 2">
+            <a:extLst>
+              <a:ext uri="{FF2B5EF4-FFF2-40B4-BE49-F238E27FC236}">
+                <a16:creationId xmlns:a16="http://schemas.microsoft.com/office/drawing/2014/main" id="{36DAD26A-3CCB-4FCC-BBBC-2F6999013F29}"/>
+              </a:ext>
+            </a:extLst>
+          </p:cNvPr>
+          <p:cNvSpPr/>
+          <p:nvPr/>
+        </p:nvSpPr>
+        <p:spPr>
+          <a:xfrm>
+            <a:off x="1136342" y="1605509"/>
+            <a:ext cx="10200442" cy="369332"/>
+          </a:xfrm>
+          <a:prstGeom prst="rect">
+            <a:avLst/>
+          </a:prstGeom>
+        </p:spPr>
+        <p:txBody>
+          <a:bodyPr wrap="square">
+            <a:spAutoFit/>
+          </a:bodyPr>
+          <a:lstStyle/>
+          <a:p>
+            <a:r>
+              <a:rPr lang="zh-CN" altLang="en-US" b="1" dirty="0">
+                <a:solidFill>
+                  <a:srgbClr val="FF0000"/>
+                </a:solidFill>
+                <a:latin typeface="PingFang SC"/>
+              </a:rPr>
+              <a:t>子领域</a:t>
+            </a:r>
+            <a:r>
+              <a:rPr lang="zh-CN" altLang="en-US" dirty="0">
+                <a:solidFill>
+                  <a:srgbClr val="333333"/>
+                </a:solidFill>
+                <a:latin typeface="PingFang SC"/>
+              </a:rPr>
+              <a:t>就是把划分出来的多个子领域称为子域，每个子域对应一个更小的问题域或更小的业务范围。</a:t>
+            </a:r>
+            <a:endParaRPr lang="zh-CN" altLang="en-US" dirty="0"/>
+          </a:p>
+        </p:txBody>
+      </p:sp>
+      <p:sp>
+        <p:nvSpPr>
+          <p:cNvPr id="4" name="矩形 3">
+            <a:extLst>
+              <a:ext uri="{FF2B5EF4-FFF2-40B4-BE49-F238E27FC236}">
+                <a16:creationId xmlns:a16="http://schemas.microsoft.com/office/drawing/2014/main" id="{7AE97482-4975-486F-A357-0F91DD99FE88}"/>
+              </a:ext>
+            </a:extLst>
+          </p:cNvPr>
+          <p:cNvSpPr/>
+          <p:nvPr/>
+        </p:nvSpPr>
+        <p:spPr>
+          <a:xfrm>
+            <a:off x="1015013" y="2420905"/>
+            <a:ext cx="9434004" cy="2031325"/>
+          </a:xfrm>
+          <a:prstGeom prst="rect">
+            <a:avLst/>
+          </a:prstGeom>
+        </p:spPr>
+        <p:txBody>
+          <a:bodyPr wrap="square">
+            <a:spAutoFit/>
+          </a:bodyPr>
+          <a:lstStyle/>
+          <a:p>
+            <a:r>
+              <a:rPr lang="zh-CN" altLang="en-US" dirty="0">
+                <a:solidFill>
+                  <a:srgbClr val="333333"/>
+                </a:solidFill>
+                <a:latin typeface="PingFang SC"/>
+              </a:rPr>
+              <a:t>决定产品和公司核心竞争力的子域是</a:t>
+            </a:r>
+            <a:r>
+              <a:rPr lang="zh-CN" altLang="en-US" b="1" dirty="0">
+                <a:solidFill>
+                  <a:srgbClr val="FF0000"/>
+                </a:solidFill>
+                <a:latin typeface="PingFang SC"/>
+              </a:rPr>
+              <a:t>核心域</a:t>
+            </a:r>
+            <a:r>
+              <a:rPr lang="zh-CN" altLang="en-US" dirty="0">
+                <a:solidFill>
+                  <a:srgbClr val="333333"/>
+                </a:solidFill>
+                <a:latin typeface="PingFang SC"/>
+              </a:rPr>
+              <a:t>，它是业务成功的主要因素和公司的核心竞争力。</a:t>
+            </a:r>
+            <a:endParaRPr lang="en-US" altLang="zh-CN" dirty="0">
+              <a:solidFill>
+                <a:srgbClr val="333333"/>
+              </a:solidFill>
+              <a:latin typeface="PingFang SC"/>
+            </a:endParaRPr>
+          </a:p>
+          <a:p>
+            <a:endParaRPr lang="en-US" altLang="zh-CN" dirty="0">
+              <a:solidFill>
+                <a:srgbClr val="333333"/>
+              </a:solidFill>
+              <a:latin typeface="PingFang SC"/>
+            </a:endParaRPr>
+          </a:p>
+          <a:p>
+            <a:r>
+              <a:rPr lang="zh-CN" altLang="en-US" dirty="0">
+                <a:solidFill>
+                  <a:srgbClr val="333333"/>
+                </a:solidFill>
+                <a:latin typeface="PingFang SC"/>
+              </a:rPr>
+              <a:t>没有太多个性化的诉求，同时被多个子域使用的通用功能子域是</a:t>
+            </a:r>
+            <a:r>
+              <a:rPr lang="zh-CN" altLang="en-US" b="1" dirty="0">
+                <a:solidFill>
+                  <a:srgbClr val="FF0000"/>
+                </a:solidFill>
+                <a:latin typeface="PingFang SC"/>
+              </a:rPr>
+              <a:t>通用域</a:t>
+            </a:r>
+            <a:r>
+              <a:rPr lang="zh-CN" altLang="en-US" dirty="0">
+                <a:solidFill>
+                  <a:srgbClr val="333333"/>
+                </a:solidFill>
+                <a:latin typeface="PingFang SC"/>
+              </a:rPr>
+              <a:t>。</a:t>
+            </a:r>
+            <a:r>
+              <a:rPr lang="zh-CN" altLang="en-US" dirty="0"/>
+              <a:t>比如认证、权限等</a:t>
+            </a:r>
+            <a:endParaRPr lang="en-US" altLang="zh-CN" dirty="0">
+              <a:solidFill>
+                <a:srgbClr val="333333"/>
+              </a:solidFill>
+              <a:latin typeface="PingFang SC"/>
+            </a:endParaRPr>
+          </a:p>
+          <a:p>
+            <a:endParaRPr lang="en-US" altLang="zh-CN" dirty="0">
+              <a:solidFill>
+                <a:srgbClr val="333333"/>
+              </a:solidFill>
+              <a:latin typeface="PingFang SC"/>
+            </a:endParaRPr>
+          </a:p>
+          <a:p>
+            <a:r>
+              <a:rPr lang="zh-CN" altLang="en-US" dirty="0">
+                <a:solidFill>
+                  <a:srgbClr val="333333"/>
+                </a:solidFill>
+                <a:latin typeface="PingFang SC"/>
+              </a:rPr>
+              <a:t>还有一种功能子域是必需的，但既不包含决定产品和公司核心竞争力的功能，也不包含通用功能的子域，它就是</a:t>
+            </a:r>
+            <a:r>
+              <a:rPr lang="zh-CN" altLang="en-US" b="1" dirty="0">
+                <a:solidFill>
+                  <a:srgbClr val="FF0000"/>
+                </a:solidFill>
+                <a:latin typeface="PingFang SC"/>
+              </a:rPr>
+              <a:t>支撑域</a:t>
+            </a:r>
+            <a:r>
+              <a:rPr lang="zh-CN" altLang="en-US" dirty="0">
+                <a:solidFill>
+                  <a:srgbClr val="333333"/>
+                </a:solidFill>
+                <a:latin typeface="PingFang SC"/>
+              </a:rPr>
+              <a:t>。</a:t>
+            </a:r>
+            <a:r>
+              <a:rPr lang="zh-CN" altLang="en-US" dirty="0"/>
+              <a:t>支撑域则具有企业特性，但不具有通用性，例如数据代码类的数据字典等系统。</a:t>
+            </a:r>
+          </a:p>
+        </p:txBody>
+      </p:sp>
+      <p:sp>
+        <p:nvSpPr>
+          <p:cNvPr id="5" name="矩形 4">
+            <a:extLst>
+              <a:ext uri="{FF2B5EF4-FFF2-40B4-BE49-F238E27FC236}">
+                <a16:creationId xmlns:a16="http://schemas.microsoft.com/office/drawing/2014/main" id="{8D221094-1E4B-4304-A2AB-2BD8DCE0DA61}"/>
+              </a:ext>
+            </a:extLst>
+          </p:cNvPr>
+          <p:cNvSpPr/>
+          <p:nvPr/>
+        </p:nvSpPr>
+        <p:spPr>
+          <a:xfrm>
+            <a:off x="1015012" y="4742894"/>
+            <a:ext cx="9700335" cy="646331"/>
+          </a:xfrm>
+          <a:prstGeom prst="rect">
+            <a:avLst/>
+          </a:prstGeom>
+        </p:spPr>
+        <p:txBody>
+          <a:bodyPr wrap="square">
+            <a:spAutoFit/>
+          </a:bodyPr>
+          <a:lstStyle/>
+          <a:p>
+            <a:r>
+              <a:rPr lang="zh-CN" altLang="en-US" dirty="0">
+                <a:solidFill>
+                  <a:srgbClr val="333333"/>
+                </a:solidFill>
+                <a:latin typeface="PingFang SC"/>
+              </a:rPr>
+              <a:t>在事件风暴过程中，通过团队交流达成共识的，能够简单、清晰、准确描述业务涵义和规则的语言就是</a:t>
+            </a:r>
+            <a:r>
+              <a:rPr lang="zh-CN" altLang="en-US" b="1" dirty="0">
+                <a:solidFill>
+                  <a:srgbClr val="FF0000"/>
+                </a:solidFill>
+                <a:latin typeface="PingFang SC"/>
+              </a:rPr>
+              <a:t>通用语言</a:t>
+            </a:r>
+            <a:r>
+              <a:rPr lang="zh-CN" altLang="en-US" dirty="0">
+                <a:solidFill>
+                  <a:srgbClr val="333333"/>
+                </a:solidFill>
+                <a:latin typeface="PingFang SC"/>
+              </a:rPr>
+              <a:t>。</a:t>
+            </a:r>
+            <a:endParaRPr lang="zh-CN" altLang="en-US" dirty="0"/>
+          </a:p>
+        </p:txBody>
+      </p:sp>
+      <p:sp>
+        <p:nvSpPr>
+          <p:cNvPr id="6" name="矩形 5">
+            <a:extLst>
+              <a:ext uri="{FF2B5EF4-FFF2-40B4-BE49-F238E27FC236}">
+                <a16:creationId xmlns:a16="http://schemas.microsoft.com/office/drawing/2014/main" id="{5C72E1F7-68EE-4214-A70F-2B3A405BD2F0}"/>
+              </a:ext>
+            </a:extLst>
+          </p:cNvPr>
+          <p:cNvSpPr/>
+          <p:nvPr/>
+        </p:nvSpPr>
+        <p:spPr>
+          <a:xfrm>
+            <a:off x="908481" y="5554281"/>
+            <a:ext cx="10082074" cy="646331"/>
+          </a:xfrm>
+          <a:prstGeom prst="rect">
+            <a:avLst/>
+          </a:prstGeom>
+        </p:spPr>
+        <p:txBody>
+          <a:bodyPr wrap="square">
+            <a:spAutoFit/>
+          </a:bodyPr>
+          <a:lstStyle/>
+          <a:p>
+            <a:r>
+              <a:rPr lang="zh-CN" altLang="en-US" dirty="0">
+                <a:solidFill>
+                  <a:srgbClr val="333333"/>
+                </a:solidFill>
+                <a:latin typeface="PingFang SC"/>
+              </a:rPr>
+              <a:t>我们可以将</a:t>
+            </a:r>
+            <a:r>
+              <a:rPr lang="zh-CN" altLang="en-US" b="1" dirty="0">
+                <a:solidFill>
+                  <a:srgbClr val="FF0000"/>
+                </a:solidFill>
+                <a:latin typeface="PingFang SC"/>
+              </a:rPr>
+              <a:t>限界上下文</a:t>
+            </a:r>
+            <a:r>
+              <a:rPr lang="zh-CN" altLang="en-US" dirty="0">
+                <a:solidFill>
+                  <a:srgbClr val="333333"/>
+                </a:solidFill>
+                <a:latin typeface="PingFang SC"/>
+              </a:rPr>
+              <a:t>拆解为两个词：限界和上下文。限界就是领域的边界，而上下文则是语义环境。通过领域的限界上下文，我们就可以在统一的领域边界内用统一的语言进行交流。</a:t>
+            </a:r>
+            <a:endParaRPr lang="zh-CN" altLang="en-US" dirty="0"/>
+          </a:p>
+        </p:txBody>
+      </p:sp>
+    </p:spTree>
+    <p:extLst>
+      <p:ext uri="{BB962C8B-B14F-4D97-AF65-F5344CB8AC3E}">
+        <p14:creationId xmlns:p14="http://schemas.microsoft.com/office/powerpoint/2010/main" val="3894399651"/>
+      </p:ext>
+    </p:extLst>
+  </p:cSld>
+  <p:clrMapOvr>
+    <a:masterClrMapping/>
+  </p:clrMapOvr>
+</p:sld>
+</file>
+
+<file path=ppt/slides/slide4.xml><?xml version="1.0" encoding="utf-8"?>
+<p:sld xmlns:a="http://schemas.openxmlformats.org/drawingml/2006/main" xmlns:r="http://schemas.openxmlformats.org/officeDocument/2006/relationships" xmlns:p="http://schemas.openxmlformats.org/presentationml/2006/main">
+  <p:cSld>
+    <p:spTree>
+      <p:nvGrpSpPr>
+        <p:cNvPr id="1" name=""/>
+        <p:cNvGrpSpPr/>
+        <p:nvPr/>
+      </p:nvGrpSpPr>
+      <p:grpSpPr>
+        <a:xfrm>
+          <a:off x="0" y="0"/>
+          <a:ext cx="0" cy="0"/>
+          <a:chOff x="0" y="0"/>
+          <a:chExt cx="0" cy="0"/>
+        </a:xfrm>
+      </p:grpSpPr>
+      <p:sp>
+        <p:nvSpPr>
+          <p:cNvPr id="2" name="矩形 1">
+            <a:extLst>
+              <a:ext uri="{FF2B5EF4-FFF2-40B4-BE49-F238E27FC236}">
+                <a16:creationId xmlns:a16="http://schemas.microsoft.com/office/drawing/2014/main" id="{1D3236A4-0B7E-4998-8CFF-B011E711E8D4}"/>
+              </a:ext>
+            </a:extLst>
+          </p:cNvPr>
+          <p:cNvSpPr/>
+          <p:nvPr/>
+        </p:nvSpPr>
+        <p:spPr>
+          <a:xfrm>
+            <a:off x="659907" y="746126"/>
+            <a:ext cx="10889942" cy="923330"/>
+          </a:xfrm>
+          <a:prstGeom prst="rect">
+            <a:avLst/>
+          </a:prstGeom>
+        </p:spPr>
+        <p:txBody>
+          <a:bodyPr wrap="square">
+            <a:spAutoFit/>
+          </a:bodyPr>
+          <a:lstStyle/>
+          <a:p>
+            <a:r>
+              <a:rPr lang="zh-CN" altLang="en-US" dirty="0">
+                <a:solidFill>
+                  <a:srgbClr val="333333"/>
+                </a:solidFill>
+                <a:latin typeface="PingFang SC"/>
+              </a:rPr>
+              <a:t>在 </a:t>
+            </a:r>
+            <a:r>
+              <a:rPr lang="en-US" altLang="zh-CN" dirty="0">
+                <a:solidFill>
+                  <a:srgbClr val="333333"/>
+                </a:solidFill>
+                <a:latin typeface="PingFang SC"/>
+              </a:rPr>
+              <a:t>DDD </a:t>
+            </a:r>
+            <a:r>
+              <a:rPr lang="zh-CN" altLang="en-US" dirty="0">
+                <a:solidFill>
+                  <a:srgbClr val="333333"/>
+                </a:solidFill>
+                <a:latin typeface="PingFang SC"/>
+              </a:rPr>
+              <a:t>中有这样一类对象，它们拥有唯一标识符，且标识符在历经各种状态变更后仍能保持一致。对这些对象而言，重要的不是其属性，而是其延续性和标识，对象的延续性和标识会跨越甚至超出软件的生命周期。我们把这样的对象称为</a:t>
+            </a:r>
+            <a:r>
+              <a:rPr lang="zh-CN" altLang="en-US" b="1" dirty="0">
+                <a:solidFill>
+                  <a:srgbClr val="FF0000"/>
+                </a:solidFill>
+                <a:latin typeface="PingFang SC"/>
+              </a:rPr>
+              <a:t>实体</a:t>
+            </a:r>
+            <a:endParaRPr lang="zh-CN" altLang="en-US" b="1" dirty="0">
+              <a:solidFill>
+                <a:srgbClr val="FF0000"/>
+              </a:solidFill>
+            </a:endParaRPr>
+          </a:p>
+        </p:txBody>
+      </p:sp>
+      <p:sp>
+        <p:nvSpPr>
+          <p:cNvPr id="3" name="矩形 2">
+            <a:extLst>
+              <a:ext uri="{FF2B5EF4-FFF2-40B4-BE49-F238E27FC236}">
+                <a16:creationId xmlns:a16="http://schemas.microsoft.com/office/drawing/2014/main" id="{D65FE5A3-4E10-4E74-8D42-9379214C64E8}"/>
+              </a:ext>
+            </a:extLst>
+          </p:cNvPr>
+          <p:cNvSpPr/>
+          <p:nvPr/>
+        </p:nvSpPr>
+        <p:spPr>
+          <a:xfrm>
+            <a:off x="659907" y="2226946"/>
+            <a:ext cx="11085250" cy="923330"/>
+          </a:xfrm>
+          <a:prstGeom prst="rect">
+            <a:avLst/>
+          </a:prstGeom>
+        </p:spPr>
+        <p:txBody>
+          <a:bodyPr wrap="square">
+            <a:spAutoFit/>
+          </a:bodyPr>
+          <a:lstStyle/>
+          <a:p>
+            <a:r>
+              <a:rPr lang="zh-CN" altLang="en-US" dirty="0">
+                <a:solidFill>
+                  <a:srgbClr val="333333"/>
+                </a:solidFill>
+                <a:latin typeface="PingFang SC"/>
+              </a:rPr>
+              <a:t>通过对象属性值来识别的对象，它将多个相关属性组合为一个概念整体。</a:t>
+            </a:r>
+            <a:r>
+              <a:rPr lang="zh-CN" altLang="en-US" b="1" dirty="0">
+                <a:solidFill>
+                  <a:srgbClr val="FF0000"/>
+                </a:solidFill>
+              </a:rPr>
+              <a:t>值对象</a:t>
+            </a:r>
+            <a:r>
+              <a:rPr lang="zh-CN" altLang="en-US" dirty="0"/>
+              <a:t>描述了领域中的一件东西，这个东西是不可变的，它将不同的相关属性组合成了一个概念整体。当度量和描述改变时，可以用另外一个值对象予以替换。它可以和其它值对象进行相等性比较，且不会对协作对象造成副作用。</a:t>
+            </a:r>
+          </a:p>
+        </p:txBody>
+      </p:sp>
+      <p:sp>
+        <p:nvSpPr>
+          <p:cNvPr id="4" name="矩形 3">
+            <a:extLst>
+              <a:ext uri="{FF2B5EF4-FFF2-40B4-BE49-F238E27FC236}">
+                <a16:creationId xmlns:a16="http://schemas.microsoft.com/office/drawing/2014/main" id="{B25B16D4-D227-4B1A-A154-16AD408DB704}"/>
+              </a:ext>
+            </a:extLst>
+          </p:cNvPr>
+          <p:cNvSpPr/>
+          <p:nvPr/>
+        </p:nvSpPr>
+        <p:spPr>
+          <a:xfrm>
+            <a:off x="730929" y="3638895"/>
+            <a:ext cx="10543712" cy="646331"/>
+          </a:xfrm>
+          <a:prstGeom prst="rect">
+            <a:avLst/>
+          </a:prstGeom>
+        </p:spPr>
+        <p:txBody>
+          <a:bodyPr wrap="square">
+            <a:spAutoFit/>
+          </a:bodyPr>
+          <a:lstStyle/>
+          <a:p>
+            <a:r>
+              <a:rPr lang="zh-CN" altLang="en-US" dirty="0">
+                <a:solidFill>
+                  <a:srgbClr val="333333"/>
+                </a:solidFill>
+                <a:latin typeface="PingFang SC"/>
+              </a:rPr>
+              <a:t>领域模型内的实体和值对象就好比个体，而能让实体和值对象协同工作的组织就是</a:t>
+            </a:r>
+            <a:r>
+              <a:rPr lang="zh-CN" altLang="en-US" b="1" dirty="0">
+                <a:solidFill>
+                  <a:srgbClr val="FF0000"/>
+                </a:solidFill>
+                <a:latin typeface="PingFang SC"/>
+              </a:rPr>
+              <a:t>聚合</a:t>
+            </a:r>
+            <a:r>
+              <a:rPr lang="zh-CN" altLang="en-US" dirty="0">
+                <a:solidFill>
+                  <a:srgbClr val="333333"/>
+                </a:solidFill>
+                <a:latin typeface="PingFang SC"/>
+              </a:rPr>
+              <a:t>，它用来确保这些领域对象在实现共同的业务逻辑时，能保证数据的一致性。</a:t>
+            </a:r>
+            <a:endParaRPr lang="zh-CN" altLang="en-US" dirty="0"/>
+          </a:p>
+        </p:txBody>
+      </p:sp>
+      <p:sp>
+        <p:nvSpPr>
+          <p:cNvPr id="5" name="矩形 4">
+            <a:extLst>
+              <a:ext uri="{FF2B5EF4-FFF2-40B4-BE49-F238E27FC236}">
+                <a16:creationId xmlns:a16="http://schemas.microsoft.com/office/drawing/2014/main" id="{73B7A10E-C28D-42A0-AD9A-BBEE75FD39C6}"/>
+              </a:ext>
+            </a:extLst>
+          </p:cNvPr>
+          <p:cNvSpPr/>
+          <p:nvPr/>
+        </p:nvSpPr>
+        <p:spPr>
+          <a:xfrm>
+            <a:off x="659907" y="4773846"/>
+            <a:ext cx="10614734" cy="646331"/>
+          </a:xfrm>
+          <a:prstGeom prst="rect">
+            <a:avLst/>
+          </a:prstGeom>
+        </p:spPr>
+        <p:txBody>
+          <a:bodyPr wrap="square">
+            <a:spAutoFit/>
+          </a:bodyPr>
+          <a:lstStyle/>
+          <a:p>
+            <a:r>
+              <a:rPr lang="zh-CN" altLang="en-US" dirty="0">
+                <a:solidFill>
+                  <a:srgbClr val="333333"/>
+                </a:solidFill>
+                <a:latin typeface="PingFang SC"/>
+              </a:rPr>
+              <a:t>如果把聚合比作组织，那</a:t>
+            </a:r>
+            <a:r>
+              <a:rPr lang="zh-CN" altLang="en-US" b="1" dirty="0">
+                <a:solidFill>
+                  <a:srgbClr val="FF0000"/>
+                </a:solidFill>
+                <a:latin typeface="PingFang SC"/>
+              </a:rPr>
+              <a:t>聚合根</a:t>
+            </a:r>
+            <a:r>
+              <a:rPr lang="zh-CN" altLang="en-US" dirty="0">
+                <a:solidFill>
+                  <a:srgbClr val="333333"/>
+                </a:solidFill>
+                <a:latin typeface="PingFang SC"/>
+              </a:rPr>
+              <a:t>就是这个组织的负责人。</a:t>
+            </a:r>
+            <a:r>
+              <a:rPr lang="zh-CN" altLang="en-US" dirty="0">
+                <a:latin typeface="PingFang SC"/>
+              </a:rPr>
+              <a:t>聚合根</a:t>
+            </a:r>
+            <a:r>
+              <a:rPr lang="zh-CN" altLang="en-US" dirty="0">
+                <a:solidFill>
+                  <a:srgbClr val="333333"/>
+                </a:solidFill>
+                <a:latin typeface="PingFang SC"/>
+              </a:rPr>
+              <a:t>也称为根实体，它不仅是实体，还是聚合的管理者。</a:t>
+            </a:r>
+            <a:endParaRPr lang="zh-CN" altLang="en-US" dirty="0"/>
+          </a:p>
+        </p:txBody>
+      </p:sp>
+    </p:spTree>
+    <p:extLst>
+      <p:ext uri="{BB962C8B-B14F-4D97-AF65-F5344CB8AC3E}">
+        <p14:creationId xmlns:p14="http://schemas.microsoft.com/office/powerpoint/2010/main" val="2141357909"/>
+      </p:ext>
+    </p:extLst>
+  </p:cSld>
+  <p:clrMapOvr>
+    <a:masterClrMapping/>
+  </p:clrMapOvr>
+</p:sld>
+</file>
+
+<file path=ppt/slides/slide5.xml><?xml version="1.0" encoding="utf-8"?>
+<p:sld xmlns:a="http://schemas.openxmlformats.org/drawingml/2006/main" xmlns:r="http://schemas.openxmlformats.org/officeDocument/2006/relationships" xmlns:p="http://schemas.openxmlformats.org/presentationml/2006/main">
+  <p:cSld>
+    <p:spTree>
+      <p:nvGrpSpPr>
+        <p:cNvPr id="1" name=""/>
+        <p:cNvGrpSpPr/>
+        <p:nvPr/>
+      </p:nvGrpSpPr>
+      <p:grpSpPr>
+        <a:xfrm>
+          <a:off x="0" y="0"/>
+          <a:ext cx="0" cy="0"/>
+          <a:chOff x="0" y="0"/>
+          <a:chExt cx="0" cy="0"/>
+        </a:xfrm>
+      </p:grpSpPr>
+    </p:spTree>
+    <p:extLst>
+      <p:ext uri="{BB962C8B-B14F-4D97-AF65-F5344CB8AC3E}">
+        <p14:creationId xmlns:p14="http://schemas.microsoft.com/office/powerpoint/2010/main" val="82807767"/>
       </p:ext>
     </p:extLst>
   </p:cSld>

--- a/DDD_Sample/Docs/DDD.pptx
+++ b/DDD_Sample/Docs/DDD.pptx
@@ -3424,6 +3424,15 @@
               </a:rPr>
               <a:t>https://juejin.im/post/5e1989d7e51d4558864b0b29</a:t>
             </a:r>
+            <a:endParaRPr lang="en-US" altLang="zh-CN" dirty="0"/>
+          </a:p>
+          <a:p>
+            <a:r>
+              <a:rPr lang="en-US" altLang="zh-CN">
+                <a:hlinkClick r:id="rId4"/>
+              </a:rPr>
+              <a:t>https://www.jianshu.com/p/e3bf8b6000a9</a:t>
+            </a:r>
             <a:endParaRPr lang="zh-CN" altLang="en-US" dirty="0"/>
           </a:p>
         </p:txBody>

--- a/DDD_Sample/Docs/DDD.pptx
+++ b/DDD_Sample/Docs/DDD.pptx
@@ -263,7 +263,7 @@
           <a:p>
             <a:fld id="{660BC6C9-25A6-4F7E-A250-A3AC76331EF0}" type="datetimeFigureOut">
               <a:rPr lang="zh-CN" altLang="en-US" smtClean="0"/>
-              <a:t>2020/2/10</a:t>
+              <a:t>2020/2/11</a:t>
             </a:fld>
             <a:endParaRPr lang="zh-CN" altLang="en-US"/>
           </a:p>
@@ -461,7 +461,7 @@
           <a:p>
             <a:fld id="{660BC6C9-25A6-4F7E-A250-A3AC76331EF0}" type="datetimeFigureOut">
               <a:rPr lang="zh-CN" altLang="en-US" smtClean="0"/>
-              <a:t>2020/2/10</a:t>
+              <a:t>2020/2/11</a:t>
             </a:fld>
             <a:endParaRPr lang="zh-CN" altLang="en-US"/>
           </a:p>
@@ -669,7 +669,7 @@
           <a:p>
             <a:fld id="{660BC6C9-25A6-4F7E-A250-A3AC76331EF0}" type="datetimeFigureOut">
               <a:rPr lang="zh-CN" altLang="en-US" smtClean="0"/>
-              <a:t>2020/2/10</a:t>
+              <a:t>2020/2/11</a:t>
             </a:fld>
             <a:endParaRPr lang="zh-CN" altLang="en-US"/>
           </a:p>
@@ -867,7 +867,7 @@
           <a:p>
             <a:fld id="{660BC6C9-25A6-4F7E-A250-A3AC76331EF0}" type="datetimeFigureOut">
               <a:rPr lang="zh-CN" altLang="en-US" smtClean="0"/>
-              <a:t>2020/2/10</a:t>
+              <a:t>2020/2/11</a:t>
             </a:fld>
             <a:endParaRPr lang="zh-CN" altLang="en-US"/>
           </a:p>
@@ -1142,7 +1142,7 @@
           <a:p>
             <a:fld id="{660BC6C9-25A6-4F7E-A250-A3AC76331EF0}" type="datetimeFigureOut">
               <a:rPr lang="zh-CN" altLang="en-US" smtClean="0"/>
-              <a:t>2020/2/10</a:t>
+              <a:t>2020/2/11</a:t>
             </a:fld>
             <a:endParaRPr lang="zh-CN" altLang="en-US"/>
           </a:p>
@@ -1407,7 +1407,7 @@
           <a:p>
             <a:fld id="{660BC6C9-25A6-4F7E-A250-A3AC76331EF0}" type="datetimeFigureOut">
               <a:rPr lang="zh-CN" altLang="en-US" smtClean="0"/>
-              <a:t>2020/2/10</a:t>
+              <a:t>2020/2/11</a:t>
             </a:fld>
             <a:endParaRPr lang="zh-CN" altLang="en-US"/>
           </a:p>
@@ -1819,7 +1819,7 @@
           <a:p>
             <a:fld id="{660BC6C9-25A6-4F7E-A250-A3AC76331EF0}" type="datetimeFigureOut">
               <a:rPr lang="zh-CN" altLang="en-US" smtClean="0"/>
-              <a:t>2020/2/10</a:t>
+              <a:t>2020/2/11</a:t>
             </a:fld>
             <a:endParaRPr lang="zh-CN" altLang="en-US"/>
           </a:p>
@@ -1960,7 +1960,7 @@
           <a:p>
             <a:fld id="{660BC6C9-25A6-4F7E-A250-A3AC76331EF0}" type="datetimeFigureOut">
               <a:rPr lang="zh-CN" altLang="en-US" smtClean="0"/>
-              <a:t>2020/2/10</a:t>
+              <a:t>2020/2/11</a:t>
             </a:fld>
             <a:endParaRPr lang="zh-CN" altLang="en-US"/>
           </a:p>
@@ -2073,7 +2073,7 @@
           <a:p>
             <a:fld id="{660BC6C9-25A6-4F7E-A250-A3AC76331EF0}" type="datetimeFigureOut">
               <a:rPr lang="zh-CN" altLang="en-US" smtClean="0"/>
-              <a:t>2020/2/10</a:t>
+              <a:t>2020/2/11</a:t>
             </a:fld>
             <a:endParaRPr lang="zh-CN" altLang="en-US"/>
           </a:p>
@@ -2384,7 +2384,7 @@
           <a:p>
             <a:fld id="{660BC6C9-25A6-4F7E-A250-A3AC76331EF0}" type="datetimeFigureOut">
               <a:rPr lang="zh-CN" altLang="en-US" smtClean="0"/>
-              <a:t>2020/2/10</a:t>
+              <a:t>2020/2/11</a:t>
             </a:fld>
             <a:endParaRPr lang="zh-CN" altLang="en-US"/>
           </a:p>
@@ -2672,7 +2672,7 @@
           <a:p>
             <a:fld id="{660BC6C9-25A6-4F7E-A250-A3AC76331EF0}" type="datetimeFigureOut">
               <a:rPr lang="zh-CN" altLang="en-US" smtClean="0"/>
-              <a:t>2020/2/10</a:t>
+              <a:t>2020/2/11</a:t>
             </a:fld>
             <a:endParaRPr lang="zh-CN" altLang="en-US"/>
           </a:p>
@@ -2913,7 +2913,7 @@
           <a:p>
             <a:fld id="{660BC6C9-25A6-4F7E-A250-A3AC76331EF0}" type="datetimeFigureOut">
               <a:rPr lang="zh-CN" altLang="en-US" smtClean="0"/>
-              <a:t>2020/2/10</a:t>
+              <a:t>2020/2/11</a:t>
             </a:fld>
             <a:endParaRPr lang="zh-CN" altLang="en-US"/>
           </a:p>
@@ -3422,13 +3422,13 @@
               <a:rPr lang="en-US" altLang="zh-CN" dirty="0">
                 <a:hlinkClick r:id="rId3"/>
               </a:rPr>
-              <a:t>https://juejin.im/post/5e1989d7e51d4558864b0b29</a:t>
+              <a:t>https://blog.csdn.net/muzizongheng/article/details/103924816</a:t>
             </a:r>
             <a:endParaRPr lang="en-US" altLang="zh-CN" dirty="0"/>
           </a:p>
           <a:p>
             <a:r>
-              <a:rPr lang="en-US" altLang="zh-CN">
+              <a:rPr lang="en-US" altLang="zh-CN" dirty="0">
                 <a:hlinkClick r:id="rId4"/>
               </a:rPr>
               <a:t>https://www.jianshu.com/p/e3bf8b6000a9</a:t>

--- a/DDD_Sample/Docs/DDD.pptx
+++ b/DDD_Sample/Docs/DDD.pptx
@@ -263,7 +263,7 @@
           <a:p>
             <a:fld id="{660BC6C9-25A6-4F7E-A250-A3AC76331EF0}" type="datetimeFigureOut">
               <a:rPr lang="zh-CN" altLang="en-US" smtClean="0"/>
-              <a:t>2020/2/11</a:t>
+              <a:t>2020/2/16</a:t>
             </a:fld>
             <a:endParaRPr lang="zh-CN" altLang="en-US"/>
           </a:p>
@@ -461,7 +461,7 @@
           <a:p>
             <a:fld id="{660BC6C9-25A6-4F7E-A250-A3AC76331EF0}" type="datetimeFigureOut">
               <a:rPr lang="zh-CN" altLang="en-US" smtClean="0"/>
-              <a:t>2020/2/11</a:t>
+              <a:t>2020/2/16</a:t>
             </a:fld>
             <a:endParaRPr lang="zh-CN" altLang="en-US"/>
           </a:p>
@@ -669,7 +669,7 @@
           <a:p>
             <a:fld id="{660BC6C9-25A6-4F7E-A250-A3AC76331EF0}" type="datetimeFigureOut">
               <a:rPr lang="zh-CN" altLang="en-US" smtClean="0"/>
-              <a:t>2020/2/11</a:t>
+              <a:t>2020/2/16</a:t>
             </a:fld>
             <a:endParaRPr lang="zh-CN" altLang="en-US"/>
           </a:p>
@@ -867,7 +867,7 @@
           <a:p>
             <a:fld id="{660BC6C9-25A6-4F7E-A250-A3AC76331EF0}" type="datetimeFigureOut">
               <a:rPr lang="zh-CN" altLang="en-US" smtClean="0"/>
-              <a:t>2020/2/11</a:t>
+              <a:t>2020/2/16</a:t>
             </a:fld>
             <a:endParaRPr lang="zh-CN" altLang="en-US"/>
           </a:p>
@@ -1142,7 +1142,7 @@
           <a:p>
             <a:fld id="{660BC6C9-25A6-4F7E-A250-A3AC76331EF0}" type="datetimeFigureOut">
               <a:rPr lang="zh-CN" altLang="en-US" smtClean="0"/>
-              <a:t>2020/2/11</a:t>
+              <a:t>2020/2/16</a:t>
             </a:fld>
             <a:endParaRPr lang="zh-CN" altLang="en-US"/>
           </a:p>
@@ -1407,7 +1407,7 @@
           <a:p>
             <a:fld id="{660BC6C9-25A6-4F7E-A250-A3AC76331EF0}" type="datetimeFigureOut">
               <a:rPr lang="zh-CN" altLang="en-US" smtClean="0"/>
-              <a:t>2020/2/11</a:t>
+              <a:t>2020/2/16</a:t>
             </a:fld>
             <a:endParaRPr lang="zh-CN" altLang="en-US"/>
           </a:p>
@@ -1819,7 +1819,7 @@
           <a:p>
             <a:fld id="{660BC6C9-25A6-4F7E-A250-A3AC76331EF0}" type="datetimeFigureOut">
               <a:rPr lang="zh-CN" altLang="en-US" smtClean="0"/>
-              <a:t>2020/2/11</a:t>
+              <a:t>2020/2/16</a:t>
             </a:fld>
             <a:endParaRPr lang="zh-CN" altLang="en-US"/>
           </a:p>
@@ -1960,7 +1960,7 @@
           <a:p>
             <a:fld id="{660BC6C9-25A6-4F7E-A250-A3AC76331EF0}" type="datetimeFigureOut">
               <a:rPr lang="zh-CN" altLang="en-US" smtClean="0"/>
-              <a:t>2020/2/11</a:t>
+              <a:t>2020/2/16</a:t>
             </a:fld>
             <a:endParaRPr lang="zh-CN" altLang="en-US"/>
           </a:p>
@@ -2073,7 +2073,7 @@
           <a:p>
             <a:fld id="{660BC6C9-25A6-4F7E-A250-A3AC76331EF0}" type="datetimeFigureOut">
               <a:rPr lang="zh-CN" altLang="en-US" smtClean="0"/>
-              <a:t>2020/2/11</a:t>
+              <a:t>2020/2/16</a:t>
             </a:fld>
             <a:endParaRPr lang="zh-CN" altLang="en-US"/>
           </a:p>
@@ -2384,7 +2384,7 @@
           <a:p>
             <a:fld id="{660BC6C9-25A6-4F7E-A250-A3AC76331EF0}" type="datetimeFigureOut">
               <a:rPr lang="zh-CN" altLang="en-US" smtClean="0"/>
-              <a:t>2020/2/11</a:t>
+              <a:t>2020/2/16</a:t>
             </a:fld>
             <a:endParaRPr lang="zh-CN" altLang="en-US"/>
           </a:p>
@@ -2672,7 +2672,7 @@
           <a:p>
             <a:fld id="{660BC6C9-25A6-4F7E-A250-A3AC76331EF0}" type="datetimeFigureOut">
               <a:rPr lang="zh-CN" altLang="en-US" smtClean="0"/>
-              <a:t>2020/2/11</a:t>
+              <a:t>2020/2/16</a:t>
             </a:fld>
             <a:endParaRPr lang="zh-CN" altLang="en-US"/>
           </a:p>
@@ -2913,7 +2913,7 @@
           <a:p>
             <a:fld id="{660BC6C9-25A6-4F7E-A250-A3AC76331EF0}" type="datetimeFigureOut">
               <a:rPr lang="zh-CN" altLang="en-US" smtClean="0"/>
-              <a:t>2020/2/11</a:t>
+              <a:t>2020/2/16</a:t>
             </a:fld>
             <a:endParaRPr lang="zh-CN" altLang="en-US"/>
           </a:p>
@@ -3406,7 +3406,9 @@
         </p:nvSpPr>
         <p:spPr/>
         <p:txBody>
-          <a:bodyPr/>
+          <a:bodyPr>
+            <a:normAutofit/>
+          </a:bodyPr>
           <a:lstStyle/>
           <a:p>
             <a:r>
@@ -3432,6 +3434,42 @@
                 <a:hlinkClick r:id="rId4"/>
               </a:rPr>
               <a:t>https://www.jianshu.com/p/e3bf8b6000a9</a:t>
+            </a:r>
+            <a:endParaRPr lang="en-US" altLang="zh-CN" dirty="0"/>
+          </a:p>
+          <a:p>
+            <a:r>
+              <a:rPr lang="en-US" altLang="zh-CN" dirty="0">
+                <a:hlinkClick r:id="rId5"/>
+              </a:rPr>
+              <a:t>https://www.jdon.com/ddd.html</a:t>
+            </a:r>
+            <a:endParaRPr lang="en-US" altLang="zh-CN" dirty="0"/>
+          </a:p>
+          <a:p>
+            <a:endParaRPr lang="en-US" altLang="zh-CN" dirty="0"/>
+          </a:p>
+          <a:p>
+            <a:pPr marL="0" indent="0">
+              <a:buNone/>
+            </a:pPr>
+            <a:endParaRPr lang="en-US" altLang="zh-CN" dirty="0"/>
+          </a:p>
+          <a:p>
+            <a:r>
+              <a:rPr lang="en-US" altLang="zh-CN" dirty="0">
+                <a:hlinkClick r:id="rId6"/>
+              </a:rPr>
+              <a:t>https://www.cnblogs.com/netfocus/category/361987.html</a:t>
+            </a:r>
+            <a:endParaRPr lang="en-US" altLang="zh-CN" dirty="0"/>
+          </a:p>
+          <a:p>
+            <a:r>
+              <a:rPr lang="en-US" altLang="zh-CN" dirty="0">
+                <a:hlinkClick r:id="rId7"/>
+              </a:rPr>
+              <a:t>https://www.cnblogs.com/netfocus/category/361991.html</a:t>
             </a:r>
             <a:endParaRPr lang="zh-CN" altLang="en-US" dirty="0"/>
           </a:p>

--- a/DDD_Sample/Docs/DDD.pptx
+++ b/DDD_Sample/Docs/DDD.pptx
@@ -263,7 +263,7 @@
           <a:p>
             <a:fld id="{660BC6C9-25A6-4F7E-A250-A3AC76331EF0}" type="datetimeFigureOut">
               <a:rPr lang="zh-CN" altLang="en-US" smtClean="0"/>
-              <a:t>2020/2/16</a:t>
+              <a:t>2020/2/23</a:t>
             </a:fld>
             <a:endParaRPr lang="zh-CN" altLang="en-US"/>
           </a:p>
@@ -461,7 +461,7 @@
           <a:p>
             <a:fld id="{660BC6C9-25A6-4F7E-A250-A3AC76331EF0}" type="datetimeFigureOut">
               <a:rPr lang="zh-CN" altLang="en-US" smtClean="0"/>
-              <a:t>2020/2/16</a:t>
+              <a:t>2020/2/23</a:t>
             </a:fld>
             <a:endParaRPr lang="zh-CN" altLang="en-US"/>
           </a:p>
@@ -669,7 +669,7 @@
           <a:p>
             <a:fld id="{660BC6C9-25A6-4F7E-A250-A3AC76331EF0}" type="datetimeFigureOut">
               <a:rPr lang="zh-CN" altLang="en-US" smtClean="0"/>
-              <a:t>2020/2/16</a:t>
+              <a:t>2020/2/23</a:t>
             </a:fld>
             <a:endParaRPr lang="zh-CN" altLang="en-US"/>
           </a:p>
@@ -867,7 +867,7 @@
           <a:p>
             <a:fld id="{660BC6C9-25A6-4F7E-A250-A3AC76331EF0}" type="datetimeFigureOut">
               <a:rPr lang="zh-CN" altLang="en-US" smtClean="0"/>
-              <a:t>2020/2/16</a:t>
+              <a:t>2020/2/23</a:t>
             </a:fld>
             <a:endParaRPr lang="zh-CN" altLang="en-US"/>
           </a:p>
@@ -1142,7 +1142,7 @@
           <a:p>
             <a:fld id="{660BC6C9-25A6-4F7E-A250-A3AC76331EF0}" type="datetimeFigureOut">
               <a:rPr lang="zh-CN" altLang="en-US" smtClean="0"/>
-              <a:t>2020/2/16</a:t>
+              <a:t>2020/2/23</a:t>
             </a:fld>
             <a:endParaRPr lang="zh-CN" altLang="en-US"/>
           </a:p>
@@ -1407,7 +1407,7 @@
           <a:p>
             <a:fld id="{660BC6C9-25A6-4F7E-A250-A3AC76331EF0}" type="datetimeFigureOut">
               <a:rPr lang="zh-CN" altLang="en-US" smtClean="0"/>
-              <a:t>2020/2/16</a:t>
+              <a:t>2020/2/23</a:t>
             </a:fld>
             <a:endParaRPr lang="zh-CN" altLang="en-US"/>
           </a:p>
@@ -1819,7 +1819,7 @@
           <a:p>
             <a:fld id="{660BC6C9-25A6-4F7E-A250-A3AC76331EF0}" type="datetimeFigureOut">
               <a:rPr lang="zh-CN" altLang="en-US" smtClean="0"/>
-              <a:t>2020/2/16</a:t>
+              <a:t>2020/2/23</a:t>
             </a:fld>
             <a:endParaRPr lang="zh-CN" altLang="en-US"/>
           </a:p>
@@ -1960,7 +1960,7 @@
           <a:p>
             <a:fld id="{660BC6C9-25A6-4F7E-A250-A3AC76331EF0}" type="datetimeFigureOut">
               <a:rPr lang="zh-CN" altLang="en-US" smtClean="0"/>
-              <a:t>2020/2/16</a:t>
+              <a:t>2020/2/23</a:t>
             </a:fld>
             <a:endParaRPr lang="zh-CN" altLang="en-US"/>
           </a:p>
@@ -2073,7 +2073,7 @@
           <a:p>
             <a:fld id="{660BC6C9-25A6-4F7E-A250-A3AC76331EF0}" type="datetimeFigureOut">
               <a:rPr lang="zh-CN" altLang="en-US" smtClean="0"/>
-              <a:t>2020/2/16</a:t>
+              <a:t>2020/2/23</a:t>
             </a:fld>
             <a:endParaRPr lang="zh-CN" altLang="en-US"/>
           </a:p>
@@ -2384,7 +2384,7 @@
           <a:p>
             <a:fld id="{660BC6C9-25A6-4F7E-A250-A3AC76331EF0}" type="datetimeFigureOut">
               <a:rPr lang="zh-CN" altLang="en-US" smtClean="0"/>
-              <a:t>2020/2/16</a:t>
+              <a:t>2020/2/23</a:t>
             </a:fld>
             <a:endParaRPr lang="zh-CN" altLang="en-US"/>
           </a:p>
@@ -2672,7 +2672,7 @@
           <a:p>
             <a:fld id="{660BC6C9-25A6-4F7E-A250-A3AC76331EF0}" type="datetimeFigureOut">
               <a:rPr lang="zh-CN" altLang="en-US" smtClean="0"/>
-              <a:t>2020/2/16</a:t>
+              <a:t>2020/2/23</a:t>
             </a:fld>
             <a:endParaRPr lang="zh-CN" altLang="en-US"/>
           </a:p>
@@ -2913,7 +2913,7 @@
           <a:p>
             <a:fld id="{660BC6C9-25A6-4F7E-A250-A3AC76331EF0}" type="datetimeFigureOut">
               <a:rPr lang="zh-CN" altLang="en-US" smtClean="0"/>
-              <a:t>2020/2/16</a:t>
+              <a:t>2020/2/23</a:t>
             </a:fld>
             <a:endParaRPr lang="zh-CN" altLang="en-US"/>
           </a:p>
@@ -4185,6 +4185,390 @@
           <a:chExt cx="0" cy="0"/>
         </a:xfrm>
       </p:grpSpPr>
+      <p:sp>
+        <p:nvSpPr>
+          <p:cNvPr id="2" name="矩形 1">
+            <a:extLst>
+              <a:ext uri="{FF2B5EF4-FFF2-40B4-BE49-F238E27FC236}">
+                <a16:creationId xmlns:a16="http://schemas.microsoft.com/office/drawing/2014/main" id="{723B579C-714E-4C07-8FF6-0ABF892AAAE4}"/>
+              </a:ext>
+            </a:extLst>
+          </p:cNvPr>
+          <p:cNvSpPr/>
+          <p:nvPr/>
+        </p:nvSpPr>
+        <p:spPr>
+          <a:xfrm>
+            <a:off x="398650" y="879482"/>
+            <a:ext cx="10614734" cy="4154984"/>
+          </a:xfrm>
+          <a:prstGeom prst="rect">
+            <a:avLst/>
+          </a:prstGeom>
+        </p:spPr>
+        <p:txBody>
+          <a:bodyPr wrap="square">
+            <a:spAutoFit/>
+          </a:bodyPr>
+          <a:lstStyle/>
+          <a:p>
+            <a:r>
+              <a:rPr lang="zh-CN" altLang="en-US" sz="1200" dirty="0">
+                <a:solidFill>
+                  <a:srgbClr val="333333"/>
+                </a:solidFill>
+                <a:latin typeface="PingFang SC"/>
+              </a:rPr>
+              <a:t>战略设计：根据用户旅程分析，找出领域对象和聚合根，对实全和值对象进行聚类组成聚合，划分限界上下文，建立领域模型的过程。</a:t>
+            </a:r>
+            <a:endParaRPr lang="en-US" altLang="zh-CN" sz="1200" dirty="0">
+              <a:solidFill>
+                <a:srgbClr val="333333"/>
+              </a:solidFill>
+              <a:latin typeface="PingFang SC"/>
+            </a:endParaRPr>
+          </a:p>
+          <a:p>
+            <a:r>
+              <a:rPr lang="zh-CN" altLang="en-US" sz="1200" dirty="0">
+                <a:solidFill>
+                  <a:srgbClr val="333333"/>
+                </a:solidFill>
+                <a:latin typeface="PingFang SC"/>
+              </a:rPr>
+              <a:t>步骤：产品愿景，场景分析，领域建模，微服务拆分 </a:t>
+            </a:r>
+            <a:endParaRPr lang="en-US" altLang="zh-CN" sz="1200" dirty="0">
+              <a:solidFill>
+                <a:srgbClr val="333333"/>
+              </a:solidFill>
+              <a:latin typeface="PingFang SC"/>
+            </a:endParaRPr>
+          </a:p>
+          <a:p>
+            <a:r>
+              <a:rPr lang="zh-CN" altLang="en-US" sz="1200" dirty="0">
+                <a:solidFill>
+                  <a:srgbClr val="333333"/>
+                </a:solidFill>
+                <a:latin typeface="PingFang SC"/>
+              </a:rPr>
+              <a:t>产品愿景：对产品顶层价值设计，对产口目标用户，核心价值，差异化竞争点等信息达成一致，避免产品偏离方向。</a:t>
+            </a:r>
+            <a:endParaRPr lang="en-US" altLang="zh-CN" sz="1200" dirty="0">
+              <a:solidFill>
+                <a:srgbClr val="333333"/>
+              </a:solidFill>
+              <a:latin typeface="PingFang SC"/>
+            </a:endParaRPr>
+          </a:p>
+          <a:p>
+            <a:r>
+              <a:rPr lang="zh-CN" altLang="en-US" sz="1200" dirty="0">
+                <a:solidFill>
+                  <a:srgbClr val="333333"/>
+                </a:solidFill>
+                <a:latin typeface="PingFang SC"/>
+              </a:rPr>
+              <a:t>场景分析：从用户视角出发，探索业务领域中的典型场景，产出领域中需要支撑的场景分类，用例操作以及不同子域之间的依赖关系，用以支撑领域模型</a:t>
+            </a:r>
+            <a:endParaRPr lang="en-US" altLang="zh-CN" sz="1200" dirty="0">
+              <a:solidFill>
+                <a:srgbClr val="333333"/>
+              </a:solidFill>
+              <a:latin typeface="PingFang SC"/>
+            </a:endParaRPr>
+          </a:p>
+          <a:p>
+            <a:r>
+              <a:rPr lang="zh-CN" altLang="en-US" sz="1200" dirty="0">
+                <a:solidFill>
+                  <a:srgbClr val="333333"/>
+                </a:solidFill>
+                <a:latin typeface="PingFang SC"/>
+              </a:rPr>
+              <a:t>领域建模：通过对业务和问题域进行分析建立领域模型。向上通过限界上下文指导微服务边界设计，向下通过聚合指导实体对象设计；</a:t>
+            </a:r>
+            <a:r>
+              <a:rPr lang="en-US" altLang="zh-CN" sz="1200" dirty="0">
+                <a:solidFill>
+                  <a:srgbClr val="333333"/>
+                </a:solidFill>
+                <a:latin typeface="PingFang SC"/>
+              </a:rPr>
+              <a:t>1</a:t>
+            </a:r>
+            <a:r>
+              <a:rPr lang="zh-CN" altLang="en-US" sz="1200" dirty="0">
+                <a:solidFill>
+                  <a:srgbClr val="333333"/>
+                </a:solidFill>
+                <a:latin typeface="PingFang SC"/>
+              </a:rPr>
+              <a:t>找出实体和值 对象等领域对象，</a:t>
+            </a:r>
+            <a:r>
+              <a:rPr lang="en-US" altLang="zh-CN" sz="1200" dirty="0">
+                <a:solidFill>
+                  <a:srgbClr val="333333"/>
+                </a:solidFill>
+                <a:latin typeface="PingFang SC"/>
+              </a:rPr>
+              <a:t>2</a:t>
+            </a:r>
+            <a:r>
+              <a:rPr lang="zh-CN" altLang="en-US" sz="1200" dirty="0">
+                <a:solidFill>
+                  <a:srgbClr val="333333"/>
+                </a:solidFill>
+                <a:latin typeface="PingFang SC"/>
+              </a:rPr>
+              <a:t>定义聚合，</a:t>
+            </a:r>
+            <a:r>
+              <a:rPr lang="en-US" altLang="zh-CN" sz="1200" dirty="0">
+                <a:solidFill>
+                  <a:srgbClr val="333333"/>
+                </a:solidFill>
+                <a:latin typeface="PingFang SC"/>
+              </a:rPr>
+              <a:t>3</a:t>
+            </a:r>
+            <a:r>
+              <a:rPr lang="zh-CN" altLang="en-US" sz="1200" dirty="0">
+                <a:solidFill>
+                  <a:srgbClr val="333333"/>
+                </a:solidFill>
+                <a:latin typeface="PingFang SC"/>
+              </a:rPr>
+              <a:t>定义限界上下文</a:t>
+            </a:r>
+            <a:endParaRPr lang="en-US" altLang="zh-CN" sz="1200" dirty="0">
+              <a:solidFill>
+                <a:srgbClr val="333333"/>
+              </a:solidFill>
+              <a:latin typeface="PingFang SC"/>
+            </a:endParaRPr>
+          </a:p>
+          <a:p>
+            <a:r>
+              <a:rPr lang="zh-CN" altLang="en-US" sz="1200" dirty="0">
+                <a:solidFill>
+                  <a:srgbClr val="333333"/>
+                </a:solidFill>
+                <a:latin typeface="PingFang SC"/>
+              </a:rPr>
+              <a:t>微服务拆分：理论上一个限界上下文就可以设计为一个微服务，但还需要综合考虑多种外部因素，比如：职责单一性，敏态和稳态业务分离，非功能性需求</a:t>
+            </a:r>
+            <a:endParaRPr lang="en-US" altLang="zh-CN" sz="1200" dirty="0">
+              <a:solidFill>
+                <a:srgbClr val="333333"/>
+              </a:solidFill>
+              <a:latin typeface="PingFang SC"/>
+            </a:endParaRPr>
+          </a:p>
+          <a:p>
+            <a:endParaRPr lang="en-US" altLang="zh-CN" sz="1200" dirty="0">
+              <a:solidFill>
+                <a:srgbClr val="333333"/>
+              </a:solidFill>
+              <a:latin typeface="PingFang SC"/>
+            </a:endParaRPr>
+          </a:p>
+          <a:p>
+            <a:endParaRPr lang="en-US" altLang="zh-CN" sz="1200" dirty="0">
+              <a:solidFill>
+                <a:srgbClr val="333333"/>
+              </a:solidFill>
+              <a:latin typeface="PingFang SC"/>
+            </a:endParaRPr>
+          </a:p>
+          <a:p>
+            <a:r>
+              <a:rPr lang="zh-CN" altLang="en-US" sz="1200" dirty="0">
+                <a:solidFill>
+                  <a:srgbClr val="333333"/>
+                </a:solidFill>
+                <a:latin typeface="PingFang SC"/>
+              </a:rPr>
+              <a:t>战术设计：梳理微内的领域对象，梳理领域对象之间的关系，确定它们在代码模型和分层架构中的位置，建立领域模型与微服务模型的映射关系，以及服务之间的依赖关系</a:t>
+            </a:r>
+            <a:endParaRPr lang="en-US" altLang="zh-CN" sz="1200" dirty="0">
+              <a:solidFill>
+                <a:srgbClr val="333333"/>
+              </a:solidFill>
+              <a:latin typeface="PingFang SC"/>
+            </a:endParaRPr>
+          </a:p>
+          <a:p>
+            <a:r>
+              <a:rPr lang="zh-CN" altLang="en-US" sz="1200" dirty="0">
+                <a:solidFill>
+                  <a:srgbClr val="333333"/>
+                </a:solidFill>
+                <a:latin typeface="PingFang SC"/>
+              </a:rPr>
+              <a:t>步骤：分析微服务领域对象，设计微服务代码关系</a:t>
+            </a:r>
+            <a:endParaRPr lang="en-US" altLang="zh-CN" sz="1200" dirty="0">
+              <a:solidFill>
+                <a:srgbClr val="333333"/>
+              </a:solidFill>
+              <a:latin typeface="PingFang SC"/>
+            </a:endParaRPr>
+          </a:p>
+          <a:p>
+            <a:r>
+              <a:rPr lang="zh-CN" altLang="en-US" sz="1200" dirty="0">
+                <a:solidFill>
+                  <a:srgbClr val="333333"/>
+                </a:solidFill>
+                <a:latin typeface="PingFang SC"/>
+              </a:rPr>
+              <a:t>分析微服务领域对象：</a:t>
+            </a:r>
+            <a:endParaRPr lang="en-US" altLang="zh-CN" sz="1200" dirty="0">
+              <a:solidFill>
+                <a:srgbClr val="333333"/>
+              </a:solidFill>
+              <a:latin typeface="PingFang SC"/>
+            </a:endParaRPr>
+          </a:p>
+          <a:p>
+            <a:r>
+              <a:rPr lang="en-US" altLang="zh-CN" sz="1200" dirty="0">
+                <a:solidFill>
+                  <a:srgbClr val="333333"/>
+                </a:solidFill>
+                <a:latin typeface="PingFang SC"/>
+              </a:rPr>
+              <a:t>1</a:t>
+            </a:r>
+            <a:r>
+              <a:rPr lang="zh-CN" altLang="en-US" sz="1200" dirty="0">
+                <a:solidFill>
+                  <a:srgbClr val="333333"/>
+                </a:solidFill>
+                <a:latin typeface="PingFang SC"/>
+              </a:rPr>
+              <a:t>服务的识别和设计</a:t>
+            </a:r>
+            <a:endParaRPr lang="en-US" altLang="zh-CN" sz="1200" dirty="0">
+              <a:solidFill>
+                <a:srgbClr val="333333"/>
+              </a:solidFill>
+              <a:latin typeface="PingFang SC"/>
+            </a:endParaRPr>
+          </a:p>
+          <a:p>
+            <a:r>
+              <a:rPr lang="en-US" altLang="zh-CN" sz="1200" dirty="0">
+                <a:solidFill>
+                  <a:srgbClr val="333333"/>
+                </a:solidFill>
+                <a:latin typeface="PingFang SC"/>
+              </a:rPr>
+              <a:t>A</a:t>
+            </a:r>
+            <a:r>
+              <a:rPr lang="zh-CN" altLang="en-US" sz="1200" dirty="0">
+                <a:solidFill>
+                  <a:srgbClr val="333333"/>
+                </a:solidFill>
+                <a:latin typeface="PingFang SC"/>
+              </a:rPr>
+              <a:t>根据命令设计应用服务，确定应用服务的功能，服务集合，组合和编排方式。服务集合中的服务包括领域服务或其它微服务的应用服务</a:t>
+            </a:r>
+            <a:endParaRPr lang="en-US" altLang="zh-CN" sz="1200" dirty="0">
+              <a:solidFill>
+                <a:srgbClr val="333333"/>
+              </a:solidFill>
+              <a:latin typeface="PingFang SC"/>
+            </a:endParaRPr>
+          </a:p>
+          <a:p>
+            <a:r>
+              <a:rPr lang="en-US" altLang="zh-CN" sz="1200" dirty="0">
+                <a:solidFill>
+                  <a:srgbClr val="333333"/>
+                </a:solidFill>
+                <a:latin typeface="PingFang SC"/>
+              </a:rPr>
+              <a:t>B</a:t>
+            </a:r>
+            <a:r>
+              <a:rPr lang="zh-CN" altLang="en-US" sz="1200" dirty="0">
+                <a:solidFill>
+                  <a:srgbClr val="333333"/>
+                </a:solidFill>
+                <a:latin typeface="PingFang SC"/>
+              </a:rPr>
+              <a:t>根据应用服务功能要求设计领域服务，定义领域服务（应用服务可能是由多个聚合的领域服务组合而成的）</a:t>
+            </a:r>
+            <a:endParaRPr lang="en-US" altLang="zh-CN" sz="1200" dirty="0">
+              <a:solidFill>
+                <a:srgbClr val="333333"/>
+              </a:solidFill>
+              <a:latin typeface="PingFang SC"/>
+            </a:endParaRPr>
+          </a:p>
+          <a:p>
+            <a:r>
+              <a:rPr lang="en-US" altLang="zh-CN" sz="1200" dirty="0"/>
+              <a:t>C</a:t>
+            </a:r>
+            <a:r>
+              <a:rPr lang="zh-CN" altLang="en-US" sz="1200" dirty="0"/>
+              <a:t>根据领域服务的功能，确定领域服务内的实体以及功能</a:t>
+            </a:r>
+            <a:endParaRPr lang="en-US" altLang="zh-CN" sz="1200" dirty="0"/>
+          </a:p>
+          <a:p>
+            <a:r>
+              <a:rPr lang="en-US" altLang="zh-CN" sz="1200" dirty="0"/>
+              <a:t>D</a:t>
+            </a:r>
+            <a:r>
+              <a:rPr lang="zh-CN" altLang="en-US" sz="1200" dirty="0"/>
+              <a:t>设计实体基本属性和方法</a:t>
+            </a:r>
+            <a:endParaRPr lang="en-US" altLang="zh-CN" sz="1200" dirty="0"/>
+          </a:p>
+          <a:p>
+            <a:r>
+              <a:rPr lang="en-US" altLang="zh-CN" sz="1200" dirty="0"/>
+              <a:t>2</a:t>
+            </a:r>
+            <a:r>
+              <a:rPr lang="zh-CN" altLang="en-US" sz="1200" dirty="0"/>
+              <a:t>微服务内的对象清单</a:t>
+            </a:r>
+            <a:endParaRPr lang="en-US" altLang="zh-CN" sz="1200" dirty="0"/>
+          </a:p>
+          <a:p>
+            <a:r>
+              <a:rPr lang="zh-CN" altLang="en-US" sz="1200" dirty="0"/>
+              <a:t>在确定各领域对象和属性后，我们可以设计各领域对象在代理模型中的代码码对象（代码对象的</a:t>
+            </a:r>
+            <a:r>
+              <a:rPr lang="en-US" altLang="zh-CN" sz="1200" dirty="0" err="1"/>
+              <a:t>namespace,class,method</a:t>
+            </a:r>
+            <a:r>
+              <a:rPr lang="en-US" altLang="zh-CN" sz="1200" dirty="0"/>
+              <a:t>)</a:t>
+            </a:r>
+            <a:r>
+              <a:rPr lang="zh-CN" altLang="en-US" sz="1200"/>
+              <a:t>建立领域对象与代码对象的五映射关系了，根据这种映射关系，相关人员快速定位到业务逻辑所在的代码位置</a:t>
+            </a:r>
+            <a:endParaRPr lang="en-US" altLang="zh-CN" sz="1200"/>
+          </a:p>
+          <a:p>
+            <a:endParaRPr lang="zh-CN" altLang="en-US" sz="1200" dirty="0"/>
+          </a:p>
+        </p:txBody>
+      </p:sp>
     </p:spTree>
     <p:extLst>
       <p:ext uri="{BB962C8B-B14F-4D97-AF65-F5344CB8AC3E}">

--- a/DDD_Sample/Docs/DDD.pptx
+++ b/DDD_Sample/Docs/DDD.pptx
@@ -10,6 +10,7 @@
     <p:sldId id="258" r:id="rId4"/>
     <p:sldId id="259" r:id="rId5"/>
     <p:sldId id="260" r:id="rId6"/>
+    <p:sldId id="261" r:id="rId7"/>
   </p:sldIdLst>
   <p:sldSz cx="12192000" cy="6858000"/>
   <p:notesSz cx="6858000" cy="9144000"/>
@@ -263,7 +264,7 @@
           <a:p>
             <a:fld id="{660BC6C9-25A6-4F7E-A250-A3AC76331EF0}" type="datetimeFigureOut">
               <a:rPr lang="zh-CN" altLang="en-US" smtClean="0"/>
-              <a:t>2020/2/16</a:t>
+              <a:t>2020/3/6</a:t>
             </a:fld>
             <a:endParaRPr lang="zh-CN" altLang="en-US"/>
           </a:p>
@@ -461,7 +462,7 @@
           <a:p>
             <a:fld id="{660BC6C9-25A6-4F7E-A250-A3AC76331EF0}" type="datetimeFigureOut">
               <a:rPr lang="zh-CN" altLang="en-US" smtClean="0"/>
-              <a:t>2020/2/16</a:t>
+              <a:t>2020/3/6</a:t>
             </a:fld>
             <a:endParaRPr lang="zh-CN" altLang="en-US"/>
           </a:p>
@@ -669,7 +670,7 @@
           <a:p>
             <a:fld id="{660BC6C9-25A6-4F7E-A250-A3AC76331EF0}" type="datetimeFigureOut">
               <a:rPr lang="zh-CN" altLang="en-US" smtClean="0"/>
-              <a:t>2020/2/16</a:t>
+              <a:t>2020/3/6</a:t>
             </a:fld>
             <a:endParaRPr lang="zh-CN" altLang="en-US"/>
           </a:p>
@@ -867,7 +868,7 @@
           <a:p>
             <a:fld id="{660BC6C9-25A6-4F7E-A250-A3AC76331EF0}" type="datetimeFigureOut">
               <a:rPr lang="zh-CN" altLang="en-US" smtClean="0"/>
-              <a:t>2020/2/16</a:t>
+              <a:t>2020/3/6</a:t>
             </a:fld>
             <a:endParaRPr lang="zh-CN" altLang="en-US"/>
           </a:p>
@@ -1142,7 +1143,7 @@
           <a:p>
             <a:fld id="{660BC6C9-25A6-4F7E-A250-A3AC76331EF0}" type="datetimeFigureOut">
               <a:rPr lang="zh-CN" altLang="en-US" smtClean="0"/>
-              <a:t>2020/2/16</a:t>
+              <a:t>2020/3/6</a:t>
             </a:fld>
             <a:endParaRPr lang="zh-CN" altLang="en-US"/>
           </a:p>
@@ -1407,7 +1408,7 @@
           <a:p>
             <a:fld id="{660BC6C9-25A6-4F7E-A250-A3AC76331EF0}" type="datetimeFigureOut">
               <a:rPr lang="zh-CN" altLang="en-US" smtClean="0"/>
-              <a:t>2020/2/16</a:t>
+              <a:t>2020/3/6</a:t>
             </a:fld>
             <a:endParaRPr lang="zh-CN" altLang="en-US"/>
           </a:p>
@@ -1819,7 +1820,7 @@
           <a:p>
             <a:fld id="{660BC6C9-25A6-4F7E-A250-A3AC76331EF0}" type="datetimeFigureOut">
               <a:rPr lang="zh-CN" altLang="en-US" smtClean="0"/>
-              <a:t>2020/2/16</a:t>
+              <a:t>2020/3/6</a:t>
             </a:fld>
             <a:endParaRPr lang="zh-CN" altLang="en-US"/>
           </a:p>
@@ -1960,7 +1961,7 @@
           <a:p>
             <a:fld id="{660BC6C9-25A6-4F7E-A250-A3AC76331EF0}" type="datetimeFigureOut">
               <a:rPr lang="zh-CN" altLang="en-US" smtClean="0"/>
-              <a:t>2020/2/16</a:t>
+              <a:t>2020/3/6</a:t>
             </a:fld>
             <a:endParaRPr lang="zh-CN" altLang="en-US"/>
           </a:p>
@@ -2073,7 +2074,7 @@
           <a:p>
             <a:fld id="{660BC6C9-25A6-4F7E-A250-A3AC76331EF0}" type="datetimeFigureOut">
               <a:rPr lang="zh-CN" altLang="en-US" smtClean="0"/>
-              <a:t>2020/2/16</a:t>
+              <a:t>2020/3/6</a:t>
             </a:fld>
             <a:endParaRPr lang="zh-CN" altLang="en-US"/>
           </a:p>
@@ -2384,7 +2385,7 @@
           <a:p>
             <a:fld id="{660BC6C9-25A6-4F7E-A250-A3AC76331EF0}" type="datetimeFigureOut">
               <a:rPr lang="zh-CN" altLang="en-US" smtClean="0"/>
-              <a:t>2020/2/16</a:t>
+              <a:t>2020/3/6</a:t>
             </a:fld>
             <a:endParaRPr lang="zh-CN" altLang="en-US"/>
           </a:p>
@@ -2672,7 +2673,7 @@
           <a:p>
             <a:fld id="{660BC6C9-25A6-4F7E-A250-A3AC76331EF0}" type="datetimeFigureOut">
               <a:rPr lang="zh-CN" altLang="en-US" smtClean="0"/>
-              <a:t>2020/2/16</a:t>
+              <a:t>2020/3/6</a:t>
             </a:fld>
             <a:endParaRPr lang="zh-CN" altLang="en-US"/>
           </a:p>
@@ -2913,7 +2914,7 @@
           <a:p>
             <a:fld id="{660BC6C9-25A6-4F7E-A250-A3AC76331EF0}" type="datetimeFigureOut">
               <a:rPr lang="zh-CN" altLang="en-US" smtClean="0"/>
-              <a:t>2020/2/16</a:t>
+              <a:t>2020/3/6</a:t>
             </a:fld>
             <a:endParaRPr lang="zh-CN" altLang="en-US"/>
           </a:p>
@@ -4185,10 +4186,471 @@
           <a:chExt cx="0" cy="0"/>
         </a:xfrm>
       </p:grpSpPr>
+      <p:sp>
+        <p:nvSpPr>
+          <p:cNvPr id="2" name="矩形 1">
+            <a:extLst>
+              <a:ext uri="{FF2B5EF4-FFF2-40B4-BE49-F238E27FC236}">
+                <a16:creationId xmlns:a16="http://schemas.microsoft.com/office/drawing/2014/main" id="{723B579C-714E-4C07-8FF6-0ABF892AAAE4}"/>
+              </a:ext>
+            </a:extLst>
+          </p:cNvPr>
+          <p:cNvSpPr/>
+          <p:nvPr/>
+        </p:nvSpPr>
+        <p:spPr>
+          <a:xfrm>
+            <a:off x="398650" y="879482"/>
+            <a:ext cx="10614734" cy="4154984"/>
+          </a:xfrm>
+          <a:prstGeom prst="rect">
+            <a:avLst/>
+          </a:prstGeom>
+        </p:spPr>
+        <p:txBody>
+          <a:bodyPr wrap="square">
+            <a:spAutoFit/>
+          </a:bodyPr>
+          <a:lstStyle/>
+          <a:p>
+            <a:r>
+              <a:rPr lang="zh-CN" altLang="en-US" sz="1200" dirty="0">
+                <a:solidFill>
+                  <a:srgbClr val="333333"/>
+                </a:solidFill>
+                <a:latin typeface="PingFang SC"/>
+              </a:rPr>
+              <a:t>战略设计：根据用户旅程分析，找出领域对象和聚合根，对实全和值对象进行聚类组成聚合，划分限界上下文，建立领域模型的过程。</a:t>
+            </a:r>
+            <a:endParaRPr lang="en-US" altLang="zh-CN" sz="1200" dirty="0">
+              <a:solidFill>
+                <a:srgbClr val="333333"/>
+              </a:solidFill>
+              <a:latin typeface="PingFang SC"/>
+            </a:endParaRPr>
+          </a:p>
+          <a:p>
+            <a:r>
+              <a:rPr lang="zh-CN" altLang="en-US" sz="1200" dirty="0">
+                <a:solidFill>
+                  <a:srgbClr val="333333"/>
+                </a:solidFill>
+                <a:latin typeface="PingFang SC"/>
+              </a:rPr>
+              <a:t>步骤：产品愿景，场景分析，领域建模，微服务拆分 </a:t>
+            </a:r>
+            <a:endParaRPr lang="en-US" altLang="zh-CN" sz="1200" dirty="0">
+              <a:solidFill>
+                <a:srgbClr val="333333"/>
+              </a:solidFill>
+              <a:latin typeface="PingFang SC"/>
+            </a:endParaRPr>
+          </a:p>
+          <a:p>
+            <a:r>
+              <a:rPr lang="zh-CN" altLang="en-US" sz="1200" dirty="0">
+                <a:solidFill>
+                  <a:srgbClr val="333333"/>
+                </a:solidFill>
+                <a:latin typeface="PingFang SC"/>
+              </a:rPr>
+              <a:t>产品愿景：对产品顶层价值设计，对产口目标用户，核心价值，差异化竞争点等信息达成一致，避免产品偏离方向。</a:t>
+            </a:r>
+            <a:endParaRPr lang="en-US" altLang="zh-CN" sz="1200" dirty="0">
+              <a:solidFill>
+                <a:srgbClr val="333333"/>
+              </a:solidFill>
+              <a:latin typeface="PingFang SC"/>
+            </a:endParaRPr>
+          </a:p>
+          <a:p>
+            <a:r>
+              <a:rPr lang="zh-CN" altLang="en-US" sz="1200" dirty="0">
+                <a:solidFill>
+                  <a:srgbClr val="333333"/>
+                </a:solidFill>
+                <a:latin typeface="PingFang SC"/>
+              </a:rPr>
+              <a:t>场景分析：从用户视角出发，探索业务领域中的典型场景，产出领域中需要支撑的场景分类，用例操作以及不同子域之间的依赖关系，用以支撑领域模型</a:t>
+            </a:r>
+            <a:endParaRPr lang="en-US" altLang="zh-CN" sz="1200" dirty="0">
+              <a:solidFill>
+                <a:srgbClr val="333333"/>
+              </a:solidFill>
+              <a:latin typeface="PingFang SC"/>
+            </a:endParaRPr>
+          </a:p>
+          <a:p>
+            <a:r>
+              <a:rPr lang="zh-CN" altLang="en-US" sz="1200" dirty="0">
+                <a:solidFill>
+                  <a:srgbClr val="333333"/>
+                </a:solidFill>
+                <a:latin typeface="PingFang SC"/>
+              </a:rPr>
+              <a:t>领域建模：通过对业务和问题域进行分析建立领域模型。向上通过限界上下文指导微服务边界设计，向下通过聚合指导实体对象设计；</a:t>
+            </a:r>
+            <a:r>
+              <a:rPr lang="en-US" altLang="zh-CN" sz="1200" dirty="0">
+                <a:solidFill>
+                  <a:srgbClr val="333333"/>
+                </a:solidFill>
+                <a:latin typeface="PingFang SC"/>
+              </a:rPr>
+              <a:t>1</a:t>
+            </a:r>
+            <a:r>
+              <a:rPr lang="zh-CN" altLang="en-US" sz="1200" dirty="0">
+                <a:solidFill>
+                  <a:srgbClr val="333333"/>
+                </a:solidFill>
+                <a:latin typeface="PingFang SC"/>
+              </a:rPr>
+              <a:t>找出实体和值 对象等领域对象，</a:t>
+            </a:r>
+            <a:r>
+              <a:rPr lang="en-US" altLang="zh-CN" sz="1200" dirty="0">
+                <a:solidFill>
+                  <a:srgbClr val="333333"/>
+                </a:solidFill>
+                <a:latin typeface="PingFang SC"/>
+              </a:rPr>
+              <a:t>2</a:t>
+            </a:r>
+            <a:r>
+              <a:rPr lang="zh-CN" altLang="en-US" sz="1200" dirty="0">
+                <a:solidFill>
+                  <a:srgbClr val="333333"/>
+                </a:solidFill>
+                <a:latin typeface="PingFang SC"/>
+              </a:rPr>
+              <a:t>定义聚合，</a:t>
+            </a:r>
+            <a:r>
+              <a:rPr lang="en-US" altLang="zh-CN" sz="1200" dirty="0">
+                <a:solidFill>
+                  <a:srgbClr val="333333"/>
+                </a:solidFill>
+                <a:latin typeface="PingFang SC"/>
+              </a:rPr>
+              <a:t>3</a:t>
+            </a:r>
+            <a:r>
+              <a:rPr lang="zh-CN" altLang="en-US" sz="1200" dirty="0">
+                <a:solidFill>
+                  <a:srgbClr val="333333"/>
+                </a:solidFill>
+                <a:latin typeface="PingFang SC"/>
+              </a:rPr>
+              <a:t>定义限界上下文</a:t>
+            </a:r>
+            <a:endParaRPr lang="en-US" altLang="zh-CN" sz="1200" dirty="0">
+              <a:solidFill>
+                <a:srgbClr val="333333"/>
+              </a:solidFill>
+              <a:latin typeface="PingFang SC"/>
+            </a:endParaRPr>
+          </a:p>
+          <a:p>
+            <a:r>
+              <a:rPr lang="zh-CN" altLang="en-US" sz="1200" dirty="0">
+                <a:solidFill>
+                  <a:srgbClr val="333333"/>
+                </a:solidFill>
+                <a:latin typeface="PingFang SC"/>
+              </a:rPr>
+              <a:t>微服务拆分：理论上一个限界上下文就可以设计为一个微服务，但还需要综合考虑多种外部因素，比如：职责单一性，敏态和稳态业务分离，非功能性需求</a:t>
+            </a:r>
+            <a:endParaRPr lang="en-US" altLang="zh-CN" sz="1200" dirty="0">
+              <a:solidFill>
+                <a:srgbClr val="333333"/>
+              </a:solidFill>
+              <a:latin typeface="PingFang SC"/>
+            </a:endParaRPr>
+          </a:p>
+          <a:p>
+            <a:endParaRPr lang="en-US" altLang="zh-CN" sz="1200" dirty="0">
+              <a:solidFill>
+                <a:srgbClr val="333333"/>
+              </a:solidFill>
+              <a:latin typeface="PingFang SC"/>
+            </a:endParaRPr>
+          </a:p>
+          <a:p>
+            <a:endParaRPr lang="en-US" altLang="zh-CN" sz="1200" dirty="0">
+              <a:solidFill>
+                <a:srgbClr val="333333"/>
+              </a:solidFill>
+              <a:latin typeface="PingFang SC"/>
+            </a:endParaRPr>
+          </a:p>
+          <a:p>
+            <a:r>
+              <a:rPr lang="zh-CN" altLang="en-US" sz="1200" dirty="0">
+                <a:solidFill>
+                  <a:srgbClr val="333333"/>
+                </a:solidFill>
+                <a:latin typeface="PingFang SC"/>
+              </a:rPr>
+              <a:t>战术设计：梳理微内的领域对象，梳理领域对象之间的关系，确定它们在代码模型和分层架构中的位置，建立领域模型与微服务模型的映射关系，以及服务之间的依赖关系</a:t>
+            </a:r>
+            <a:endParaRPr lang="en-US" altLang="zh-CN" sz="1200" dirty="0">
+              <a:solidFill>
+                <a:srgbClr val="333333"/>
+              </a:solidFill>
+              <a:latin typeface="PingFang SC"/>
+            </a:endParaRPr>
+          </a:p>
+          <a:p>
+            <a:r>
+              <a:rPr lang="zh-CN" altLang="en-US" sz="1200" dirty="0">
+                <a:solidFill>
+                  <a:srgbClr val="333333"/>
+                </a:solidFill>
+                <a:latin typeface="PingFang SC"/>
+              </a:rPr>
+              <a:t>步骤：分析微服务领域对象，设计微服务代码关系</a:t>
+            </a:r>
+            <a:endParaRPr lang="en-US" altLang="zh-CN" sz="1200" dirty="0">
+              <a:solidFill>
+                <a:srgbClr val="333333"/>
+              </a:solidFill>
+              <a:latin typeface="PingFang SC"/>
+            </a:endParaRPr>
+          </a:p>
+          <a:p>
+            <a:r>
+              <a:rPr lang="zh-CN" altLang="en-US" sz="1200" dirty="0">
+                <a:solidFill>
+                  <a:srgbClr val="333333"/>
+                </a:solidFill>
+                <a:latin typeface="PingFang SC"/>
+              </a:rPr>
+              <a:t>分析微服务领域对象：</a:t>
+            </a:r>
+            <a:endParaRPr lang="en-US" altLang="zh-CN" sz="1200" dirty="0">
+              <a:solidFill>
+                <a:srgbClr val="333333"/>
+              </a:solidFill>
+              <a:latin typeface="PingFang SC"/>
+            </a:endParaRPr>
+          </a:p>
+          <a:p>
+            <a:r>
+              <a:rPr lang="en-US" altLang="zh-CN" sz="1200" dirty="0">
+                <a:solidFill>
+                  <a:srgbClr val="333333"/>
+                </a:solidFill>
+                <a:latin typeface="PingFang SC"/>
+              </a:rPr>
+              <a:t>1</a:t>
+            </a:r>
+            <a:r>
+              <a:rPr lang="zh-CN" altLang="en-US" sz="1200" dirty="0">
+                <a:solidFill>
+                  <a:srgbClr val="333333"/>
+                </a:solidFill>
+                <a:latin typeface="PingFang SC"/>
+              </a:rPr>
+              <a:t>服务的识别和设计</a:t>
+            </a:r>
+            <a:endParaRPr lang="en-US" altLang="zh-CN" sz="1200" dirty="0">
+              <a:solidFill>
+                <a:srgbClr val="333333"/>
+              </a:solidFill>
+              <a:latin typeface="PingFang SC"/>
+            </a:endParaRPr>
+          </a:p>
+          <a:p>
+            <a:r>
+              <a:rPr lang="en-US" altLang="zh-CN" sz="1200" dirty="0">
+                <a:solidFill>
+                  <a:srgbClr val="333333"/>
+                </a:solidFill>
+                <a:latin typeface="PingFang SC"/>
+              </a:rPr>
+              <a:t>A</a:t>
+            </a:r>
+            <a:r>
+              <a:rPr lang="zh-CN" altLang="en-US" sz="1200" dirty="0">
+                <a:solidFill>
+                  <a:srgbClr val="333333"/>
+                </a:solidFill>
+                <a:latin typeface="PingFang SC"/>
+              </a:rPr>
+              <a:t>根据命令设计应用服务，确定应用服务的功能，服务集合，组合和编排方式。服务集合中的服务包括领域服务或其它微服务的应用服务</a:t>
+            </a:r>
+            <a:endParaRPr lang="en-US" altLang="zh-CN" sz="1200" dirty="0">
+              <a:solidFill>
+                <a:srgbClr val="333333"/>
+              </a:solidFill>
+              <a:latin typeface="PingFang SC"/>
+            </a:endParaRPr>
+          </a:p>
+          <a:p>
+            <a:r>
+              <a:rPr lang="en-US" altLang="zh-CN" sz="1200" dirty="0">
+                <a:solidFill>
+                  <a:srgbClr val="333333"/>
+                </a:solidFill>
+                <a:latin typeface="PingFang SC"/>
+              </a:rPr>
+              <a:t>B</a:t>
+            </a:r>
+            <a:r>
+              <a:rPr lang="zh-CN" altLang="en-US" sz="1200" dirty="0">
+                <a:solidFill>
+                  <a:srgbClr val="333333"/>
+                </a:solidFill>
+                <a:latin typeface="PingFang SC"/>
+              </a:rPr>
+              <a:t>根据应用服务功能要求设计领域服务，定义领域服务（应用服务可能是由多个聚合的领域服务组合而成的）</a:t>
+            </a:r>
+            <a:endParaRPr lang="en-US" altLang="zh-CN" sz="1200" dirty="0">
+              <a:solidFill>
+                <a:srgbClr val="333333"/>
+              </a:solidFill>
+              <a:latin typeface="PingFang SC"/>
+            </a:endParaRPr>
+          </a:p>
+          <a:p>
+            <a:r>
+              <a:rPr lang="en-US" altLang="zh-CN" sz="1200" dirty="0"/>
+              <a:t>C</a:t>
+            </a:r>
+            <a:r>
+              <a:rPr lang="zh-CN" altLang="en-US" sz="1200" dirty="0"/>
+              <a:t>根据领域服务的功能，确定领域服务内的实体以及功能</a:t>
+            </a:r>
+            <a:endParaRPr lang="en-US" altLang="zh-CN" sz="1200" dirty="0"/>
+          </a:p>
+          <a:p>
+            <a:r>
+              <a:rPr lang="en-US" altLang="zh-CN" sz="1200" dirty="0"/>
+              <a:t>D</a:t>
+            </a:r>
+            <a:r>
+              <a:rPr lang="zh-CN" altLang="en-US" sz="1200" dirty="0"/>
+              <a:t>设计实体基本属性和方法</a:t>
+            </a:r>
+            <a:endParaRPr lang="en-US" altLang="zh-CN" sz="1200" dirty="0"/>
+          </a:p>
+          <a:p>
+            <a:r>
+              <a:rPr lang="en-US" altLang="zh-CN" sz="1200" dirty="0"/>
+              <a:t>2</a:t>
+            </a:r>
+            <a:r>
+              <a:rPr lang="zh-CN" altLang="en-US" sz="1200" dirty="0"/>
+              <a:t>微服务内的对象清单</a:t>
+            </a:r>
+            <a:endParaRPr lang="en-US" altLang="zh-CN" sz="1200" dirty="0"/>
+          </a:p>
+          <a:p>
+            <a:r>
+              <a:rPr lang="zh-CN" altLang="en-US" sz="1200" dirty="0"/>
+              <a:t>在确定各领域对象和属性后，我们可以设计各领域对象在代理模型中的代码码对象（代码对象的</a:t>
+            </a:r>
+            <a:r>
+              <a:rPr lang="en-US" altLang="zh-CN" sz="1200" dirty="0" err="1"/>
+              <a:t>namespace,class,method</a:t>
+            </a:r>
+            <a:r>
+              <a:rPr lang="en-US" altLang="zh-CN" sz="1200" dirty="0"/>
+              <a:t>)</a:t>
+            </a:r>
+            <a:r>
+              <a:rPr lang="zh-CN" altLang="en-US" sz="1200"/>
+              <a:t>建立领域对象与代码对象的五映射关系了，根据这种映射关系，相关人员快速定位到业务逻辑所在的代码位置</a:t>
+            </a:r>
+            <a:endParaRPr lang="en-US" altLang="zh-CN" sz="1200"/>
+          </a:p>
+          <a:p>
+            <a:endParaRPr lang="zh-CN" altLang="en-US" sz="1200" dirty="0"/>
+          </a:p>
+        </p:txBody>
+      </p:sp>
     </p:spTree>
     <p:extLst>
       <p:ext uri="{BB962C8B-B14F-4D97-AF65-F5344CB8AC3E}">
         <p14:creationId xmlns:p14="http://schemas.microsoft.com/office/powerpoint/2010/main" val="82807767"/>
+      </p:ext>
+    </p:extLst>
+  </p:cSld>
+  <p:clrMapOvr>
+    <a:masterClrMapping/>
+  </p:clrMapOvr>
+</p:sld>
+</file>
+
+<file path=ppt/slides/slide6.xml><?xml version="1.0" encoding="utf-8"?>
+<p:sld xmlns:a="http://schemas.openxmlformats.org/drawingml/2006/main" xmlns:r="http://schemas.openxmlformats.org/officeDocument/2006/relationships" xmlns:p="http://schemas.openxmlformats.org/presentationml/2006/main">
+  <p:cSld>
+    <p:spTree>
+      <p:nvGrpSpPr>
+        <p:cNvPr id="1" name=""/>
+        <p:cNvGrpSpPr/>
+        <p:nvPr/>
+      </p:nvGrpSpPr>
+      <p:grpSpPr>
+        <a:xfrm>
+          <a:off x="0" y="0"/>
+          <a:ext cx="0" cy="0"/>
+          <a:chOff x="0" y="0"/>
+          <a:chExt cx="0" cy="0"/>
+        </a:xfrm>
+      </p:grpSpPr>
+      <p:pic>
+        <p:nvPicPr>
+          <p:cNvPr id="1026" name="Picture 2">
+            <a:extLst>
+              <a:ext uri="{FF2B5EF4-FFF2-40B4-BE49-F238E27FC236}">
+                <a16:creationId xmlns:a16="http://schemas.microsoft.com/office/drawing/2014/main" id="{9CB5E61D-11B8-4F7F-BFA4-F83BBC49504B}"/>
+              </a:ext>
+            </a:extLst>
+          </p:cNvPr>
+          <p:cNvPicPr>
+            <a:picLocks noChangeAspect="1" noChangeArrowheads="1"/>
+          </p:cNvPicPr>
+          <p:nvPr/>
+        </p:nvPicPr>
+        <p:blipFill>
+          <a:blip r:embed="rId2">
+            <a:extLst>
+              <a:ext uri="{28A0092B-C50C-407E-A947-70E740481C1C}">
+                <a14:useLocalDpi xmlns:a14="http://schemas.microsoft.com/office/drawing/2010/main" val="0"/>
+              </a:ext>
+            </a:extLst>
+          </a:blip>
+          <a:srcRect/>
+          <a:stretch>
+            <a:fillRect/>
+          </a:stretch>
+        </p:blipFill>
+        <p:spPr bwMode="auto">
+          <a:xfrm>
+            <a:off x="727788" y="859753"/>
+            <a:ext cx="4360441" cy="3926851"/>
+          </a:xfrm>
+          <a:prstGeom prst="rect">
+            <a:avLst/>
+          </a:prstGeom>
+          <a:noFill/>
+          <a:extLst>
+            <a:ext uri="{909E8E84-426E-40DD-AFC4-6F175D3DCCD1}">
+              <a14:hiddenFill xmlns:a14="http://schemas.microsoft.com/office/drawing/2010/main">
+                <a:solidFill>
+                  <a:srgbClr val="FFFFFF"/>
+                </a:solidFill>
+              </a14:hiddenFill>
+            </a:ext>
+          </a:extLst>
+        </p:spPr>
+      </p:pic>
+    </p:spTree>
+    <p:extLst>
+      <p:ext uri="{BB962C8B-B14F-4D97-AF65-F5344CB8AC3E}">
+        <p14:creationId xmlns:p14="http://schemas.microsoft.com/office/powerpoint/2010/main" val="2121648268"/>
       </p:ext>
     </p:extLst>
   </p:cSld>

--- a/DDD_Sample/Docs/DDD.pptx
+++ b/DDD_Sample/Docs/DDD.pptx
@@ -10,6 +10,7 @@
     <p:sldId id="258" r:id="rId4"/>
     <p:sldId id="259" r:id="rId5"/>
     <p:sldId id="260" r:id="rId6"/>
+    <p:sldId id="261" r:id="rId7"/>
   </p:sldIdLst>
   <p:sldSz cx="12192000" cy="6858000"/>
   <p:notesSz cx="6858000" cy="9144000"/>
@@ -263,7 +264,7 @@
           <a:p>
             <a:fld id="{660BC6C9-25A6-4F7E-A250-A3AC76331EF0}" type="datetimeFigureOut">
               <a:rPr lang="zh-CN" altLang="en-US" smtClean="0"/>
-              <a:t>2020/2/23</a:t>
+              <a:t>2020/3/16</a:t>
             </a:fld>
             <a:endParaRPr lang="zh-CN" altLang="en-US"/>
           </a:p>
@@ -461,7 +462,7 @@
           <a:p>
             <a:fld id="{660BC6C9-25A6-4F7E-A250-A3AC76331EF0}" type="datetimeFigureOut">
               <a:rPr lang="zh-CN" altLang="en-US" smtClean="0"/>
-              <a:t>2020/2/23</a:t>
+              <a:t>2020/3/16</a:t>
             </a:fld>
             <a:endParaRPr lang="zh-CN" altLang="en-US"/>
           </a:p>
@@ -669,7 +670,7 @@
           <a:p>
             <a:fld id="{660BC6C9-25A6-4F7E-A250-A3AC76331EF0}" type="datetimeFigureOut">
               <a:rPr lang="zh-CN" altLang="en-US" smtClean="0"/>
-              <a:t>2020/2/23</a:t>
+              <a:t>2020/3/16</a:t>
             </a:fld>
             <a:endParaRPr lang="zh-CN" altLang="en-US"/>
           </a:p>
@@ -867,7 +868,7 @@
           <a:p>
             <a:fld id="{660BC6C9-25A6-4F7E-A250-A3AC76331EF0}" type="datetimeFigureOut">
               <a:rPr lang="zh-CN" altLang="en-US" smtClean="0"/>
-              <a:t>2020/2/23</a:t>
+              <a:t>2020/3/16</a:t>
             </a:fld>
             <a:endParaRPr lang="zh-CN" altLang="en-US"/>
           </a:p>
@@ -1142,7 +1143,7 @@
           <a:p>
             <a:fld id="{660BC6C9-25A6-4F7E-A250-A3AC76331EF0}" type="datetimeFigureOut">
               <a:rPr lang="zh-CN" altLang="en-US" smtClean="0"/>
-              <a:t>2020/2/23</a:t>
+              <a:t>2020/3/16</a:t>
             </a:fld>
             <a:endParaRPr lang="zh-CN" altLang="en-US"/>
           </a:p>
@@ -1407,7 +1408,7 @@
           <a:p>
             <a:fld id="{660BC6C9-25A6-4F7E-A250-A3AC76331EF0}" type="datetimeFigureOut">
               <a:rPr lang="zh-CN" altLang="en-US" smtClean="0"/>
-              <a:t>2020/2/23</a:t>
+              <a:t>2020/3/16</a:t>
             </a:fld>
             <a:endParaRPr lang="zh-CN" altLang="en-US"/>
           </a:p>
@@ -1819,7 +1820,7 @@
           <a:p>
             <a:fld id="{660BC6C9-25A6-4F7E-A250-A3AC76331EF0}" type="datetimeFigureOut">
               <a:rPr lang="zh-CN" altLang="en-US" smtClean="0"/>
-              <a:t>2020/2/23</a:t>
+              <a:t>2020/3/16</a:t>
             </a:fld>
             <a:endParaRPr lang="zh-CN" altLang="en-US"/>
           </a:p>
@@ -1960,7 +1961,7 @@
           <a:p>
             <a:fld id="{660BC6C9-25A6-4F7E-A250-A3AC76331EF0}" type="datetimeFigureOut">
               <a:rPr lang="zh-CN" altLang="en-US" smtClean="0"/>
-              <a:t>2020/2/23</a:t>
+              <a:t>2020/3/16</a:t>
             </a:fld>
             <a:endParaRPr lang="zh-CN" altLang="en-US"/>
           </a:p>
@@ -2073,7 +2074,7 @@
           <a:p>
             <a:fld id="{660BC6C9-25A6-4F7E-A250-A3AC76331EF0}" type="datetimeFigureOut">
               <a:rPr lang="zh-CN" altLang="en-US" smtClean="0"/>
-              <a:t>2020/2/23</a:t>
+              <a:t>2020/3/16</a:t>
             </a:fld>
             <a:endParaRPr lang="zh-CN" altLang="en-US"/>
           </a:p>
@@ -2384,7 +2385,7 @@
           <a:p>
             <a:fld id="{660BC6C9-25A6-4F7E-A250-A3AC76331EF0}" type="datetimeFigureOut">
               <a:rPr lang="zh-CN" altLang="en-US" smtClean="0"/>
-              <a:t>2020/2/23</a:t>
+              <a:t>2020/3/16</a:t>
             </a:fld>
             <a:endParaRPr lang="zh-CN" altLang="en-US"/>
           </a:p>
@@ -2672,7 +2673,7 @@
           <a:p>
             <a:fld id="{660BC6C9-25A6-4F7E-A250-A3AC76331EF0}" type="datetimeFigureOut">
               <a:rPr lang="zh-CN" altLang="en-US" smtClean="0"/>
-              <a:t>2020/2/23</a:t>
+              <a:t>2020/3/16</a:t>
             </a:fld>
             <a:endParaRPr lang="zh-CN" altLang="en-US"/>
           </a:p>
@@ -2913,7 +2914,7 @@
           <a:p>
             <a:fld id="{660BC6C9-25A6-4F7E-A250-A3AC76331EF0}" type="datetimeFigureOut">
               <a:rPr lang="zh-CN" altLang="en-US" smtClean="0"/>
-              <a:t>2020/2/23</a:t>
+              <a:t>2020/3/16</a:t>
             </a:fld>
             <a:endParaRPr lang="zh-CN" altLang="en-US"/>
           </a:p>
@@ -4582,6 +4583,800 @@
 </p:sld>
 </file>
 
+<file path=ppt/slides/slide6.xml><?xml version="1.0" encoding="utf-8"?>
+<p:sld xmlns:a="http://schemas.openxmlformats.org/drawingml/2006/main" xmlns:r="http://schemas.openxmlformats.org/officeDocument/2006/relationships" xmlns:p="http://schemas.openxmlformats.org/presentationml/2006/main">
+  <p:cSld>
+    <p:spTree>
+      <p:nvGrpSpPr>
+        <p:cNvPr id="1" name=""/>
+        <p:cNvGrpSpPr/>
+        <p:nvPr/>
+      </p:nvGrpSpPr>
+      <p:grpSpPr>
+        <a:xfrm>
+          <a:off x="0" y="0"/>
+          <a:ext cx="0" cy="0"/>
+          <a:chOff x="0" y="0"/>
+          <a:chExt cx="0" cy="0"/>
+        </a:xfrm>
+      </p:grpSpPr>
+      <p:sp>
+        <p:nvSpPr>
+          <p:cNvPr id="3" name="矩形 2">
+            <a:extLst>
+              <a:ext uri="{FF2B5EF4-FFF2-40B4-BE49-F238E27FC236}">
+                <a16:creationId xmlns:a16="http://schemas.microsoft.com/office/drawing/2014/main" id="{C3C47889-C102-4D41-83D3-799ADE065A68}"/>
+              </a:ext>
+            </a:extLst>
+          </p:cNvPr>
+          <p:cNvSpPr/>
+          <p:nvPr/>
+        </p:nvSpPr>
+        <p:spPr>
+          <a:xfrm>
+            <a:off x="6445827" y="938645"/>
+            <a:ext cx="1737591" cy="1037937"/>
+          </a:xfrm>
+          <a:prstGeom prst="rect">
+            <a:avLst/>
+          </a:prstGeom>
+          <a:noFill/>
+          <a:ln w="9525" cap="flat" cmpd="sng" algn="ctr">
+            <a:solidFill>
+              <a:schemeClr val="dk1"/>
+            </a:solidFill>
+            <a:prstDash val="solid"/>
+            <a:round/>
+            <a:headEnd type="none" w="med" len="med"/>
+            <a:tailEnd type="none" w="med" len="med"/>
+          </a:ln>
+        </p:spPr>
+        <p:style>
+          <a:lnRef idx="0">
+            <a:scrgbClr r="0" g="0" b="0"/>
+          </a:lnRef>
+          <a:fillRef idx="0">
+            <a:scrgbClr r="0" g="0" b="0"/>
+          </a:fillRef>
+          <a:effectRef idx="0">
+            <a:scrgbClr r="0" g="0" b="0"/>
+          </a:effectRef>
+          <a:fontRef idx="minor">
+            <a:schemeClr val="dk1"/>
+          </a:fontRef>
+        </p:style>
+        <p:txBody>
+          <a:bodyPr rtlCol="0" anchor="t"/>
+          <a:lstStyle/>
+          <a:p>
+            <a:r>
+              <a:rPr lang="en-US" altLang="zh-CN" sz="1000" b="1" dirty="0"/>
+              <a:t>【</a:t>
+            </a:r>
+            <a:r>
+              <a:rPr lang="zh-CN" altLang="en-US" sz="1000" b="1" dirty="0"/>
+              <a:t>批准规则</a:t>
+            </a:r>
+            <a:r>
+              <a:rPr lang="en-US" altLang="zh-CN" sz="1000" b="1" dirty="0"/>
+              <a:t>】</a:t>
+            </a:r>
+          </a:p>
+          <a:p>
+            <a:pPr marL="171450" indent="-171450">
+              <a:buFont typeface="Arial" panose="020B0604020202020204" pitchFamily="34" charset="0"/>
+              <a:buChar char="•"/>
+            </a:pPr>
+            <a:r>
+              <a:rPr lang="zh-CN" altLang="en-US" sz="1000" dirty="0"/>
+              <a:t>编号</a:t>
+            </a:r>
+            <a:endParaRPr lang="en-US" altLang="zh-CN" sz="1000" dirty="0"/>
+          </a:p>
+          <a:p>
+            <a:pPr marL="171450" indent="-171450">
+              <a:buFont typeface="Arial" panose="020B0604020202020204" pitchFamily="34" charset="0"/>
+              <a:buChar char="•"/>
+            </a:pPr>
+            <a:r>
+              <a:rPr lang="zh-CN" altLang="en-US" sz="1000" dirty="0"/>
+              <a:t>个人类型</a:t>
+            </a:r>
+            <a:endParaRPr lang="en-US" altLang="zh-CN" sz="1000" dirty="0"/>
+          </a:p>
+          <a:p>
+            <a:pPr marL="171450" indent="-171450">
+              <a:buFont typeface="Arial" panose="020B0604020202020204" pitchFamily="34" charset="0"/>
+              <a:buChar char="•"/>
+            </a:pPr>
+            <a:r>
+              <a:rPr lang="zh-CN" altLang="en-US" sz="1000" dirty="0"/>
+              <a:t>假期类型 </a:t>
+            </a:r>
+            <a:endParaRPr lang="en-US" altLang="zh-CN" sz="1000" dirty="0"/>
+          </a:p>
+          <a:p>
+            <a:pPr marL="171450" indent="-171450">
+              <a:buFont typeface="Arial" panose="020B0604020202020204" pitchFamily="34" charset="0"/>
+              <a:buChar char="•"/>
+            </a:pPr>
+            <a:r>
+              <a:rPr lang="zh-CN" altLang="en-US" sz="1000" dirty="0"/>
+              <a:t>间隔</a:t>
+            </a:r>
+            <a:endParaRPr lang="en-US" altLang="zh-CN" sz="1000" dirty="0"/>
+          </a:p>
+          <a:p>
+            <a:pPr marL="171450" indent="-171450">
+              <a:buFont typeface="Arial" panose="020B0604020202020204" pitchFamily="34" charset="0"/>
+              <a:buChar char="•"/>
+            </a:pPr>
+            <a:r>
+              <a:rPr lang="zh-CN" altLang="en-US" sz="1000" dirty="0"/>
+              <a:t>最大领导级别</a:t>
+            </a:r>
+          </a:p>
+        </p:txBody>
+      </p:sp>
+      <p:sp>
+        <p:nvSpPr>
+          <p:cNvPr id="4" name="矩形 3">
+            <a:extLst>
+              <a:ext uri="{FF2B5EF4-FFF2-40B4-BE49-F238E27FC236}">
+                <a16:creationId xmlns:a16="http://schemas.microsoft.com/office/drawing/2014/main" id="{F1E489B5-4ACB-49F1-95CC-3844798A3843}"/>
+              </a:ext>
+            </a:extLst>
+          </p:cNvPr>
+          <p:cNvSpPr/>
+          <p:nvPr/>
+        </p:nvSpPr>
+        <p:spPr>
+          <a:xfrm>
+            <a:off x="9443027" y="938645"/>
+            <a:ext cx="1737591" cy="2092036"/>
+          </a:xfrm>
+          <a:prstGeom prst="rect">
+            <a:avLst/>
+          </a:prstGeom>
+          <a:noFill/>
+          <a:ln w="9525" cap="flat" cmpd="sng" algn="ctr">
+            <a:solidFill>
+              <a:schemeClr val="dk1"/>
+            </a:solidFill>
+            <a:prstDash val="solid"/>
+            <a:round/>
+            <a:headEnd type="none" w="med" len="med"/>
+            <a:tailEnd type="none" w="med" len="med"/>
+          </a:ln>
+        </p:spPr>
+        <p:style>
+          <a:lnRef idx="0">
+            <a:scrgbClr r="0" g="0" b="0"/>
+          </a:lnRef>
+          <a:fillRef idx="0">
+            <a:scrgbClr r="0" g="0" b="0"/>
+          </a:fillRef>
+          <a:effectRef idx="0">
+            <a:scrgbClr r="0" g="0" b="0"/>
+          </a:effectRef>
+          <a:fontRef idx="minor">
+            <a:schemeClr val="dk1"/>
+          </a:fontRef>
+        </p:style>
+        <p:txBody>
+          <a:bodyPr rtlCol="0" anchor="t"/>
+          <a:lstStyle/>
+          <a:p>
+            <a:r>
+              <a:rPr lang="en-US" altLang="zh-CN" sz="1000" b="1" dirty="0"/>
+              <a:t>【</a:t>
+            </a:r>
+            <a:r>
+              <a:rPr lang="zh-CN" altLang="en-US" sz="1000" b="1" dirty="0"/>
+              <a:t>人员</a:t>
+            </a:r>
+            <a:r>
+              <a:rPr lang="en-US" altLang="zh-CN" sz="1000" b="1" dirty="0"/>
+              <a:t>】</a:t>
+            </a:r>
+          </a:p>
+          <a:p>
+            <a:pPr marL="171450" indent="-171450">
+              <a:buFont typeface="Arial" panose="020B0604020202020204" pitchFamily="34" charset="0"/>
+              <a:buChar char="•"/>
+            </a:pPr>
+            <a:r>
+              <a:rPr lang="zh-CN" altLang="en-US" sz="1000" dirty="0"/>
+              <a:t>编号</a:t>
+            </a:r>
+            <a:endParaRPr lang="en-US" altLang="zh-CN" sz="1000" dirty="0"/>
+          </a:p>
+          <a:p>
+            <a:pPr marL="171450" indent="-171450">
+              <a:buFont typeface="Arial" panose="020B0604020202020204" pitchFamily="34" charset="0"/>
+              <a:buChar char="•"/>
+            </a:pPr>
+            <a:r>
+              <a:rPr lang="zh-CN" altLang="en-US" sz="1000" dirty="0"/>
+              <a:t>姓名</a:t>
+            </a:r>
+            <a:endParaRPr lang="en-US" altLang="zh-CN" sz="1000" dirty="0"/>
+          </a:p>
+          <a:p>
+            <a:pPr marL="171450" indent="-171450">
+              <a:buFont typeface="Arial" panose="020B0604020202020204" pitchFamily="34" charset="0"/>
+              <a:buChar char="•"/>
+            </a:pPr>
+            <a:r>
+              <a:rPr lang="zh-CN" altLang="en-US" sz="1000" dirty="0"/>
+              <a:t>部门</a:t>
+            </a:r>
+            <a:r>
+              <a:rPr lang="en-US" altLang="zh-CN" sz="1000" dirty="0"/>
+              <a:t>ID</a:t>
+            </a:r>
+            <a:r>
+              <a:rPr lang="zh-CN" altLang="en-US" sz="1000" dirty="0"/>
+              <a:t> </a:t>
+            </a:r>
+            <a:endParaRPr lang="en-US" altLang="zh-CN" sz="1000" dirty="0"/>
+          </a:p>
+          <a:p>
+            <a:pPr marL="171450" indent="-171450">
+              <a:buFont typeface="Arial" panose="020B0604020202020204" pitchFamily="34" charset="0"/>
+              <a:buChar char="•"/>
+            </a:pPr>
+            <a:r>
+              <a:rPr lang="zh-CN" altLang="en-US" sz="1000" dirty="0"/>
+              <a:t>人员类型 </a:t>
+            </a:r>
+            <a:endParaRPr lang="en-US" altLang="zh-CN" sz="1000" dirty="0"/>
+          </a:p>
+          <a:p>
+            <a:pPr marL="171450" indent="-171450">
+              <a:buFont typeface="Arial" panose="020B0604020202020204" pitchFamily="34" charset="0"/>
+              <a:buChar char="•"/>
+            </a:pPr>
+            <a:r>
+              <a:rPr lang="zh-CN" altLang="en-US" sz="1000" dirty="0"/>
+              <a:t>领导</a:t>
+            </a:r>
+            <a:r>
+              <a:rPr lang="en-US" altLang="zh-CN" sz="1000" dirty="0"/>
+              <a:t>ID</a:t>
+            </a:r>
+            <a:r>
+              <a:rPr lang="zh-CN" altLang="en-US" sz="1000" dirty="0"/>
+              <a:t>（这个</a:t>
+            </a:r>
+            <a:r>
+              <a:rPr lang="en-US" altLang="zh-CN" sz="1000" dirty="0"/>
+              <a:t>ID</a:t>
+            </a:r>
+            <a:r>
+              <a:rPr lang="zh-CN" altLang="en-US" sz="1000" dirty="0"/>
+              <a:t>与人员编号可以不一样）</a:t>
+            </a:r>
+            <a:endParaRPr lang="en-US" altLang="zh-CN" sz="1000" dirty="0"/>
+          </a:p>
+          <a:p>
+            <a:pPr marL="171450" indent="-171450">
+              <a:buFont typeface="Arial" panose="020B0604020202020204" pitchFamily="34" charset="0"/>
+              <a:buChar char="•"/>
+            </a:pPr>
+            <a:r>
+              <a:rPr lang="zh-CN" altLang="en-US" sz="1000" dirty="0"/>
+              <a:t>角色级别</a:t>
+            </a:r>
+            <a:endParaRPr lang="en-US" altLang="zh-CN" sz="1000" dirty="0"/>
+          </a:p>
+          <a:p>
+            <a:pPr marL="171450" indent="-171450">
+              <a:buFont typeface="Arial" panose="020B0604020202020204" pitchFamily="34" charset="0"/>
+              <a:buChar char="•"/>
+            </a:pPr>
+            <a:r>
+              <a:rPr lang="zh-CN" altLang="en-US" sz="1000" dirty="0"/>
+              <a:t>创建时间</a:t>
+            </a:r>
+            <a:endParaRPr lang="en-US" altLang="zh-CN" sz="1000" dirty="0"/>
+          </a:p>
+          <a:p>
+            <a:pPr marL="171450" indent="-171450">
+              <a:buFont typeface="Arial" panose="020B0604020202020204" pitchFamily="34" charset="0"/>
+              <a:buChar char="•"/>
+            </a:pPr>
+            <a:r>
+              <a:rPr lang="zh-CN" altLang="en-US" sz="1000" dirty="0"/>
+              <a:t>最后修改时间</a:t>
+            </a:r>
+            <a:endParaRPr lang="en-US" altLang="zh-CN" sz="1000" dirty="0"/>
+          </a:p>
+          <a:p>
+            <a:pPr marL="171450" indent="-171450">
+              <a:buFont typeface="Arial" panose="020B0604020202020204" pitchFamily="34" charset="0"/>
+              <a:buChar char="•"/>
+            </a:pPr>
+            <a:r>
+              <a:rPr lang="zh-CN" altLang="en-US" sz="1000" dirty="0"/>
+              <a:t>个人状态（启动，禁用）</a:t>
+            </a:r>
+            <a:endParaRPr lang="en-US" altLang="zh-CN" sz="1000" dirty="0"/>
+          </a:p>
+        </p:txBody>
+      </p:sp>
+      <p:sp>
+        <p:nvSpPr>
+          <p:cNvPr id="5" name="矩形 4">
+            <a:extLst>
+              <a:ext uri="{FF2B5EF4-FFF2-40B4-BE49-F238E27FC236}">
+                <a16:creationId xmlns:a16="http://schemas.microsoft.com/office/drawing/2014/main" id="{31E8DCF9-E061-42C7-8B6C-EAF8C4D2EF1A}"/>
+              </a:ext>
+            </a:extLst>
+          </p:cNvPr>
+          <p:cNvSpPr/>
+          <p:nvPr/>
+        </p:nvSpPr>
+        <p:spPr>
+          <a:xfrm>
+            <a:off x="3661064" y="1305787"/>
+            <a:ext cx="1737591" cy="1884219"/>
+          </a:xfrm>
+          <a:prstGeom prst="rect">
+            <a:avLst/>
+          </a:prstGeom>
+          <a:noFill/>
+          <a:ln w="9525" cap="flat" cmpd="sng" algn="ctr">
+            <a:solidFill>
+              <a:schemeClr val="dk1"/>
+            </a:solidFill>
+            <a:prstDash val="solid"/>
+            <a:round/>
+            <a:headEnd type="none" w="med" len="med"/>
+            <a:tailEnd type="none" w="med" len="med"/>
+          </a:ln>
+        </p:spPr>
+        <p:style>
+          <a:lnRef idx="0">
+            <a:scrgbClr r="0" g="0" b="0"/>
+          </a:lnRef>
+          <a:fillRef idx="0">
+            <a:scrgbClr r="0" g="0" b="0"/>
+          </a:fillRef>
+          <a:effectRef idx="0">
+            <a:scrgbClr r="0" g="0" b="0"/>
+          </a:effectRef>
+          <a:fontRef idx="minor">
+            <a:schemeClr val="dk1"/>
+          </a:fontRef>
+        </p:style>
+        <p:txBody>
+          <a:bodyPr rtlCol="0" anchor="t"/>
+          <a:lstStyle/>
+          <a:p>
+            <a:r>
+              <a:rPr lang="en-US" altLang="zh-CN" sz="1000" b="1" dirty="0"/>
+              <a:t>【</a:t>
+            </a:r>
+            <a:r>
+              <a:rPr lang="zh-CN" altLang="en-US" sz="1000" b="1" dirty="0"/>
+              <a:t>请假表</a:t>
+            </a:r>
+            <a:r>
+              <a:rPr lang="en-US" altLang="zh-CN" sz="1000" b="1" dirty="0"/>
+              <a:t>】</a:t>
+            </a:r>
+          </a:p>
+          <a:p>
+            <a:pPr marL="171450" indent="-171450">
+              <a:buFont typeface="Arial" panose="020B0604020202020204" pitchFamily="34" charset="0"/>
+              <a:buChar char="•"/>
+            </a:pPr>
+            <a:r>
+              <a:rPr lang="zh-CN" altLang="en-US" sz="1000" dirty="0"/>
+              <a:t>编号</a:t>
+            </a:r>
+            <a:endParaRPr lang="en-US" altLang="zh-CN" sz="1000" dirty="0"/>
+          </a:p>
+          <a:p>
+            <a:pPr marL="171450" indent="-171450">
+              <a:buFont typeface="Arial" panose="020B0604020202020204" pitchFamily="34" charset="0"/>
+              <a:buChar char="•"/>
+            </a:pPr>
+            <a:r>
+              <a:rPr lang="zh-CN" altLang="en-US" sz="1000" dirty="0"/>
+              <a:t>请假条</a:t>
+            </a:r>
+            <a:r>
+              <a:rPr lang="en-US" altLang="zh-CN" sz="1000" dirty="0"/>
+              <a:t>ID</a:t>
+            </a:r>
+          </a:p>
+          <a:p>
+            <a:pPr marL="171450" indent="-171450">
+              <a:buFont typeface="Arial" panose="020B0604020202020204" pitchFamily="34" charset="0"/>
+              <a:buChar char="•"/>
+            </a:pPr>
+            <a:r>
+              <a:rPr lang="zh-CN" altLang="en-US" sz="1000" dirty="0"/>
+              <a:t>请假条名称</a:t>
+            </a:r>
+            <a:endParaRPr lang="en-US" altLang="zh-CN" sz="1000" dirty="0"/>
+          </a:p>
+          <a:p>
+            <a:pPr marL="171450" indent="-171450">
+              <a:buFont typeface="Arial" panose="020B0604020202020204" pitchFamily="34" charset="0"/>
+              <a:buChar char="•"/>
+            </a:pPr>
+            <a:r>
+              <a:rPr lang="zh-CN" altLang="en-US" sz="1000" dirty="0"/>
+              <a:t>请假条类型  </a:t>
+            </a:r>
+            <a:endParaRPr lang="en-US" altLang="zh-CN" sz="1000" dirty="0"/>
+          </a:p>
+          <a:p>
+            <a:pPr marL="171450" indent="-171450">
+              <a:buFont typeface="Arial" panose="020B0604020202020204" pitchFamily="34" charset="0"/>
+              <a:buChar char="•"/>
+            </a:pPr>
+            <a:r>
+              <a:rPr lang="zh-CN" altLang="en-US" sz="1000" dirty="0"/>
+              <a:t>批准</a:t>
+            </a:r>
+            <a:r>
+              <a:rPr lang="en-US" altLang="zh-CN" sz="1000" dirty="0"/>
+              <a:t>ID</a:t>
+            </a:r>
+          </a:p>
+          <a:p>
+            <a:pPr marL="171450" indent="-171450">
+              <a:buFont typeface="Arial" panose="020B0604020202020204" pitchFamily="34" charset="0"/>
+              <a:buChar char="•"/>
+            </a:pPr>
+            <a:r>
+              <a:rPr lang="zh-CN" altLang="en-US" sz="1000" dirty="0"/>
+              <a:t>批准人</a:t>
+            </a:r>
+            <a:endParaRPr lang="en-US" altLang="zh-CN" sz="1000" dirty="0"/>
+          </a:p>
+          <a:p>
+            <a:pPr marL="171450" indent="-171450">
+              <a:buFont typeface="Arial" panose="020B0604020202020204" pitchFamily="34" charset="0"/>
+              <a:buChar char="•"/>
+            </a:pPr>
+            <a:r>
+              <a:rPr lang="zh-CN" altLang="en-US" sz="1000" dirty="0"/>
+              <a:t>请假类型</a:t>
+            </a:r>
+            <a:endParaRPr lang="en-US" altLang="zh-CN" sz="1000" dirty="0"/>
+          </a:p>
+          <a:p>
+            <a:pPr marL="171450" indent="-171450">
+              <a:buFont typeface="Arial" panose="020B0604020202020204" pitchFamily="34" charset="0"/>
+              <a:buChar char="•"/>
+            </a:pPr>
+            <a:r>
+              <a:rPr lang="zh-CN" altLang="en-US" sz="1000" dirty="0"/>
+              <a:t>状态</a:t>
+            </a:r>
+            <a:r>
+              <a:rPr lang="en-US" altLang="zh-CN" sz="1000" dirty="0"/>
+              <a:t>(</a:t>
+            </a:r>
+            <a:r>
+              <a:rPr lang="zh-CN" altLang="en-US" sz="1000" dirty="0"/>
+              <a:t>内部，外部，官方</a:t>
+            </a:r>
+            <a:r>
+              <a:rPr lang="en-US" altLang="zh-CN" sz="1000" dirty="0"/>
+              <a:t>)</a:t>
+            </a:r>
+          </a:p>
+          <a:p>
+            <a:pPr marL="171450" indent="-171450">
+              <a:buFont typeface="Arial" panose="020B0604020202020204" pitchFamily="34" charset="0"/>
+              <a:buChar char="•"/>
+            </a:pPr>
+            <a:r>
+              <a:rPr lang="zh-CN" altLang="en-US" sz="1000" dirty="0"/>
+              <a:t>开始时间</a:t>
+            </a:r>
+            <a:endParaRPr lang="en-US" altLang="zh-CN" sz="1000" dirty="0"/>
+          </a:p>
+          <a:p>
+            <a:pPr marL="171450" indent="-171450">
+              <a:buFont typeface="Arial" panose="020B0604020202020204" pitchFamily="34" charset="0"/>
+              <a:buChar char="•"/>
+            </a:pPr>
+            <a:r>
+              <a:rPr lang="zh-CN" altLang="en-US" sz="1000" dirty="0"/>
+              <a:t>结束时间</a:t>
+            </a:r>
+            <a:endParaRPr lang="en-US" altLang="zh-CN" sz="1000" dirty="0"/>
+          </a:p>
+          <a:p>
+            <a:pPr marL="171450" indent="-171450">
+              <a:buFont typeface="Arial" panose="020B0604020202020204" pitchFamily="34" charset="0"/>
+              <a:buChar char="•"/>
+            </a:pPr>
+            <a:r>
+              <a:rPr lang="zh-CN" altLang="en-US" sz="1000" dirty="0"/>
+              <a:t>间隔</a:t>
+            </a:r>
+            <a:endParaRPr lang="en-US" altLang="zh-CN" sz="1000" dirty="0"/>
+          </a:p>
+        </p:txBody>
+      </p:sp>
+      <p:sp>
+        <p:nvSpPr>
+          <p:cNvPr id="6" name="矩形 5">
+            <a:extLst>
+              <a:ext uri="{FF2B5EF4-FFF2-40B4-BE49-F238E27FC236}">
+                <a16:creationId xmlns:a16="http://schemas.microsoft.com/office/drawing/2014/main" id="{0D17D214-2658-454D-B48F-28F2701EAF89}"/>
+              </a:ext>
+            </a:extLst>
+          </p:cNvPr>
+          <p:cNvSpPr/>
+          <p:nvPr/>
+        </p:nvSpPr>
+        <p:spPr>
+          <a:xfrm>
+            <a:off x="6445826" y="3030681"/>
+            <a:ext cx="1737591" cy="1439719"/>
+          </a:xfrm>
+          <a:prstGeom prst="rect">
+            <a:avLst/>
+          </a:prstGeom>
+          <a:noFill/>
+          <a:ln w="9525" cap="flat" cmpd="sng" algn="ctr">
+            <a:solidFill>
+              <a:schemeClr val="dk1"/>
+            </a:solidFill>
+            <a:prstDash val="solid"/>
+            <a:round/>
+            <a:headEnd type="none" w="med" len="med"/>
+            <a:tailEnd type="none" w="med" len="med"/>
+          </a:ln>
+        </p:spPr>
+        <p:style>
+          <a:lnRef idx="0">
+            <a:scrgbClr r="0" g="0" b="0"/>
+          </a:lnRef>
+          <a:fillRef idx="0">
+            <a:scrgbClr r="0" g="0" b="0"/>
+          </a:fillRef>
+          <a:effectRef idx="0">
+            <a:scrgbClr r="0" g="0" b="0"/>
+          </a:effectRef>
+          <a:fontRef idx="minor">
+            <a:schemeClr val="dk1"/>
+          </a:fontRef>
+        </p:style>
+        <p:txBody>
+          <a:bodyPr rtlCol="0" anchor="t"/>
+          <a:lstStyle/>
+          <a:p>
+            <a:r>
+              <a:rPr lang="en-US" altLang="zh-CN" sz="1000" b="1" dirty="0"/>
+              <a:t>【</a:t>
+            </a:r>
+            <a:r>
+              <a:rPr lang="zh-CN" altLang="en-US" sz="1000" b="1" dirty="0"/>
+              <a:t>批准信息</a:t>
+            </a:r>
+            <a:r>
+              <a:rPr lang="en-US" altLang="zh-CN" sz="1000" b="1" dirty="0"/>
+              <a:t>】</a:t>
+            </a:r>
+          </a:p>
+          <a:p>
+            <a:pPr marL="171450" indent="-171450">
+              <a:buFont typeface="Arial" panose="020B0604020202020204" pitchFamily="34" charset="0"/>
+              <a:buChar char="•"/>
+            </a:pPr>
+            <a:r>
+              <a:rPr lang="zh-CN" altLang="en-US" sz="1000" dirty="0"/>
+              <a:t>批准信息编号</a:t>
+            </a:r>
+            <a:endParaRPr lang="en-US" altLang="zh-CN" sz="1000" dirty="0"/>
+          </a:p>
+          <a:p>
+            <a:pPr marL="171450" indent="-171450">
+              <a:buFont typeface="Arial" panose="020B0604020202020204" pitchFamily="34" charset="0"/>
+              <a:buChar char="•"/>
+            </a:pPr>
+            <a:r>
+              <a:rPr lang="zh-CN" altLang="en-US" sz="1000" dirty="0"/>
+              <a:t>请假条编号</a:t>
+            </a:r>
+            <a:endParaRPr lang="en-US" altLang="zh-CN" sz="1000" dirty="0"/>
+          </a:p>
+          <a:p>
+            <a:pPr marL="171450" indent="-171450">
+              <a:buFont typeface="Arial" panose="020B0604020202020204" pitchFamily="34" charset="0"/>
+              <a:buChar char="•"/>
+            </a:pPr>
+            <a:r>
+              <a:rPr lang="zh-CN" altLang="en-US" sz="1000" dirty="0"/>
+              <a:t>申请人编号</a:t>
+            </a:r>
+            <a:endParaRPr lang="en-US" altLang="zh-CN" sz="1000" dirty="0"/>
+          </a:p>
+          <a:p>
+            <a:pPr marL="171450" indent="-171450">
+              <a:buFont typeface="Arial" panose="020B0604020202020204" pitchFamily="34" charset="0"/>
+              <a:buChar char="•"/>
+            </a:pPr>
+            <a:r>
+              <a:rPr lang="zh-CN" altLang="en-US" sz="1000" dirty="0"/>
+              <a:t>批准人编号</a:t>
+            </a:r>
+            <a:endParaRPr lang="en-US" altLang="zh-CN" sz="1000" dirty="0"/>
+          </a:p>
+          <a:p>
+            <a:pPr marL="171450" indent="-171450">
+              <a:buFont typeface="Arial" panose="020B0604020202020204" pitchFamily="34" charset="0"/>
+              <a:buChar char="•"/>
+            </a:pPr>
+            <a:r>
+              <a:rPr lang="zh-CN" altLang="en-US" sz="1000" dirty="0"/>
+              <a:t>批准级别</a:t>
+            </a:r>
+            <a:endParaRPr lang="en-US" altLang="zh-CN" sz="1000" dirty="0"/>
+          </a:p>
+          <a:p>
+            <a:pPr marL="171450" indent="-171450">
+              <a:buFont typeface="Arial" panose="020B0604020202020204" pitchFamily="34" charset="0"/>
+              <a:buChar char="•"/>
+            </a:pPr>
+            <a:r>
+              <a:rPr lang="zh-CN" altLang="en-US" sz="1000" dirty="0"/>
+              <a:t>批准名称</a:t>
+            </a:r>
+            <a:endParaRPr lang="en-US" altLang="zh-CN" sz="1000" dirty="0"/>
+          </a:p>
+          <a:p>
+            <a:pPr marL="171450" indent="-171450">
+              <a:buFont typeface="Arial" panose="020B0604020202020204" pitchFamily="34" charset="0"/>
+              <a:buChar char="•"/>
+            </a:pPr>
+            <a:r>
+              <a:rPr lang="zh-CN" altLang="en-US" sz="1000" dirty="0"/>
+              <a:t>批准信息</a:t>
+            </a:r>
+            <a:endParaRPr lang="en-US" altLang="zh-CN" sz="1000" dirty="0"/>
+          </a:p>
+          <a:p>
+            <a:pPr marL="171450" indent="-171450">
+              <a:buFont typeface="Arial" panose="020B0604020202020204" pitchFamily="34" charset="0"/>
+              <a:buChar char="•"/>
+            </a:pPr>
+            <a:r>
+              <a:rPr lang="zh-CN" altLang="en-US" sz="1000" dirty="0"/>
+              <a:t>时间？？？</a:t>
+            </a:r>
+            <a:endParaRPr lang="en-US" altLang="zh-CN" sz="1000" dirty="0"/>
+          </a:p>
+        </p:txBody>
+      </p:sp>
+      <p:sp>
+        <p:nvSpPr>
+          <p:cNvPr id="7" name="矩形 6">
+            <a:extLst>
+              <a:ext uri="{FF2B5EF4-FFF2-40B4-BE49-F238E27FC236}">
+                <a16:creationId xmlns:a16="http://schemas.microsoft.com/office/drawing/2014/main" id="{DE6CD20E-6CD1-4CEE-AAF5-2028D0700D45}"/>
+              </a:ext>
+            </a:extLst>
+          </p:cNvPr>
+          <p:cNvSpPr/>
+          <p:nvPr/>
+        </p:nvSpPr>
+        <p:spPr>
+          <a:xfrm>
+            <a:off x="9230588" y="3634509"/>
+            <a:ext cx="1737591" cy="1652155"/>
+          </a:xfrm>
+          <a:prstGeom prst="rect">
+            <a:avLst/>
+          </a:prstGeom>
+          <a:noFill/>
+          <a:ln w="9525" cap="flat" cmpd="sng" algn="ctr">
+            <a:solidFill>
+              <a:schemeClr val="dk1"/>
+            </a:solidFill>
+            <a:prstDash val="solid"/>
+            <a:round/>
+            <a:headEnd type="none" w="med" len="med"/>
+            <a:tailEnd type="none" w="med" len="med"/>
+          </a:ln>
+        </p:spPr>
+        <p:style>
+          <a:lnRef idx="0">
+            <a:scrgbClr r="0" g="0" b="0"/>
+          </a:lnRef>
+          <a:fillRef idx="0">
+            <a:scrgbClr r="0" g="0" b="0"/>
+          </a:fillRef>
+          <a:effectRef idx="0">
+            <a:scrgbClr r="0" g="0" b="0"/>
+          </a:effectRef>
+          <a:fontRef idx="minor">
+            <a:schemeClr val="dk1"/>
+          </a:fontRef>
+        </p:style>
+        <p:txBody>
+          <a:bodyPr rtlCol="0" anchor="t"/>
+          <a:lstStyle/>
+          <a:p>
+            <a:r>
+              <a:rPr lang="en-US" altLang="zh-CN" sz="1000" b="1" dirty="0"/>
+              <a:t>【</a:t>
+            </a:r>
+            <a:r>
+              <a:rPr lang="zh-CN" altLang="en-US" sz="1000" b="1" dirty="0"/>
+              <a:t>组织关系</a:t>
+            </a:r>
+            <a:r>
+              <a:rPr lang="en-US" altLang="zh-CN" sz="1000" b="1" dirty="0"/>
+              <a:t>】</a:t>
+            </a:r>
+          </a:p>
+          <a:p>
+            <a:pPr marL="171450" indent="-171450">
+              <a:buFont typeface="Arial" panose="020B0604020202020204" pitchFamily="34" charset="0"/>
+              <a:buChar char="•"/>
+            </a:pPr>
+            <a:r>
+              <a:rPr lang="zh-CN" altLang="en-US" sz="1000" dirty="0"/>
+              <a:t>编号</a:t>
+            </a:r>
+            <a:endParaRPr lang="en-US" altLang="zh-CN" sz="1000" dirty="0"/>
+          </a:p>
+          <a:p>
+            <a:pPr marL="171450" indent="-171450">
+              <a:buFont typeface="Arial" panose="020B0604020202020204" pitchFamily="34" charset="0"/>
+              <a:buChar char="•"/>
+            </a:pPr>
+            <a:r>
+              <a:rPr lang="zh-CN" altLang="en-US" sz="1000" dirty="0"/>
+              <a:t>人员编号</a:t>
+            </a:r>
+            <a:endParaRPr lang="en-US" altLang="zh-CN" sz="1000" dirty="0"/>
+          </a:p>
+          <a:p>
+            <a:pPr marL="171450" indent="-171450">
+              <a:buFont typeface="Arial" panose="020B0604020202020204" pitchFamily="34" charset="0"/>
+              <a:buChar char="•"/>
+            </a:pPr>
+            <a:r>
+              <a:rPr lang="zh-CN" altLang="en-US" sz="1000" dirty="0"/>
+              <a:t>领导编号</a:t>
+            </a:r>
+            <a:r>
+              <a:rPr lang="en-US" altLang="zh-CN" sz="1000" dirty="0"/>
+              <a:t>(</a:t>
+            </a:r>
+            <a:r>
+              <a:rPr lang="zh-CN" altLang="en-US" sz="1000" dirty="0"/>
+              <a:t>上面人员编号的领导，对应的人员编号）</a:t>
+            </a:r>
+            <a:endParaRPr lang="en-US" altLang="zh-CN" sz="1000" dirty="0"/>
+          </a:p>
+        </p:txBody>
+      </p:sp>
+    </p:spTree>
+    <p:extLst>
+      <p:ext uri="{BB962C8B-B14F-4D97-AF65-F5344CB8AC3E}">
+        <p14:creationId xmlns:p14="http://schemas.microsoft.com/office/powerpoint/2010/main" val="939031820"/>
+      </p:ext>
+    </p:extLst>
+  </p:cSld>
+  <p:clrMapOvr>
+    <a:masterClrMapping/>
+  </p:clrMapOvr>
+</p:sld>
+</file>
+
 <file path=ppt/theme/theme1.xml><?xml version="1.0" encoding="utf-8"?>
 <a:theme xmlns:a="http://schemas.openxmlformats.org/drawingml/2006/main" name="Office 主题​​">
   <a:themeElements>

--- a/DDD_Sample/Docs/DDD.pptx
+++ b/DDD_Sample/Docs/DDD.pptx
@@ -10,7 +10,13 @@
     <p:sldId id="258" r:id="rId4"/>
     <p:sldId id="259" r:id="rId5"/>
     <p:sldId id="260" r:id="rId6"/>
-    <p:sldId id="261" r:id="rId7"/>
+    <p:sldId id="262" r:id="rId7"/>
+    <p:sldId id="263" r:id="rId8"/>
+    <p:sldId id="264" r:id="rId9"/>
+    <p:sldId id="266" r:id="rId10"/>
+    <p:sldId id="265" r:id="rId11"/>
+    <p:sldId id="267" r:id="rId12"/>
+    <p:sldId id="261" r:id="rId13"/>
   </p:sldIdLst>
   <p:sldSz cx="12192000" cy="6858000"/>
   <p:notesSz cx="6858000" cy="9144000"/>
@@ -264,7 +270,7 @@
           <a:p>
             <a:fld id="{660BC6C9-25A6-4F7E-A250-A3AC76331EF0}" type="datetimeFigureOut">
               <a:rPr lang="zh-CN" altLang="en-US" smtClean="0"/>
-              <a:t>2020/3/16</a:t>
+              <a:t>2020/3/18</a:t>
             </a:fld>
             <a:endParaRPr lang="zh-CN" altLang="en-US"/>
           </a:p>
@@ -462,7 +468,7 @@
           <a:p>
             <a:fld id="{660BC6C9-25A6-4F7E-A250-A3AC76331EF0}" type="datetimeFigureOut">
               <a:rPr lang="zh-CN" altLang="en-US" smtClean="0"/>
-              <a:t>2020/3/16</a:t>
+              <a:t>2020/3/18</a:t>
             </a:fld>
             <a:endParaRPr lang="zh-CN" altLang="en-US"/>
           </a:p>
@@ -670,7 +676,7 @@
           <a:p>
             <a:fld id="{660BC6C9-25A6-4F7E-A250-A3AC76331EF0}" type="datetimeFigureOut">
               <a:rPr lang="zh-CN" altLang="en-US" smtClean="0"/>
-              <a:t>2020/3/16</a:t>
+              <a:t>2020/3/18</a:t>
             </a:fld>
             <a:endParaRPr lang="zh-CN" altLang="en-US"/>
           </a:p>
@@ -868,7 +874,7 @@
           <a:p>
             <a:fld id="{660BC6C9-25A6-4F7E-A250-A3AC76331EF0}" type="datetimeFigureOut">
               <a:rPr lang="zh-CN" altLang="en-US" smtClean="0"/>
-              <a:t>2020/3/16</a:t>
+              <a:t>2020/3/18</a:t>
             </a:fld>
             <a:endParaRPr lang="zh-CN" altLang="en-US"/>
           </a:p>
@@ -1143,7 +1149,7 @@
           <a:p>
             <a:fld id="{660BC6C9-25A6-4F7E-A250-A3AC76331EF0}" type="datetimeFigureOut">
               <a:rPr lang="zh-CN" altLang="en-US" smtClean="0"/>
-              <a:t>2020/3/16</a:t>
+              <a:t>2020/3/18</a:t>
             </a:fld>
             <a:endParaRPr lang="zh-CN" altLang="en-US"/>
           </a:p>
@@ -1408,7 +1414,7 @@
           <a:p>
             <a:fld id="{660BC6C9-25A6-4F7E-A250-A3AC76331EF0}" type="datetimeFigureOut">
               <a:rPr lang="zh-CN" altLang="en-US" smtClean="0"/>
-              <a:t>2020/3/16</a:t>
+              <a:t>2020/3/18</a:t>
             </a:fld>
             <a:endParaRPr lang="zh-CN" altLang="en-US"/>
           </a:p>
@@ -1820,7 +1826,7 @@
           <a:p>
             <a:fld id="{660BC6C9-25A6-4F7E-A250-A3AC76331EF0}" type="datetimeFigureOut">
               <a:rPr lang="zh-CN" altLang="en-US" smtClean="0"/>
-              <a:t>2020/3/16</a:t>
+              <a:t>2020/3/18</a:t>
             </a:fld>
             <a:endParaRPr lang="zh-CN" altLang="en-US"/>
           </a:p>
@@ -1961,7 +1967,7 @@
           <a:p>
             <a:fld id="{660BC6C9-25A6-4F7E-A250-A3AC76331EF0}" type="datetimeFigureOut">
               <a:rPr lang="zh-CN" altLang="en-US" smtClean="0"/>
-              <a:t>2020/3/16</a:t>
+              <a:t>2020/3/18</a:t>
             </a:fld>
             <a:endParaRPr lang="zh-CN" altLang="en-US"/>
           </a:p>
@@ -2074,7 +2080,7 @@
           <a:p>
             <a:fld id="{660BC6C9-25A6-4F7E-A250-A3AC76331EF0}" type="datetimeFigureOut">
               <a:rPr lang="zh-CN" altLang="en-US" smtClean="0"/>
-              <a:t>2020/3/16</a:t>
+              <a:t>2020/3/18</a:t>
             </a:fld>
             <a:endParaRPr lang="zh-CN" altLang="en-US"/>
           </a:p>
@@ -2385,7 +2391,7 @@
           <a:p>
             <a:fld id="{660BC6C9-25A6-4F7E-A250-A3AC76331EF0}" type="datetimeFigureOut">
               <a:rPr lang="zh-CN" altLang="en-US" smtClean="0"/>
-              <a:t>2020/3/16</a:t>
+              <a:t>2020/3/18</a:t>
             </a:fld>
             <a:endParaRPr lang="zh-CN" altLang="en-US"/>
           </a:p>
@@ -2673,7 +2679,7 @@
           <a:p>
             <a:fld id="{660BC6C9-25A6-4F7E-A250-A3AC76331EF0}" type="datetimeFigureOut">
               <a:rPr lang="zh-CN" altLang="en-US" smtClean="0"/>
-              <a:t>2020/3/16</a:t>
+              <a:t>2020/3/18</a:t>
             </a:fld>
             <a:endParaRPr lang="zh-CN" altLang="en-US"/>
           </a:p>
@@ -2914,7 +2920,7 @@
           <a:p>
             <a:fld id="{660BC6C9-25A6-4F7E-A250-A3AC76331EF0}" type="datetimeFigureOut">
               <a:rPr lang="zh-CN" altLang="en-US" smtClean="0"/>
-              <a:t>2020/3/16</a:t>
+              <a:t>2020/3/18</a:t>
             </a:fld>
             <a:endParaRPr lang="zh-CN" altLang="en-US"/>
           </a:p>
@@ -3344,6 +3350,965 @@
 </p:sld>
 </file>
 
+<file path=ppt/slides/slide10.xml><?xml version="1.0" encoding="utf-8"?>
+<p:sld xmlns:a="http://schemas.openxmlformats.org/drawingml/2006/main" xmlns:r="http://schemas.openxmlformats.org/officeDocument/2006/relationships" xmlns:p="http://schemas.openxmlformats.org/presentationml/2006/main">
+  <p:cSld>
+    <p:spTree>
+      <p:nvGrpSpPr>
+        <p:cNvPr id="1" name=""/>
+        <p:cNvGrpSpPr/>
+        <p:nvPr/>
+      </p:nvGrpSpPr>
+      <p:grpSpPr>
+        <a:xfrm>
+          <a:off x="0" y="0"/>
+          <a:ext cx="0" cy="0"/>
+          <a:chOff x="0" y="0"/>
+          <a:chExt cx="0" cy="0"/>
+        </a:xfrm>
+      </p:grpSpPr>
+      <p:pic>
+        <p:nvPicPr>
+          <p:cNvPr id="2052" name="Picture 4">
+            <a:extLst>
+              <a:ext uri="{FF2B5EF4-FFF2-40B4-BE49-F238E27FC236}">
+                <a16:creationId xmlns:a16="http://schemas.microsoft.com/office/drawing/2014/main" id="{FF9FC1D0-7B3D-419F-A943-66A1FF7890BA}"/>
+              </a:ext>
+            </a:extLst>
+          </p:cNvPr>
+          <p:cNvPicPr>
+            <a:picLocks noChangeAspect="1" noChangeArrowheads="1"/>
+          </p:cNvPicPr>
+          <p:nvPr/>
+        </p:nvPicPr>
+        <p:blipFill>
+          <a:blip r:embed="rId2">
+            <a:extLst>
+              <a:ext uri="{28A0092B-C50C-407E-A947-70E740481C1C}">
+                <a14:useLocalDpi xmlns:a14="http://schemas.microsoft.com/office/drawing/2010/main" val="0"/>
+              </a:ext>
+            </a:extLst>
+          </a:blip>
+          <a:srcRect/>
+          <a:stretch>
+            <a:fillRect/>
+          </a:stretch>
+        </p:blipFill>
+        <p:spPr bwMode="auto">
+          <a:xfrm>
+            <a:off x="543734" y="436563"/>
+            <a:ext cx="11104532" cy="5451053"/>
+          </a:xfrm>
+          <a:prstGeom prst="rect">
+            <a:avLst/>
+          </a:prstGeom>
+          <a:noFill/>
+          <a:extLst>
+            <a:ext uri="{909E8E84-426E-40DD-AFC4-6F175D3DCCD1}">
+              <a14:hiddenFill xmlns:a14="http://schemas.microsoft.com/office/drawing/2010/main">
+                <a:solidFill>
+                  <a:srgbClr val="FFFFFF"/>
+                </a:solidFill>
+              </a14:hiddenFill>
+            </a:ext>
+          </a:extLst>
+        </p:spPr>
+      </p:pic>
+    </p:spTree>
+    <p:extLst>
+      <p:ext uri="{BB962C8B-B14F-4D97-AF65-F5344CB8AC3E}">
+        <p14:creationId xmlns:p14="http://schemas.microsoft.com/office/powerpoint/2010/main" val="3808610136"/>
+      </p:ext>
+    </p:extLst>
+  </p:cSld>
+  <p:clrMapOvr>
+    <a:masterClrMapping/>
+  </p:clrMapOvr>
+</p:sld>
+</file>
+
+<file path=ppt/slides/slide11.xml><?xml version="1.0" encoding="utf-8"?>
+<p:sld xmlns:a="http://schemas.openxmlformats.org/drawingml/2006/main" xmlns:r="http://schemas.openxmlformats.org/officeDocument/2006/relationships" xmlns:p="http://schemas.openxmlformats.org/presentationml/2006/main">
+  <p:cSld>
+    <p:spTree>
+      <p:nvGrpSpPr>
+        <p:cNvPr id="1" name=""/>
+        <p:cNvGrpSpPr/>
+        <p:nvPr/>
+      </p:nvGrpSpPr>
+      <p:grpSpPr>
+        <a:xfrm>
+          <a:off x="0" y="0"/>
+          <a:ext cx="0" cy="0"/>
+          <a:chOff x="0" y="0"/>
+          <a:chExt cx="0" cy="0"/>
+        </a:xfrm>
+      </p:grpSpPr>
+      <p:pic>
+        <p:nvPicPr>
+          <p:cNvPr id="4098" name="Picture 2">
+            <a:extLst>
+              <a:ext uri="{FF2B5EF4-FFF2-40B4-BE49-F238E27FC236}">
+                <a16:creationId xmlns:a16="http://schemas.microsoft.com/office/drawing/2014/main" id="{03511EB2-916C-420A-8EE9-CD310EAA2F71}"/>
+              </a:ext>
+            </a:extLst>
+          </p:cNvPr>
+          <p:cNvPicPr>
+            <a:picLocks noChangeAspect="1" noChangeArrowheads="1"/>
+          </p:cNvPicPr>
+          <p:nvPr/>
+        </p:nvPicPr>
+        <p:blipFill>
+          <a:blip r:embed="rId2">
+            <a:extLst>
+              <a:ext uri="{28A0092B-C50C-407E-A947-70E740481C1C}">
+                <a14:useLocalDpi xmlns:a14="http://schemas.microsoft.com/office/drawing/2010/main" val="0"/>
+              </a:ext>
+            </a:extLst>
+          </a:blip>
+          <a:srcRect/>
+          <a:stretch>
+            <a:fillRect/>
+          </a:stretch>
+        </p:blipFill>
+        <p:spPr bwMode="auto">
+          <a:xfrm>
+            <a:off x="620633" y="756136"/>
+            <a:ext cx="10950734" cy="5168803"/>
+          </a:xfrm>
+          <a:prstGeom prst="rect">
+            <a:avLst/>
+          </a:prstGeom>
+          <a:noFill/>
+          <a:extLst>
+            <a:ext uri="{909E8E84-426E-40DD-AFC4-6F175D3DCCD1}">
+              <a14:hiddenFill xmlns:a14="http://schemas.microsoft.com/office/drawing/2010/main">
+                <a:solidFill>
+                  <a:srgbClr val="FFFFFF"/>
+                </a:solidFill>
+              </a14:hiddenFill>
+            </a:ext>
+          </a:extLst>
+        </p:spPr>
+      </p:pic>
+    </p:spTree>
+    <p:extLst>
+      <p:ext uri="{BB962C8B-B14F-4D97-AF65-F5344CB8AC3E}">
+        <p14:creationId xmlns:p14="http://schemas.microsoft.com/office/powerpoint/2010/main" val="3823032921"/>
+      </p:ext>
+    </p:extLst>
+  </p:cSld>
+  <p:clrMapOvr>
+    <a:masterClrMapping/>
+  </p:clrMapOvr>
+</p:sld>
+</file>
+
+<file path=ppt/slides/slide12.xml><?xml version="1.0" encoding="utf-8"?>
+<p:sld xmlns:a="http://schemas.openxmlformats.org/drawingml/2006/main" xmlns:r="http://schemas.openxmlformats.org/officeDocument/2006/relationships" xmlns:p="http://schemas.openxmlformats.org/presentationml/2006/main">
+  <p:cSld>
+    <p:spTree>
+      <p:nvGrpSpPr>
+        <p:cNvPr id="1" name=""/>
+        <p:cNvGrpSpPr/>
+        <p:nvPr/>
+      </p:nvGrpSpPr>
+      <p:grpSpPr>
+        <a:xfrm>
+          <a:off x="0" y="0"/>
+          <a:ext cx="0" cy="0"/>
+          <a:chOff x="0" y="0"/>
+          <a:chExt cx="0" cy="0"/>
+        </a:xfrm>
+      </p:grpSpPr>
+      <p:sp>
+        <p:nvSpPr>
+          <p:cNvPr id="3" name="矩形 2">
+            <a:extLst>
+              <a:ext uri="{FF2B5EF4-FFF2-40B4-BE49-F238E27FC236}">
+                <a16:creationId xmlns:a16="http://schemas.microsoft.com/office/drawing/2014/main" id="{C3C47889-C102-4D41-83D3-799ADE065A68}"/>
+              </a:ext>
+            </a:extLst>
+          </p:cNvPr>
+          <p:cNvSpPr/>
+          <p:nvPr/>
+        </p:nvSpPr>
+        <p:spPr>
+          <a:xfrm>
+            <a:off x="4581516" y="938645"/>
+            <a:ext cx="1737591" cy="1037937"/>
+          </a:xfrm>
+          <a:prstGeom prst="rect">
+            <a:avLst/>
+          </a:prstGeom>
+          <a:noFill/>
+          <a:ln w="9525" cap="flat" cmpd="sng" algn="ctr">
+            <a:solidFill>
+              <a:schemeClr val="dk1"/>
+            </a:solidFill>
+            <a:prstDash val="solid"/>
+            <a:round/>
+            <a:headEnd type="none" w="med" len="med"/>
+            <a:tailEnd type="none" w="med" len="med"/>
+          </a:ln>
+        </p:spPr>
+        <p:style>
+          <a:lnRef idx="0">
+            <a:scrgbClr r="0" g="0" b="0"/>
+          </a:lnRef>
+          <a:fillRef idx="0">
+            <a:scrgbClr r="0" g="0" b="0"/>
+          </a:fillRef>
+          <a:effectRef idx="0">
+            <a:scrgbClr r="0" g="0" b="0"/>
+          </a:effectRef>
+          <a:fontRef idx="minor">
+            <a:schemeClr val="dk1"/>
+          </a:fontRef>
+        </p:style>
+        <p:txBody>
+          <a:bodyPr rtlCol="0" anchor="t"/>
+          <a:lstStyle/>
+          <a:p>
+            <a:r>
+              <a:rPr lang="en-US" altLang="zh-CN" sz="1000" b="1" dirty="0"/>
+              <a:t>【</a:t>
+            </a:r>
+            <a:r>
+              <a:rPr lang="zh-CN" altLang="en-US" sz="1000" b="1" dirty="0"/>
+              <a:t>批准规则</a:t>
+            </a:r>
+            <a:r>
+              <a:rPr lang="en-US" altLang="zh-CN" sz="1000" b="1" dirty="0"/>
+              <a:t>】</a:t>
+            </a:r>
+          </a:p>
+          <a:p>
+            <a:pPr marL="171450" indent="-171450">
+              <a:buFont typeface="Arial" panose="020B0604020202020204" pitchFamily="34" charset="0"/>
+              <a:buChar char="•"/>
+            </a:pPr>
+            <a:r>
+              <a:rPr lang="zh-CN" altLang="en-US" sz="1000" dirty="0"/>
+              <a:t>编号</a:t>
+            </a:r>
+            <a:endParaRPr lang="en-US" altLang="zh-CN" sz="1000" dirty="0"/>
+          </a:p>
+          <a:p>
+            <a:pPr marL="171450" indent="-171450">
+              <a:buFont typeface="Arial" panose="020B0604020202020204" pitchFamily="34" charset="0"/>
+              <a:buChar char="•"/>
+            </a:pPr>
+            <a:r>
+              <a:rPr lang="zh-CN" altLang="en-US" sz="1000" dirty="0"/>
+              <a:t>个人类型</a:t>
+            </a:r>
+            <a:endParaRPr lang="en-US" altLang="zh-CN" sz="1000" dirty="0"/>
+          </a:p>
+          <a:p>
+            <a:pPr marL="171450" indent="-171450">
+              <a:buFont typeface="Arial" panose="020B0604020202020204" pitchFamily="34" charset="0"/>
+              <a:buChar char="•"/>
+            </a:pPr>
+            <a:r>
+              <a:rPr lang="zh-CN" altLang="en-US" sz="1000" dirty="0"/>
+              <a:t>假期类型 </a:t>
+            </a:r>
+            <a:endParaRPr lang="en-US" altLang="zh-CN" sz="1000" dirty="0"/>
+          </a:p>
+          <a:p>
+            <a:pPr marL="171450" indent="-171450">
+              <a:buFont typeface="Arial" panose="020B0604020202020204" pitchFamily="34" charset="0"/>
+              <a:buChar char="•"/>
+            </a:pPr>
+            <a:r>
+              <a:rPr lang="zh-CN" altLang="en-US" sz="1000" dirty="0"/>
+              <a:t>间隔</a:t>
+            </a:r>
+            <a:endParaRPr lang="en-US" altLang="zh-CN" sz="1000" dirty="0"/>
+          </a:p>
+          <a:p>
+            <a:pPr marL="171450" indent="-171450">
+              <a:buFont typeface="Arial" panose="020B0604020202020204" pitchFamily="34" charset="0"/>
+              <a:buChar char="•"/>
+            </a:pPr>
+            <a:r>
+              <a:rPr lang="zh-CN" altLang="en-US" sz="1000" dirty="0"/>
+              <a:t>最大领导级别</a:t>
+            </a:r>
+          </a:p>
+        </p:txBody>
+      </p:sp>
+      <p:sp>
+        <p:nvSpPr>
+          <p:cNvPr id="4" name="矩形 3">
+            <a:extLst>
+              <a:ext uri="{FF2B5EF4-FFF2-40B4-BE49-F238E27FC236}">
+                <a16:creationId xmlns:a16="http://schemas.microsoft.com/office/drawing/2014/main" id="{F1E489B5-4ACB-49F1-95CC-3844798A3843}"/>
+              </a:ext>
+            </a:extLst>
+          </p:cNvPr>
+          <p:cNvSpPr/>
+          <p:nvPr/>
+        </p:nvSpPr>
+        <p:spPr>
+          <a:xfrm>
+            <a:off x="8022600" y="761092"/>
+            <a:ext cx="1737591" cy="2092036"/>
+          </a:xfrm>
+          <a:prstGeom prst="rect">
+            <a:avLst/>
+          </a:prstGeom>
+          <a:noFill/>
+          <a:ln w="9525" cap="flat" cmpd="sng" algn="ctr">
+            <a:solidFill>
+              <a:schemeClr val="dk1"/>
+            </a:solidFill>
+            <a:prstDash val="solid"/>
+            <a:round/>
+            <a:headEnd type="none" w="med" len="med"/>
+            <a:tailEnd type="none" w="med" len="med"/>
+          </a:ln>
+        </p:spPr>
+        <p:style>
+          <a:lnRef idx="0">
+            <a:scrgbClr r="0" g="0" b="0"/>
+          </a:lnRef>
+          <a:fillRef idx="0">
+            <a:scrgbClr r="0" g="0" b="0"/>
+          </a:fillRef>
+          <a:effectRef idx="0">
+            <a:scrgbClr r="0" g="0" b="0"/>
+          </a:effectRef>
+          <a:fontRef idx="minor">
+            <a:schemeClr val="dk1"/>
+          </a:fontRef>
+        </p:style>
+        <p:txBody>
+          <a:bodyPr rtlCol="0" anchor="t"/>
+          <a:lstStyle/>
+          <a:p>
+            <a:r>
+              <a:rPr lang="en-US" altLang="zh-CN" sz="1000" b="1" dirty="0"/>
+              <a:t>【</a:t>
+            </a:r>
+            <a:r>
+              <a:rPr lang="zh-CN" altLang="en-US" sz="1000" b="1" dirty="0"/>
+              <a:t>人员</a:t>
+            </a:r>
+            <a:r>
+              <a:rPr lang="en-US" altLang="zh-CN" sz="1000" b="1" dirty="0"/>
+              <a:t>】</a:t>
+            </a:r>
+          </a:p>
+          <a:p>
+            <a:pPr marL="171450" indent="-171450">
+              <a:buFont typeface="Arial" panose="020B0604020202020204" pitchFamily="34" charset="0"/>
+              <a:buChar char="•"/>
+            </a:pPr>
+            <a:r>
+              <a:rPr lang="zh-CN" altLang="en-US" sz="1000" dirty="0"/>
+              <a:t>编号</a:t>
+            </a:r>
+            <a:endParaRPr lang="en-US" altLang="zh-CN" sz="1000" dirty="0"/>
+          </a:p>
+          <a:p>
+            <a:pPr marL="171450" indent="-171450">
+              <a:buFont typeface="Arial" panose="020B0604020202020204" pitchFamily="34" charset="0"/>
+              <a:buChar char="•"/>
+            </a:pPr>
+            <a:r>
+              <a:rPr lang="zh-CN" altLang="en-US" sz="1000" dirty="0"/>
+              <a:t>姓名</a:t>
+            </a:r>
+            <a:endParaRPr lang="en-US" altLang="zh-CN" sz="1000" dirty="0"/>
+          </a:p>
+          <a:p>
+            <a:pPr marL="171450" indent="-171450">
+              <a:buFont typeface="Arial" panose="020B0604020202020204" pitchFamily="34" charset="0"/>
+              <a:buChar char="•"/>
+            </a:pPr>
+            <a:r>
+              <a:rPr lang="zh-CN" altLang="en-US" sz="1000" dirty="0"/>
+              <a:t>部门</a:t>
+            </a:r>
+            <a:r>
+              <a:rPr lang="en-US" altLang="zh-CN" sz="1000" dirty="0"/>
+              <a:t>ID</a:t>
+            </a:r>
+            <a:r>
+              <a:rPr lang="zh-CN" altLang="en-US" sz="1000" dirty="0"/>
+              <a:t> </a:t>
+            </a:r>
+            <a:endParaRPr lang="en-US" altLang="zh-CN" sz="1000" dirty="0"/>
+          </a:p>
+          <a:p>
+            <a:pPr marL="171450" indent="-171450">
+              <a:buFont typeface="Arial" panose="020B0604020202020204" pitchFamily="34" charset="0"/>
+              <a:buChar char="•"/>
+            </a:pPr>
+            <a:r>
+              <a:rPr lang="zh-CN" altLang="en-US" sz="1000" dirty="0"/>
+              <a:t>人员类型 </a:t>
+            </a:r>
+            <a:endParaRPr lang="en-US" altLang="zh-CN" sz="1000" dirty="0"/>
+          </a:p>
+          <a:p>
+            <a:pPr marL="171450" indent="-171450">
+              <a:buFont typeface="Arial" panose="020B0604020202020204" pitchFamily="34" charset="0"/>
+              <a:buChar char="•"/>
+            </a:pPr>
+            <a:r>
+              <a:rPr lang="zh-CN" altLang="en-US" sz="1000" dirty="0"/>
+              <a:t>领导</a:t>
+            </a:r>
+            <a:r>
+              <a:rPr lang="en-US" altLang="zh-CN" sz="1000" dirty="0"/>
+              <a:t>ID</a:t>
+            </a:r>
+            <a:r>
+              <a:rPr lang="zh-CN" altLang="en-US" sz="1000" dirty="0"/>
+              <a:t>（这个</a:t>
+            </a:r>
+            <a:r>
+              <a:rPr lang="en-US" altLang="zh-CN" sz="1000" dirty="0"/>
+              <a:t>ID</a:t>
+            </a:r>
+            <a:r>
+              <a:rPr lang="zh-CN" altLang="en-US" sz="1000" dirty="0"/>
+              <a:t>与人员编号可以不一样）</a:t>
+            </a:r>
+            <a:endParaRPr lang="en-US" altLang="zh-CN" sz="1000" dirty="0"/>
+          </a:p>
+          <a:p>
+            <a:pPr marL="171450" indent="-171450">
+              <a:buFont typeface="Arial" panose="020B0604020202020204" pitchFamily="34" charset="0"/>
+              <a:buChar char="•"/>
+            </a:pPr>
+            <a:r>
+              <a:rPr lang="zh-CN" altLang="en-US" sz="1000" dirty="0"/>
+              <a:t>角色级别</a:t>
+            </a:r>
+            <a:endParaRPr lang="en-US" altLang="zh-CN" sz="1000" dirty="0"/>
+          </a:p>
+          <a:p>
+            <a:pPr marL="171450" indent="-171450">
+              <a:buFont typeface="Arial" panose="020B0604020202020204" pitchFamily="34" charset="0"/>
+              <a:buChar char="•"/>
+            </a:pPr>
+            <a:r>
+              <a:rPr lang="zh-CN" altLang="en-US" sz="1000" dirty="0"/>
+              <a:t>创建时间</a:t>
+            </a:r>
+            <a:endParaRPr lang="en-US" altLang="zh-CN" sz="1000" dirty="0"/>
+          </a:p>
+          <a:p>
+            <a:pPr marL="171450" indent="-171450">
+              <a:buFont typeface="Arial" panose="020B0604020202020204" pitchFamily="34" charset="0"/>
+              <a:buChar char="•"/>
+            </a:pPr>
+            <a:r>
+              <a:rPr lang="zh-CN" altLang="en-US" sz="1000" dirty="0"/>
+              <a:t>最后修改时间</a:t>
+            </a:r>
+            <a:endParaRPr lang="en-US" altLang="zh-CN" sz="1000" dirty="0"/>
+          </a:p>
+          <a:p>
+            <a:pPr marL="171450" indent="-171450">
+              <a:buFont typeface="Arial" panose="020B0604020202020204" pitchFamily="34" charset="0"/>
+              <a:buChar char="•"/>
+            </a:pPr>
+            <a:r>
+              <a:rPr lang="zh-CN" altLang="en-US" sz="1000" dirty="0"/>
+              <a:t>个人状态（启动，禁用）</a:t>
+            </a:r>
+            <a:endParaRPr lang="en-US" altLang="zh-CN" sz="1000" dirty="0"/>
+          </a:p>
+        </p:txBody>
+      </p:sp>
+      <p:sp>
+        <p:nvSpPr>
+          <p:cNvPr id="5" name="矩形 4">
+            <a:extLst>
+              <a:ext uri="{FF2B5EF4-FFF2-40B4-BE49-F238E27FC236}">
+                <a16:creationId xmlns:a16="http://schemas.microsoft.com/office/drawing/2014/main" id="{31E8DCF9-E061-42C7-8B6C-EAF8C4D2EF1A}"/>
+              </a:ext>
+            </a:extLst>
+          </p:cNvPr>
+          <p:cNvSpPr/>
+          <p:nvPr/>
+        </p:nvSpPr>
+        <p:spPr>
+          <a:xfrm>
+            <a:off x="1956552" y="1431750"/>
+            <a:ext cx="1737591" cy="1884219"/>
+          </a:xfrm>
+          <a:prstGeom prst="rect">
+            <a:avLst/>
+          </a:prstGeom>
+          <a:noFill/>
+          <a:ln w="9525" cap="flat" cmpd="sng" algn="ctr">
+            <a:solidFill>
+              <a:schemeClr val="dk1"/>
+            </a:solidFill>
+            <a:prstDash val="solid"/>
+            <a:round/>
+            <a:headEnd type="none" w="med" len="med"/>
+            <a:tailEnd type="none" w="med" len="med"/>
+          </a:ln>
+        </p:spPr>
+        <p:style>
+          <a:lnRef idx="0">
+            <a:scrgbClr r="0" g="0" b="0"/>
+          </a:lnRef>
+          <a:fillRef idx="0">
+            <a:scrgbClr r="0" g="0" b="0"/>
+          </a:fillRef>
+          <a:effectRef idx="0">
+            <a:scrgbClr r="0" g="0" b="0"/>
+          </a:effectRef>
+          <a:fontRef idx="minor">
+            <a:schemeClr val="dk1"/>
+          </a:fontRef>
+        </p:style>
+        <p:txBody>
+          <a:bodyPr rtlCol="0" anchor="t"/>
+          <a:lstStyle/>
+          <a:p>
+            <a:r>
+              <a:rPr lang="en-US" altLang="zh-CN" sz="1000" b="1" dirty="0"/>
+              <a:t>【</a:t>
+            </a:r>
+            <a:r>
+              <a:rPr lang="zh-CN" altLang="en-US" sz="1000" b="1" dirty="0"/>
+              <a:t>请假表</a:t>
+            </a:r>
+            <a:r>
+              <a:rPr lang="en-US" altLang="zh-CN" sz="1000" b="1" dirty="0"/>
+              <a:t>】</a:t>
+            </a:r>
+          </a:p>
+          <a:p>
+            <a:pPr marL="171450" indent="-171450">
+              <a:buFont typeface="Arial" panose="020B0604020202020204" pitchFamily="34" charset="0"/>
+              <a:buChar char="•"/>
+            </a:pPr>
+            <a:r>
+              <a:rPr lang="zh-CN" altLang="en-US" sz="1000" dirty="0"/>
+              <a:t>编号</a:t>
+            </a:r>
+            <a:endParaRPr lang="en-US" altLang="zh-CN" sz="1000" dirty="0"/>
+          </a:p>
+          <a:p>
+            <a:pPr marL="171450" indent="-171450">
+              <a:buFont typeface="Arial" panose="020B0604020202020204" pitchFamily="34" charset="0"/>
+              <a:buChar char="•"/>
+            </a:pPr>
+            <a:r>
+              <a:rPr lang="zh-CN" altLang="en-US" sz="1000" dirty="0"/>
+              <a:t>请假条</a:t>
+            </a:r>
+            <a:r>
+              <a:rPr lang="en-US" altLang="zh-CN" sz="1000" dirty="0"/>
+              <a:t>ID</a:t>
+            </a:r>
+          </a:p>
+          <a:p>
+            <a:pPr marL="171450" indent="-171450">
+              <a:buFont typeface="Arial" panose="020B0604020202020204" pitchFamily="34" charset="0"/>
+              <a:buChar char="•"/>
+            </a:pPr>
+            <a:r>
+              <a:rPr lang="zh-CN" altLang="en-US" sz="1000" dirty="0"/>
+              <a:t>请假条名称</a:t>
+            </a:r>
+            <a:endParaRPr lang="en-US" altLang="zh-CN" sz="1000" dirty="0"/>
+          </a:p>
+          <a:p>
+            <a:pPr marL="171450" indent="-171450">
+              <a:buFont typeface="Arial" panose="020B0604020202020204" pitchFamily="34" charset="0"/>
+              <a:buChar char="•"/>
+            </a:pPr>
+            <a:r>
+              <a:rPr lang="zh-CN" altLang="en-US" sz="1000" dirty="0"/>
+              <a:t>请假条类型  </a:t>
+            </a:r>
+            <a:endParaRPr lang="en-US" altLang="zh-CN" sz="1000" dirty="0"/>
+          </a:p>
+          <a:p>
+            <a:pPr marL="171450" indent="-171450">
+              <a:buFont typeface="Arial" panose="020B0604020202020204" pitchFamily="34" charset="0"/>
+              <a:buChar char="•"/>
+            </a:pPr>
+            <a:r>
+              <a:rPr lang="zh-CN" altLang="en-US" sz="1000" dirty="0"/>
+              <a:t>批准</a:t>
+            </a:r>
+            <a:r>
+              <a:rPr lang="en-US" altLang="zh-CN" sz="1000" dirty="0"/>
+              <a:t>ID</a:t>
+            </a:r>
+          </a:p>
+          <a:p>
+            <a:pPr marL="171450" indent="-171450">
+              <a:buFont typeface="Arial" panose="020B0604020202020204" pitchFamily="34" charset="0"/>
+              <a:buChar char="•"/>
+            </a:pPr>
+            <a:r>
+              <a:rPr lang="zh-CN" altLang="en-US" sz="1000" dirty="0"/>
+              <a:t>批准人</a:t>
+            </a:r>
+            <a:endParaRPr lang="en-US" altLang="zh-CN" sz="1000" dirty="0"/>
+          </a:p>
+          <a:p>
+            <a:pPr marL="171450" indent="-171450">
+              <a:buFont typeface="Arial" panose="020B0604020202020204" pitchFamily="34" charset="0"/>
+              <a:buChar char="•"/>
+            </a:pPr>
+            <a:r>
+              <a:rPr lang="zh-CN" altLang="en-US" sz="1000" dirty="0"/>
+              <a:t>请假类型</a:t>
+            </a:r>
+            <a:endParaRPr lang="en-US" altLang="zh-CN" sz="1000" dirty="0"/>
+          </a:p>
+          <a:p>
+            <a:pPr marL="171450" indent="-171450">
+              <a:buFont typeface="Arial" panose="020B0604020202020204" pitchFamily="34" charset="0"/>
+              <a:buChar char="•"/>
+            </a:pPr>
+            <a:r>
+              <a:rPr lang="zh-CN" altLang="en-US" sz="1000" dirty="0"/>
+              <a:t>状态</a:t>
+            </a:r>
+            <a:r>
+              <a:rPr lang="en-US" altLang="zh-CN" sz="1000" dirty="0"/>
+              <a:t>(</a:t>
+            </a:r>
+            <a:r>
+              <a:rPr lang="zh-CN" altLang="en-US" sz="1000" dirty="0"/>
+              <a:t>内部，外部，官方</a:t>
+            </a:r>
+            <a:r>
+              <a:rPr lang="en-US" altLang="zh-CN" sz="1000" dirty="0"/>
+              <a:t>)</a:t>
+            </a:r>
+          </a:p>
+          <a:p>
+            <a:pPr marL="171450" indent="-171450">
+              <a:buFont typeface="Arial" panose="020B0604020202020204" pitchFamily="34" charset="0"/>
+              <a:buChar char="•"/>
+            </a:pPr>
+            <a:r>
+              <a:rPr lang="zh-CN" altLang="en-US" sz="1000" dirty="0"/>
+              <a:t>开始时间</a:t>
+            </a:r>
+            <a:endParaRPr lang="en-US" altLang="zh-CN" sz="1000" dirty="0"/>
+          </a:p>
+          <a:p>
+            <a:pPr marL="171450" indent="-171450">
+              <a:buFont typeface="Arial" panose="020B0604020202020204" pitchFamily="34" charset="0"/>
+              <a:buChar char="•"/>
+            </a:pPr>
+            <a:r>
+              <a:rPr lang="zh-CN" altLang="en-US" sz="1000" dirty="0"/>
+              <a:t>结束时间</a:t>
+            </a:r>
+            <a:endParaRPr lang="en-US" altLang="zh-CN" sz="1000" dirty="0"/>
+          </a:p>
+          <a:p>
+            <a:pPr marL="171450" indent="-171450">
+              <a:buFont typeface="Arial" panose="020B0604020202020204" pitchFamily="34" charset="0"/>
+              <a:buChar char="•"/>
+            </a:pPr>
+            <a:r>
+              <a:rPr lang="zh-CN" altLang="en-US" sz="1000" dirty="0"/>
+              <a:t>间隔</a:t>
+            </a:r>
+            <a:endParaRPr lang="en-US" altLang="zh-CN" sz="1000" dirty="0"/>
+          </a:p>
+        </p:txBody>
+      </p:sp>
+      <p:sp>
+        <p:nvSpPr>
+          <p:cNvPr id="6" name="矩形 5">
+            <a:extLst>
+              <a:ext uri="{FF2B5EF4-FFF2-40B4-BE49-F238E27FC236}">
+                <a16:creationId xmlns:a16="http://schemas.microsoft.com/office/drawing/2014/main" id="{0D17D214-2658-454D-B48F-28F2701EAF89}"/>
+              </a:ext>
+            </a:extLst>
+          </p:cNvPr>
+          <p:cNvSpPr/>
+          <p:nvPr/>
+        </p:nvSpPr>
+        <p:spPr>
+          <a:xfrm>
+            <a:off x="4358409" y="3429000"/>
+            <a:ext cx="1737591" cy="1763261"/>
+          </a:xfrm>
+          <a:prstGeom prst="rect">
+            <a:avLst/>
+          </a:prstGeom>
+          <a:noFill/>
+          <a:ln w="9525" cap="flat" cmpd="sng" algn="ctr">
+            <a:solidFill>
+              <a:schemeClr val="dk1"/>
+            </a:solidFill>
+            <a:prstDash val="solid"/>
+            <a:round/>
+            <a:headEnd type="none" w="med" len="med"/>
+            <a:tailEnd type="none" w="med" len="med"/>
+          </a:ln>
+        </p:spPr>
+        <p:style>
+          <a:lnRef idx="0">
+            <a:scrgbClr r="0" g="0" b="0"/>
+          </a:lnRef>
+          <a:fillRef idx="0">
+            <a:scrgbClr r="0" g="0" b="0"/>
+          </a:fillRef>
+          <a:effectRef idx="0">
+            <a:scrgbClr r="0" g="0" b="0"/>
+          </a:effectRef>
+          <a:fontRef idx="minor">
+            <a:schemeClr val="dk1"/>
+          </a:fontRef>
+        </p:style>
+        <p:txBody>
+          <a:bodyPr rtlCol="0" anchor="t"/>
+          <a:lstStyle/>
+          <a:p>
+            <a:r>
+              <a:rPr lang="en-US" altLang="zh-CN" sz="1000" b="1" dirty="0"/>
+              <a:t>【</a:t>
+            </a:r>
+            <a:r>
+              <a:rPr lang="zh-CN" altLang="en-US" sz="1000" b="1" dirty="0"/>
+              <a:t>批准信息</a:t>
+            </a:r>
+            <a:r>
+              <a:rPr lang="en-US" altLang="zh-CN" sz="1000" b="1" dirty="0"/>
+              <a:t>】</a:t>
+            </a:r>
+          </a:p>
+          <a:p>
+            <a:pPr marL="171450" indent="-171450">
+              <a:buFont typeface="Arial" panose="020B0604020202020204" pitchFamily="34" charset="0"/>
+              <a:buChar char="•"/>
+            </a:pPr>
+            <a:r>
+              <a:rPr lang="zh-CN" altLang="en-US" sz="1000" dirty="0"/>
+              <a:t>批准信息编号</a:t>
+            </a:r>
+            <a:endParaRPr lang="en-US" altLang="zh-CN" sz="1000" dirty="0"/>
+          </a:p>
+          <a:p>
+            <a:pPr marL="171450" indent="-171450">
+              <a:buFont typeface="Arial" panose="020B0604020202020204" pitchFamily="34" charset="0"/>
+              <a:buChar char="•"/>
+            </a:pPr>
+            <a:r>
+              <a:rPr lang="zh-CN" altLang="en-US" sz="1000" dirty="0"/>
+              <a:t>请假条编号</a:t>
+            </a:r>
+            <a:endParaRPr lang="en-US" altLang="zh-CN" sz="1000" dirty="0"/>
+          </a:p>
+          <a:p>
+            <a:pPr marL="171450" indent="-171450">
+              <a:buFont typeface="Arial" panose="020B0604020202020204" pitchFamily="34" charset="0"/>
+              <a:buChar char="•"/>
+            </a:pPr>
+            <a:r>
+              <a:rPr lang="zh-CN" altLang="en-US" sz="1000" dirty="0"/>
+              <a:t>申请人编号</a:t>
+            </a:r>
+            <a:endParaRPr lang="en-US" altLang="zh-CN" sz="1000" dirty="0"/>
+          </a:p>
+          <a:p>
+            <a:pPr marL="171450" indent="-171450">
+              <a:buFont typeface="Arial" panose="020B0604020202020204" pitchFamily="34" charset="0"/>
+              <a:buChar char="•"/>
+            </a:pPr>
+            <a:r>
+              <a:rPr lang="zh-CN" altLang="en-US" sz="1000" dirty="0"/>
+              <a:t>批准人编号</a:t>
+            </a:r>
+            <a:endParaRPr lang="en-US" altLang="zh-CN" sz="1000" dirty="0"/>
+          </a:p>
+          <a:p>
+            <a:pPr marL="171450" indent="-171450">
+              <a:buFont typeface="Arial" panose="020B0604020202020204" pitchFamily="34" charset="0"/>
+              <a:buChar char="•"/>
+            </a:pPr>
+            <a:r>
+              <a:rPr lang="zh-CN" altLang="en-US" sz="1000" dirty="0"/>
+              <a:t>批准级别</a:t>
+            </a:r>
+            <a:endParaRPr lang="en-US" altLang="zh-CN" sz="1000" dirty="0"/>
+          </a:p>
+          <a:p>
+            <a:pPr marL="171450" indent="-171450">
+              <a:buFont typeface="Arial" panose="020B0604020202020204" pitchFamily="34" charset="0"/>
+              <a:buChar char="•"/>
+            </a:pPr>
+            <a:r>
+              <a:rPr lang="zh-CN" altLang="en-US" sz="1000" dirty="0"/>
+              <a:t>批准类型</a:t>
+            </a:r>
+            <a:endParaRPr lang="en-US" altLang="zh-CN" sz="1000" dirty="0"/>
+          </a:p>
+          <a:p>
+            <a:pPr marL="171450" indent="-171450">
+              <a:buFont typeface="Arial" panose="020B0604020202020204" pitchFamily="34" charset="0"/>
+              <a:buChar char="•"/>
+            </a:pPr>
+            <a:r>
+              <a:rPr lang="zh-CN" altLang="en-US" sz="1000" dirty="0"/>
+              <a:t>批准名称</a:t>
+            </a:r>
+            <a:endParaRPr lang="en-US" altLang="zh-CN" sz="1000" dirty="0"/>
+          </a:p>
+          <a:p>
+            <a:pPr marL="171450" indent="-171450">
+              <a:buFont typeface="Arial" panose="020B0604020202020204" pitchFamily="34" charset="0"/>
+              <a:buChar char="•"/>
+            </a:pPr>
+            <a:r>
+              <a:rPr lang="zh-CN" altLang="en-US" sz="1000" dirty="0"/>
+              <a:t>批准信息</a:t>
+            </a:r>
+            <a:endParaRPr lang="en-US" altLang="zh-CN" sz="1000" dirty="0"/>
+          </a:p>
+          <a:p>
+            <a:pPr marL="171450" indent="-171450">
+              <a:buFont typeface="Arial" panose="020B0604020202020204" pitchFamily="34" charset="0"/>
+              <a:buChar char="•"/>
+            </a:pPr>
+            <a:r>
+              <a:rPr lang="zh-CN" altLang="en-US" sz="1000" dirty="0"/>
+              <a:t>时间？？？</a:t>
+            </a:r>
+            <a:endParaRPr lang="en-US" altLang="zh-CN" sz="1000" dirty="0"/>
+          </a:p>
+        </p:txBody>
+      </p:sp>
+      <p:sp>
+        <p:nvSpPr>
+          <p:cNvPr id="7" name="矩形 6">
+            <a:extLst>
+              <a:ext uri="{FF2B5EF4-FFF2-40B4-BE49-F238E27FC236}">
+                <a16:creationId xmlns:a16="http://schemas.microsoft.com/office/drawing/2014/main" id="{DE6CD20E-6CD1-4CEE-AAF5-2028D0700D45}"/>
+              </a:ext>
+            </a:extLst>
+          </p:cNvPr>
+          <p:cNvSpPr/>
+          <p:nvPr/>
+        </p:nvSpPr>
+        <p:spPr>
+          <a:xfrm>
+            <a:off x="8022600" y="3999537"/>
+            <a:ext cx="1737591" cy="1652155"/>
+          </a:xfrm>
+          <a:prstGeom prst="rect">
+            <a:avLst/>
+          </a:prstGeom>
+          <a:noFill/>
+          <a:ln w="9525" cap="flat" cmpd="sng" algn="ctr">
+            <a:solidFill>
+              <a:schemeClr val="dk1"/>
+            </a:solidFill>
+            <a:prstDash val="solid"/>
+            <a:round/>
+            <a:headEnd type="none" w="med" len="med"/>
+            <a:tailEnd type="none" w="med" len="med"/>
+          </a:ln>
+        </p:spPr>
+        <p:style>
+          <a:lnRef idx="0">
+            <a:scrgbClr r="0" g="0" b="0"/>
+          </a:lnRef>
+          <a:fillRef idx="0">
+            <a:scrgbClr r="0" g="0" b="0"/>
+          </a:fillRef>
+          <a:effectRef idx="0">
+            <a:scrgbClr r="0" g="0" b="0"/>
+          </a:effectRef>
+          <a:fontRef idx="minor">
+            <a:schemeClr val="dk1"/>
+          </a:fontRef>
+        </p:style>
+        <p:txBody>
+          <a:bodyPr rtlCol="0" anchor="t"/>
+          <a:lstStyle/>
+          <a:p>
+            <a:r>
+              <a:rPr lang="en-US" altLang="zh-CN" sz="1000" b="1" dirty="0"/>
+              <a:t>【</a:t>
+            </a:r>
+            <a:r>
+              <a:rPr lang="zh-CN" altLang="en-US" sz="1000" b="1" dirty="0"/>
+              <a:t>组织关系</a:t>
+            </a:r>
+            <a:r>
+              <a:rPr lang="en-US" altLang="zh-CN" sz="1000" b="1" dirty="0"/>
+              <a:t>】</a:t>
+            </a:r>
+          </a:p>
+          <a:p>
+            <a:pPr marL="171450" indent="-171450">
+              <a:buFont typeface="Arial" panose="020B0604020202020204" pitchFamily="34" charset="0"/>
+              <a:buChar char="•"/>
+            </a:pPr>
+            <a:r>
+              <a:rPr lang="zh-CN" altLang="en-US" sz="1000" dirty="0"/>
+              <a:t>编号</a:t>
+            </a:r>
+            <a:endParaRPr lang="en-US" altLang="zh-CN" sz="1000" dirty="0"/>
+          </a:p>
+          <a:p>
+            <a:pPr marL="171450" indent="-171450">
+              <a:buFont typeface="Arial" panose="020B0604020202020204" pitchFamily="34" charset="0"/>
+              <a:buChar char="•"/>
+            </a:pPr>
+            <a:r>
+              <a:rPr lang="zh-CN" altLang="en-US" sz="1000" dirty="0"/>
+              <a:t>人员编号</a:t>
+            </a:r>
+            <a:endParaRPr lang="en-US" altLang="zh-CN" sz="1000" dirty="0"/>
+          </a:p>
+          <a:p>
+            <a:pPr marL="171450" indent="-171450">
+              <a:buFont typeface="Arial" panose="020B0604020202020204" pitchFamily="34" charset="0"/>
+              <a:buChar char="•"/>
+            </a:pPr>
+            <a:r>
+              <a:rPr lang="zh-CN" altLang="en-US" sz="1000" dirty="0"/>
+              <a:t>领导编号</a:t>
+            </a:r>
+            <a:r>
+              <a:rPr lang="en-US" altLang="zh-CN" sz="1000" dirty="0"/>
+              <a:t>(</a:t>
+            </a:r>
+            <a:r>
+              <a:rPr lang="zh-CN" altLang="en-US" sz="1000" dirty="0"/>
+              <a:t>上面人员编号的领导，对应的人员编号）</a:t>
+            </a:r>
+            <a:endParaRPr lang="en-US" altLang="zh-CN" sz="1000" dirty="0"/>
+          </a:p>
+        </p:txBody>
+      </p:sp>
+    </p:spTree>
+    <p:extLst>
+      <p:ext uri="{BB962C8B-B14F-4D97-AF65-F5344CB8AC3E}">
+        <p14:creationId xmlns:p14="http://schemas.microsoft.com/office/powerpoint/2010/main" val="939031820"/>
+      </p:ext>
+    </p:extLst>
+  </p:cSld>
+  <p:clrMapOvr>
+    <a:masterClrMapping/>
+  </p:clrMapOvr>
+</p:sld>
+</file>
+
 <file path=ppt/slides/slide2.xml><?xml version="1.0" encoding="utf-8"?>
 <p:sld xmlns:a="http://schemas.openxmlformats.org/drawingml/2006/main" xmlns:r="http://schemas.openxmlformats.org/officeDocument/2006/relationships" xmlns:p="http://schemas.openxmlformats.org/presentationml/2006/main">
   <p:cSld>
@@ -4201,7 +5166,7 @@
         <p:spPr>
           <a:xfrm>
             <a:off x="398650" y="879482"/>
-            <a:ext cx="10614734" cy="4154984"/>
+            <a:ext cx="10614734" cy="4339650"/>
           </a:xfrm>
           <a:prstGeom prst="rect">
             <a:avLst/>
@@ -4230,6 +5195,10 @@
             </a:endParaRPr>
           </a:p>
           <a:p>
+            <a:pPr marL="171450" indent="-171450">
+              <a:buFont typeface="Arial" panose="020B0604020202020204" pitchFamily="34" charset="0"/>
+              <a:buChar char="•"/>
+            </a:pPr>
             <a:r>
               <a:rPr lang="zh-CN" altLang="en-US" sz="1200" dirty="0">
                 <a:solidFill>
@@ -4247,6 +5216,10 @@
             </a:endParaRPr>
           </a:p>
           <a:p>
+            <a:pPr marL="171450" indent="-171450">
+              <a:buFont typeface="Arial" panose="020B0604020202020204" pitchFamily="34" charset="0"/>
+              <a:buChar char="•"/>
+            </a:pPr>
             <a:r>
               <a:rPr lang="zh-CN" altLang="en-US" sz="1200" dirty="0">
                 <a:solidFill>
@@ -4264,6 +5237,10 @@
             </a:endParaRPr>
           </a:p>
           <a:p>
+            <a:pPr marL="171450" indent="-171450">
+              <a:buFont typeface="Arial" panose="020B0604020202020204" pitchFamily="34" charset="0"/>
+              <a:buChar char="•"/>
+            </a:pPr>
             <a:r>
               <a:rPr lang="zh-CN" altLang="en-US" sz="1200" dirty="0">
                 <a:solidFill>
@@ -4281,6 +5258,10 @@
             </a:endParaRPr>
           </a:p>
           <a:p>
+            <a:pPr marL="171450" indent="-171450">
+              <a:buFont typeface="Arial" panose="020B0604020202020204" pitchFamily="34" charset="0"/>
+              <a:buChar char="•"/>
+            </a:pPr>
             <a:r>
               <a:rPr lang="zh-CN" altLang="en-US" sz="1200" dirty="0">
                 <a:solidFill>
@@ -4352,6 +5333,10 @@
             </a:endParaRPr>
           </a:p>
           <a:p>
+            <a:pPr marL="171450" indent="-171450">
+              <a:buFont typeface="Arial" panose="020B0604020202020204" pitchFamily="34" charset="0"/>
+              <a:buChar char="•"/>
+            </a:pPr>
             <a:r>
               <a:rPr lang="zh-CN" altLang="en-US" sz="1200" dirty="0">
                 <a:solidFill>
@@ -4402,6 +5387,10 @@
             </a:endParaRPr>
           </a:p>
           <a:p>
+            <a:pPr marL="171450" indent="-171450">
+              <a:buFont typeface="Arial" panose="020B0604020202020204" pitchFamily="34" charset="0"/>
+              <a:buChar char="•"/>
+            </a:pPr>
             <a:r>
               <a:rPr lang="zh-CN" altLang="en-US" sz="1200" dirty="0">
                 <a:solidFill>
@@ -4419,6 +5408,10 @@
             </a:endParaRPr>
           </a:p>
           <a:p>
+            <a:pPr marL="171450" indent="-171450">
+              <a:buFont typeface="Arial" panose="020B0604020202020204" pitchFamily="34" charset="0"/>
+              <a:buChar char="•"/>
+            </a:pPr>
             <a:r>
               <a:rPr lang="zh-CN" altLang="en-US" sz="1200" dirty="0">
                 <a:solidFill>
@@ -4560,10 +5553,10 @@
               <a:t>)</a:t>
             </a:r>
             <a:r>
-              <a:rPr lang="zh-CN" altLang="en-US" sz="1200"/>
+              <a:rPr lang="zh-CN" altLang="en-US" sz="1200" dirty="0"/>
               <a:t>建立领域对象与代码对象的五映射关系了，根据这种映射关系，相关人员快速定位到业务逻辑所在的代码位置</a:t>
             </a:r>
-            <a:endParaRPr lang="en-US" altLang="zh-CN" sz="1200"/>
+            <a:endParaRPr lang="en-US" altLang="zh-CN" sz="1200" dirty="0"/>
           </a:p>
           <a:p>
             <a:endParaRPr lang="zh-CN" altLang="en-US" sz="1200" dirty="0"/>
@@ -4602,10 +5595,10 @@
       </p:grpSpPr>
       <p:sp>
         <p:nvSpPr>
-          <p:cNvPr id="3" name="矩形 2">
-            <a:extLst>
-              <a:ext uri="{FF2B5EF4-FFF2-40B4-BE49-F238E27FC236}">
-                <a16:creationId xmlns:a16="http://schemas.microsoft.com/office/drawing/2014/main" id="{C3C47889-C102-4D41-83D3-799ADE065A68}"/>
+          <p:cNvPr id="2" name="矩形 1">
+            <a:extLst>
+              <a:ext uri="{FF2B5EF4-FFF2-40B4-BE49-F238E27FC236}">
+                <a16:creationId xmlns:a16="http://schemas.microsoft.com/office/drawing/2014/main" id="{1D3236A4-0B7E-4998-8CFF-B011E711E8D4}"/>
               </a:ext>
             </a:extLst>
           </p:cNvPr>
@@ -4614,116 +5607,759 @@
         </p:nvSpPr>
         <p:spPr>
           <a:xfrm>
-            <a:off x="6445827" y="938645"/>
-            <a:ext cx="1737591" cy="1037937"/>
+            <a:off x="659907" y="746126"/>
+            <a:ext cx="10889942" cy="646331"/>
+          </a:xfrm>
+          <a:prstGeom prst="rect">
+            <a:avLst/>
+          </a:prstGeom>
+        </p:spPr>
+        <p:txBody>
+          <a:bodyPr wrap="square">
+            <a:spAutoFit/>
+          </a:bodyPr>
+          <a:lstStyle/>
+          <a:p>
+            <a:r>
+              <a:rPr lang="zh-CN" altLang="en-US" dirty="0"/>
+              <a:t>领域事件是领域模型中非常重要的一部分，用来表示领域中发生的事件。一个领域事件将导致进一步的业务操作，在实现业务解耦的同时，还有助于形成完整的业务闭环。</a:t>
+            </a:r>
+            <a:endParaRPr lang="zh-CN" altLang="en-US" b="1" dirty="0">
+              <a:solidFill>
+                <a:srgbClr val="FF0000"/>
+              </a:solidFill>
+            </a:endParaRPr>
+          </a:p>
+        </p:txBody>
+      </p:sp>
+      <p:sp>
+        <p:nvSpPr>
+          <p:cNvPr id="6" name="矩形 5">
+            <a:extLst>
+              <a:ext uri="{FF2B5EF4-FFF2-40B4-BE49-F238E27FC236}">
+                <a16:creationId xmlns:a16="http://schemas.microsoft.com/office/drawing/2014/main" id="{DA0DB44B-377E-4393-9313-B0EC54C15C8D}"/>
+              </a:ext>
+            </a:extLst>
+          </p:cNvPr>
+          <p:cNvSpPr/>
+          <p:nvPr/>
+        </p:nvSpPr>
+        <p:spPr>
+          <a:xfrm>
+            <a:off x="739806" y="1392457"/>
+            <a:ext cx="10889942" cy="5262979"/>
+          </a:xfrm>
+          <a:prstGeom prst="rect">
+            <a:avLst/>
+          </a:prstGeom>
+        </p:spPr>
+        <p:txBody>
+          <a:bodyPr wrap="square">
+            <a:spAutoFit/>
+          </a:bodyPr>
+          <a:lstStyle/>
+          <a:p>
+            <a:r>
+              <a:rPr lang="zh-CN" altLang="en-US" sz="1600" dirty="0"/>
+              <a:t>微服务内的事件通知</a:t>
+            </a:r>
+            <a:r>
+              <a:rPr lang="en-US" altLang="zh-CN" sz="1600" dirty="0" err="1"/>
+              <a:t>MediatR</a:t>
+            </a:r>
+            <a:endParaRPr lang="en-US" altLang="zh-CN" sz="1600" dirty="0"/>
+          </a:p>
+          <a:p>
+            <a:r>
+              <a:rPr lang="en-US" altLang="zh-CN" sz="800" dirty="0"/>
+              <a:t> public void </a:t>
+            </a:r>
+            <a:r>
+              <a:rPr lang="en-US" altLang="zh-CN" sz="800" dirty="0" err="1"/>
+              <a:t>ConfigureServices</a:t>
+            </a:r>
+            <a:r>
+              <a:rPr lang="en-US" altLang="zh-CN" sz="800" dirty="0"/>
+              <a:t>(</a:t>
+            </a:r>
+            <a:r>
+              <a:rPr lang="en-US" altLang="zh-CN" sz="800" dirty="0" err="1"/>
+              <a:t>IServiceCollection</a:t>
+            </a:r>
+            <a:r>
+              <a:rPr lang="en-US" altLang="zh-CN" sz="800" dirty="0"/>
+              <a:t> services)</a:t>
+            </a:r>
+          </a:p>
+          <a:p>
+            <a:r>
+              <a:rPr lang="en-US" altLang="zh-CN" sz="800" dirty="0"/>
+              <a:t>{</a:t>
+            </a:r>
+          </a:p>
+          <a:p>
+            <a:r>
+              <a:rPr lang="en-US" altLang="zh-CN" sz="800" dirty="0"/>
+              <a:t>            </a:t>
+            </a:r>
+            <a:r>
+              <a:rPr lang="en-US" altLang="zh-CN" sz="800" dirty="0" err="1"/>
+              <a:t>services.AddMediatR</a:t>
+            </a:r>
+            <a:r>
+              <a:rPr lang="en-US" altLang="zh-CN" sz="800" dirty="0"/>
+              <a:t>(</a:t>
+            </a:r>
+            <a:r>
+              <a:rPr lang="en-US" altLang="zh-CN" sz="800" dirty="0" err="1"/>
+              <a:t>Assembly.GetExecutingAssembly</a:t>
+            </a:r>
+            <a:r>
+              <a:rPr lang="en-US" altLang="zh-CN" sz="800" dirty="0"/>
+              <a:t>());</a:t>
+            </a:r>
+          </a:p>
+          <a:p>
+            <a:r>
+              <a:rPr lang="en-US" altLang="zh-CN" sz="800" dirty="0"/>
+              <a:t>}</a:t>
+            </a:r>
+            <a:endParaRPr lang="en-US" altLang="zh-CN" sz="800" b="1" dirty="0">
+              <a:solidFill>
+                <a:srgbClr val="FF0000"/>
+              </a:solidFill>
+            </a:endParaRPr>
+          </a:p>
+          <a:p>
+            <a:r>
+              <a:rPr lang="en-US" altLang="zh-CN" sz="800" dirty="0"/>
+              <a:t> /// &lt;summary&gt;</a:t>
+            </a:r>
+          </a:p>
+          <a:p>
+            <a:r>
+              <a:rPr lang="zh-CN" altLang="en-US" sz="800" dirty="0"/>
+              <a:t>    </a:t>
+            </a:r>
+            <a:r>
+              <a:rPr lang="en-US" altLang="zh-CN" sz="800" dirty="0"/>
+              <a:t>///</a:t>
+            </a:r>
+            <a:r>
+              <a:rPr lang="zh-CN" altLang="en-US" sz="800" dirty="0"/>
+              <a:t> 通知主体</a:t>
+            </a:r>
+          </a:p>
+          <a:p>
+            <a:r>
+              <a:rPr lang="en-US" altLang="zh-CN" sz="800" dirty="0"/>
+              <a:t>    /// &lt;/summary&gt;</a:t>
+            </a:r>
+          </a:p>
+          <a:p>
+            <a:r>
+              <a:rPr lang="en-US" altLang="zh-CN" sz="800" dirty="0"/>
+              <a:t>    public class Ping : </a:t>
+            </a:r>
+            <a:r>
+              <a:rPr lang="en-US" altLang="zh-CN" sz="800" dirty="0" err="1"/>
+              <a:t>INotification</a:t>
+            </a:r>
+            <a:r>
+              <a:rPr lang="en-US" altLang="zh-CN" sz="800" dirty="0"/>
+              <a:t> { }</a:t>
+            </a:r>
+            <a:endParaRPr lang="zh-CN" altLang="en-US" sz="800" dirty="0"/>
+          </a:p>
+          <a:p>
+            <a:r>
+              <a:rPr lang="en-US" altLang="zh-CN" sz="800" dirty="0"/>
+              <a:t>    /// &lt;summary&gt;</a:t>
+            </a:r>
+          </a:p>
+          <a:p>
+            <a:r>
+              <a:rPr lang="zh-CN" altLang="en-US" sz="800" dirty="0"/>
+              <a:t>    </a:t>
+            </a:r>
+            <a:r>
+              <a:rPr lang="en-US" altLang="zh-CN" sz="800" dirty="0"/>
+              <a:t>///</a:t>
+            </a:r>
+            <a:r>
+              <a:rPr lang="zh-CN" altLang="en-US" sz="800" dirty="0"/>
+              <a:t> 相当订阅者</a:t>
+            </a:r>
+            <a:r>
+              <a:rPr lang="en-US" altLang="zh-CN" sz="800" dirty="0"/>
+              <a:t>1</a:t>
+            </a:r>
+            <a:endParaRPr lang="zh-CN" altLang="en-US" sz="800" dirty="0"/>
+          </a:p>
+          <a:p>
+            <a:r>
+              <a:rPr lang="en-US" altLang="zh-CN" sz="800" dirty="0"/>
+              <a:t>    /// &lt;/summary&gt;</a:t>
+            </a:r>
+          </a:p>
+          <a:p>
+            <a:r>
+              <a:rPr lang="en-US" altLang="zh-CN" sz="800" dirty="0"/>
+              <a:t>    public class Pong1 : </a:t>
+            </a:r>
+            <a:r>
+              <a:rPr lang="en-US" altLang="zh-CN" sz="800" dirty="0" err="1"/>
+              <a:t>INotificationHandler</a:t>
+            </a:r>
+            <a:r>
+              <a:rPr lang="en-US" altLang="zh-CN" sz="800" dirty="0"/>
+              <a:t>&lt;Ping&gt;</a:t>
+            </a:r>
+          </a:p>
+          <a:p>
+            <a:r>
+              <a:rPr lang="zh-CN" altLang="en-US" sz="800" dirty="0"/>
+              <a:t>    </a:t>
+            </a:r>
+            <a:r>
+              <a:rPr lang="en-US" altLang="zh-CN" sz="800" dirty="0"/>
+              <a:t>{</a:t>
+            </a:r>
+          </a:p>
+          <a:p>
+            <a:r>
+              <a:rPr lang="en-US" altLang="zh-CN" sz="800" dirty="0"/>
+              <a:t>        public Task Handle(Ping notification, </a:t>
+            </a:r>
+            <a:r>
+              <a:rPr lang="en-US" altLang="zh-CN" sz="800" dirty="0" err="1"/>
+              <a:t>CancellationToken</a:t>
+            </a:r>
+            <a:r>
+              <a:rPr lang="en-US" altLang="zh-CN" sz="800" dirty="0"/>
+              <a:t> </a:t>
+            </a:r>
+            <a:r>
+              <a:rPr lang="en-US" altLang="zh-CN" sz="800" dirty="0" err="1"/>
+              <a:t>cancellationToken</a:t>
+            </a:r>
+            <a:r>
+              <a:rPr lang="en-US" altLang="zh-CN" sz="800" dirty="0"/>
+              <a:t>)</a:t>
+            </a:r>
+          </a:p>
+          <a:p>
+            <a:r>
+              <a:rPr lang="zh-CN" altLang="en-US" sz="800" dirty="0"/>
+              <a:t>        </a:t>
+            </a:r>
+            <a:r>
+              <a:rPr lang="en-US" altLang="zh-CN" sz="800" dirty="0"/>
+              <a:t>{</a:t>
+            </a:r>
+          </a:p>
+          <a:p>
+            <a:r>
+              <a:rPr lang="en-US" altLang="zh-CN" sz="800" dirty="0"/>
+              <a:t>            </a:t>
+            </a:r>
+            <a:r>
+              <a:rPr lang="en-US" altLang="zh-CN" sz="800" dirty="0" err="1"/>
+              <a:t>Console.WriteLine</a:t>
+            </a:r>
+            <a:r>
+              <a:rPr lang="en-US" altLang="zh-CN" sz="800" dirty="0"/>
+              <a:t>("Pong 1");</a:t>
+            </a:r>
+          </a:p>
+          <a:p>
+            <a:r>
+              <a:rPr lang="en-US" altLang="zh-CN" sz="800" dirty="0"/>
+              <a:t>            return </a:t>
+            </a:r>
+            <a:r>
+              <a:rPr lang="en-US" altLang="zh-CN" sz="800" dirty="0" err="1"/>
+              <a:t>Task.CompletedTask</a:t>
+            </a:r>
+            <a:r>
+              <a:rPr lang="en-US" altLang="zh-CN" sz="800" dirty="0"/>
+              <a:t>;</a:t>
+            </a:r>
+          </a:p>
+          <a:p>
+            <a:r>
+              <a:rPr lang="zh-CN" altLang="en-US" sz="800" dirty="0"/>
+              <a:t>        </a:t>
+            </a:r>
+            <a:r>
+              <a:rPr lang="en-US" altLang="zh-CN" sz="800" dirty="0"/>
+              <a:t>}</a:t>
+            </a:r>
+          </a:p>
+          <a:p>
+            <a:r>
+              <a:rPr lang="zh-CN" altLang="en-US" sz="800" dirty="0"/>
+              <a:t>    </a:t>
+            </a:r>
+            <a:r>
+              <a:rPr lang="en-US" altLang="zh-CN" sz="800" dirty="0"/>
+              <a:t>}</a:t>
+            </a:r>
+          </a:p>
+          <a:p>
+            <a:r>
+              <a:rPr lang="en-US" altLang="zh-CN" sz="800" dirty="0"/>
+              <a:t>    /// &lt;summary&gt;</a:t>
+            </a:r>
+          </a:p>
+          <a:p>
+            <a:r>
+              <a:rPr lang="zh-CN" altLang="en-US" sz="800" dirty="0"/>
+              <a:t>    </a:t>
+            </a:r>
+            <a:r>
+              <a:rPr lang="en-US" altLang="zh-CN" sz="800" dirty="0"/>
+              <a:t>///</a:t>
+            </a:r>
+            <a:r>
+              <a:rPr lang="zh-CN" altLang="en-US" sz="800" dirty="0"/>
+              <a:t> 相当订阅者</a:t>
+            </a:r>
+            <a:r>
+              <a:rPr lang="en-US" altLang="zh-CN" sz="800" dirty="0"/>
+              <a:t>2</a:t>
+            </a:r>
+            <a:endParaRPr lang="zh-CN" altLang="en-US" sz="800" dirty="0"/>
+          </a:p>
+          <a:p>
+            <a:r>
+              <a:rPr lang="en-US" altLang="zh-CN" sz="800" dirty="0"/>
+              <a:t>    /// &lt;/summary&gt;</a:t>
+            </a:r>
+          </a:p>
+          <a:p>
+            <a:r>
+              <a:rPr lang="en-US" altLang="zh-CN" sz="800" dirty="0"/>
+              <a:t>    public class Pong2 : </a:t>
+            </a:r>
+            <a:r>
+              <a:rPr lang="en-US" altLang="zh-CN" sz="800" dirty="0" err="1"/>
+              <a:t>INotificationHandler</a:t>
+            </a:r>
+            <a:r>
+              <a:rPr lang="en-US" altLang="zh-CN" sz="800" dirty="0"/>
+              <a:t>&lt;Ping&gt;</a:t>
+            </a:r>
+          </a:p>
+          <a:p>
+            <a:r>
+              <a:rPr lang="zh-CN" altLang="en-US" sz="800" dirty="0"/>
+              <a:t>    </a:t>
+            </a:r>
+            <a:r>
+              <a:rPr lang="en-US" altLang="zh-CN" sz="800" dirty="0"/>
+              <a:t>{</a:t>
+            </a:r>
+          </a:p>
+          <a:p>
+            <a:r>
+              <a:rPr lang="en-US" altLang="zh-CN" sz="800" dirty="0"/>
+              <a:t>        public Task Handle(Ping notification, </a:t>
+            </a:r>
+            <a:r>
+              <a:rPr lang="en-US" altLang="zh-CN" sz="800" dirty="0" err="1"/>
+              <a:t>CancellationToken</a:t>
+            </a:r>
+            <a:r>
+              <a:rPr lang="en-US" altLang="zh-CN" sz="800" dirty="0"/>
+              <a:t> </a:t>
+            </a:r>
+            <a:r>
+              <a:rPr lang="en-US" altLang="zh-CN" sz="800" dirty="0" err="1"/>
+              <a:t>cancellationToken</a:t>
+            </a:r>
+            <a:r>
+              <a:rPr lang="en-US" altLang="zh-CN" sz="800" dirty="0"/>
+              <a:t>)</a:t>
+            </a:r>
+          </a:p>
+          <a:p>
+            <a:r>
+              <a:rPr lang="zh-CN" altLang="en-US" sz="800" dirty="0"/>
+              <a:t>        </a:t>
+            </a:r>
+            <a:r>
+              <a:rPr lang="en-US" altLang="zh-CN" sz="800" dirty="0"/>
+              <a:t>{</a:t>
+            </a:r>
+          </a:p>
+          <a:p>
+            <a:r>
+              <a:rPr lang="en-US" altLang="zh-CN" sz="800" dirty="0"/>
+              <a:t>            </a:t>
+            </a:r>
+            <a:r>
+              <a:rPr lang="en-US" altLang="zh-CN" sz="800" dirty="0" err="1"/>
+              <a:t>Console.WriteLine</a:t>
+            </a:r>
+            <a:r>
+              <a:rPr lang="en-US" altLang="zh-CN" sz="800" dirty="0"/>
+              <a:t>("Pong 2");</a:t>
+            </a:r>
+          </a:p>
+          <a:p>
+            <a:r>
+              <a:rPr lang="en-US" altLang="zh-CN" sz="800" dirty="0"/>
+              <a:t>            return </a:t>
+            </a:r>
+            <a:r>
+              <a:rPr lang="en-US" altLang="zh-CN" sz="800" dirty="0" err="1"/>
+              <a:t>Task.CompletedTask</a:t>
+            </a:r>
+            <a:r>
+              <a:rPr lang="en-US" altLang="zh-CN" sz="800" dirty="0"/>
+              <a:t>;</a:t>
+            </a:r>
+          </a:p>
+          <a:p>
+            <a:r>
+              <a:rPr lang="zh-CN" altLang="en-US" sz="800" dirty="0"/>
+              <a:t>        </a:t>
+            </a:r>
+            <a:r>
+              <a:rPr lang="en-US" altLang="zh-CN" sz="800" dirty="0"/>
+              <a:t>}</a:t>
+            </a:r>
+          </a:p>
+          <a:p>
+            <a:r>
+              <a:rPr lang="zh-CN" altLang="en-US" sz="800" dirty="0"/>
+              <a:t>  </a:t>
+            </a:r>
+            <a:r>
+              <a:rPr lang="en-US" altLang="zh-CN" sz="800" dirty="0"/>
+              <a:t>}</a:t>
+            </a:r>
+          </a:p>
+          <a:p>
+            <a:r>
+              <a:rPr lang="en-US" altLang="zh-CN" sz="800" dirty="0"/>
+              <a:t>private </a:t>
+            </a:r>
+            <a:r>
+              <a:rPr lang="en-US" altLang="zh-CN" sz="800" dirty="0" err="1"/>
+              <a:t>readonly</a:t>
+            </a:r>
+            <a:r>
+              <a:rPr lang="en-US" altLang="zh-CN" sz="800" dirty="0"/>
+              <a:t> </a:t>
+            </a:r>
+            <a:r>
+              <a:rPr lang="en-US" altLang="zh-CN" sz="800" dirty="0" err="1"/>
+              <a:t>IMediator</a:t>
+            </a:r>
+            <a:r>
+              <a:rPr lang="en-US" altLang="zh-CN" sz="800" dirty="0"/>
+              <a:t> _mediator;</a:t>
+            </a:r>
+          </a:p>
+          <a:p>
+            <a:r>
+              <a:rPr lang="en-US" altLang="zh-CN" sz="800" dirty="0"/>
+              <a:t>public </a:t>
+            </a:r>
+            <a:r>
+              <a:rPr lang="en-US" altLang="zh-CN" sz="800" dirty="0" err="1"/>
+              <a:t>WeatherForecastController</a:t>
+            </a:r>
+            <a:r>
+              <a:rPr lang="en-US" altLang="zh-CN" sz="800" dirty="0"/>
+              <a:t>(</a:t>
+            </a:r>
+            <a:r>
+              <a:rPr lang="en-US" altLang="zh-CN" sz="800" dirty="0" err="1"/>
+              <a:t>IMediator</a:t>
+            </a:r>
+            <a:r>
+              <a:rPr lang="en-US" altLang="zh-CN" sz="800" dirty="0"/>
+              <a:t> mediator)</a:t>
+            </a:r>
+          </a:p>
+          <a:p>
+            <a:r>
+              <a:rPr lang="zh-CN" altLang="en-US" sz="800" dirty="0"/>
+              <a:t> </a:t>
+            </a:r>
+            <a:r>
+              <a:rPr lang="en-US" altLang="zh-CN" sz="800" dirty="0"/>
+              <a:t>{</a:t>
+            </a:r>
+          </a:p>
+          <a:p>
+            <a:r>
+              <a:rPr lang="en-US" altLang="zh-CN" sz="800" dirty="0"/>
+              <a:t>       _mediator = mediator;</a:t>
+            </a:r>
+          </a:p>
+          <a:p>
+            <a:r>
+              <a:rPr lang="en-US" altLang="zh-CN" sz="800" dirty="0"/>
+              <a:t>}</a:t>
+            </a:r>
+            <a:endParaRPr lang="zh-CN" altLang="en-US" sz="800" dirty="0"/>
+          </a:p>
+          <a:p>
+            <a:r>
+              <a:rPr lang="en-US" altLang="zh-CN" sz="800" dirty="0"/>
+              <a:t> [</a:t>
+            </a:r>
+            <a:r>
+              <a:rPr lang="en-US" altLang="zh-CN" sz="800" dirty="0" err="1"/>
+              <a:t>HttpGet</a:t>
+            </a:r>
+            <a:r>
+              <a:rPr lang="en-US" altLang="zh-CN" sz="800" dirty="0"/>
+              <a:t>]</a:t>
+            </a:r>
+          </a:p>
+          <a:p>
+            <a:r>
+              <a:rPr lang="en-US" altLang="zh-CN" sz="800" dirty="0"/>
+              <a:t> public void Get()</a:t>
+            </a:r>
+          </a:p>
+          <a:p>
+            <a:r>
+              <a:rPr lang="zh-CN" altLang="en-US" sz="800" dirty="0"/>
+              <a:t> </a:t>
+            </a:r>
+            <a:r>
+              <a:rPr lang="en-US" altLang="zh-CN" sz="800" dirty="0"/>
+              <a:t>{</a:t>
+            </a:r>
+          </a:p>
+          <a:p>
+            <a:r>
+              <a:rPr lang="en-US" altLang="zh-CN" sz="800" dirty="0"/>
+              <a:t>      _</a:t>
+            </a:r>
+            <a:r>
+              <a:rPr lang="en-US" altLang="zh-CN" sz="800" dirty="0" err="1"/>
+              <a:t>mediator.Publish</a:t>
+            </a:r>
+            <a:r>
+              <a:rPr lang="en-US" altLang="zh-CN" sz="800" dirty="0"/>
+              <a:t>(new Ping());</a:t>
+            </a:r>
+          </a:p>
+          <a:p>
+            <a:r>
+              <a:rPr lang="zh-CN" altLang="en-US" sz="800" dirty="0"/>
+              <a:t> </a:t>
+            </a:r>
+            <a:r>
+              <a:rPr lang="en-US" altLang="zh-CN" sz="800" dirty="0"/>
+              <a:t>}</a:t>
+            </a:r>
+            <a:endParaRPr lang="zh-CN" altLang="en-US" sz="800" b="1" dirty="0">
+              <a:solidFill>
+                <a:srgbClr val="FF0000"/>
+              </a:solidFill>
+            </a:endParaRPr>
+          </a:p>
+        </p:txBody>
+      </p:sp>
+    </p:spTree>
+    <p:extLst>
+      <p:ext uri="{BB962C8B-B14F-4D97-AF65-F5344CB8AC3E}">
+        <p14:creationId xmlns:p14="http://schemas.microsoft.com/office/powerpoint/2010/main" val="3688735533"/>
+      </p:ext>
+    </p:extLst>
+  </p:cSld>
+  <p:clrMapOvr>
+    <a:masterClrMapping/>
+  </p:clrMapOvr>
+</p:sld>
+</file>
+
+<file path=ppt/slides/slide7.xml><?xml version="1.0" encoding="utf-8"?>
+<p:sld xmlns:a="http://schemas.openxmlformats.org/drawingml/2006/main" xmlns:r="http://schemas.openxmlformats.org/officeDocument/2006/relationships" xmlns:p="http://schemas.openxmlformats.org/presentationml/2006/main">
+  <p:cSld>
+    <p:spTree>
+      <p:nvGrpSpPr>
+        <p:cNvPr id="1" name=""/>
+        <p:cNvGrpSpPr/>
+        <p:nvPr/>
+      </p:nvGrpSpPr>
+      <p:grpSpPr>
+        <a:xfrm>
+          <a:off x="0" y="0"/>
+          <a:ext cx="0" cy="0"/>
+          <a:chOff x="0" y="0"/>
+          <a:chExt cx="0" cy="0"/>
+        </a:xfrm>
+      </p:grpSpPr>
+      <p:sp>
+        <p:nvSpPr>
+          <p:cNvPr id="2" name="矩形 1">
+            <a:extLst>
+              <a:ext uri="{FF2B5EF4-FFF2-40B4-BE49-F238E27FC236}">
+                <a16:creationId xmlns:a16="http://schemas.microsoft.com/office/drawing/2014/main" id="{1D3236A4-0B7E-4998-8CFF-B011E711E8D4}"/>
+              </a:ext>
+            </a:extLst>
+          </p:cNvPr>
+          <p:cNvSpPr/>
+          <p:nvPr/>
+        </p:nvSpPr>
+        <p:spPr>
+          <a:xfrm>
+            <a:off x="659907" y="746126"/>
+            <a:ext cx="10889942" cy="646331"/>
+          </a:xfrm>
+          <a:prstGeom prst="rect">
+            <a:avLst/>
+          </a:prstGeom>
+        </p:spPr>
+        <p:txBody>
+          <a:bodyPr wrap="square">
+            <a:spAutoFit/>
+          </a:bodyPr>
+          <a:lstStyle/>
+          <a:p>
+            <a:r>
+              <a:rPr lang="zh-CN" altLang="en-US" dirty="0"/>
+              <a:t>领域事件是领域模型中非常重要的一部分，用来表示领域中发生的事件。一个领域事件将导致进一步的业务操作，在实现业务解耦的同时，还有助于形成完整的业务闭环。</a:t>
+            </a:r>
+            <a:endParaRPr lang="zh-CN" altLang="en-US" b="1" dirty="0">
+              <a:solidFill>
+                <a:srgbClr val="FF0000"/>
+              </a:solidFill>
+            </a:endParaRPr>
+          </a:p>
+        </p:txBody>
+      </p:sp>
+      <p:sp>
+        <p:nvSpPr>
+          <p:cNvPr id="6" name="矩形 5">
+            <a:extLst>
+              <a:ext uri="{FF2B5EF4-FFF2-40B4-BE49-F238E27FC236}">
+                <a16:creationId xmlns:a16="http://schemas.microsoft.com/office/drawing/2014/main" id="{DA0DB44B-377E-4393-9313-B0EC54C15C8D}"/>
+              </a:ext>
+            </a:extLst>
+          </p:cNvPr>
+          <p:cNvSpPr/>
+          <p:nvPr/>
+        </p:nvSpPr>
+        <p:spPr>
+          <a:xfrm>
+            <a:off x="722051" y="1471910"/>
+            <a:ext cx="10889942" cy="338554"/>
+          </a:xfrm>
+          <a:prstGeom prst="rect">
+            <a:avLst/>
+          </a:prstGeom>
+        </p:spPr>
+        <p:txBody>
+          <a:bodyPr wrap="square">
+            <a:spAutoFit/>
+          </a:bodyPr>
+          <a:lstStyle/>
+          <a:p>
+            <a:r>
+              <a:rPr lang="zh-CN" altLang="en-US" sz="1600" dirty="0"/>
+              <a:t>微服务之间的事件通知</a:t>
+            </a:r>
+            <a:r>
+              <a:rPr lang="en-US" altLang="zh-CN" sz="1600" dirty="0" err="1"/>
+              <a:t>Masstransit</a:t>
+            </a:r>
+            <a:endParaRPr lang="en-US" altLang="zh-CN" sz="1600" dirty="0"/>
+          </a:p>
+        </p:txBody>
+      </p:sp>
+    </p:spTree>
+    <p:extLst>
+      <p:ext uri="{BB962C8B-B14F-4D97-AF65-F5344CB8AC3E}">
+        <p14:creationId xmlns:p14="http://schemas.microsoft.com/office/powerpoint/2010/main" val="1545616702"/>
+      </p:ext>
+    </p:extLst>
+  </p:cSld>
+  <p:clrMapOvr>
+    <a:masterClrMapping/>
+  </p:clrMapOvr>
+</p:sld>
+</file>
+
+<file path=ppt/slides/slide8.xml><?xml version="1.0" encoding="utf-8"?>
+<p:sld xmlns:a="http://schemas.openxmlformats.org/drawingml/2006/main" xmlns:r="http://schemas.openxmlformats.org/officeDocument/2006/relationships" xmlns:p="http://schemas.openxmlformats.org/presentationml/2006/main">
+  <p:cSld>
+    <p:spTree>
+      <p:nvGrpSpPr>
+        <p:cNvPr id="1" name=""/>
+        <p:cNvGrpSpPr/>
+        <p:nvPr/>
+      </p:nvGrpSpPr>
+      <p:grpSpPr>
+        <a:xfrm>
+          <a:off x="0" y="0"/>
+          <a:ext cx="0" cy="0"/>
+          <a:chOff x="0" y="0"/>
+          <a:chExt cx="0" cy="0"/>
+        </a:xfrm>
+      </p:grpSpPr>
+      <p:pic>
+        <p:nvPicPr>
+          <p:cNvPr id="1026" name="Picture 2">
+            <a:extLst>
+              <a:ext uri="{FF2B5EF4-FFF2-40B4-BE49-F238E27FC236}">
+                <a16:creationId xmlns:a16="http://schemas.microsoft.com/office/drawing/2014/main" id="{66622AB2-FD7E-4089-A0F3-08FF330CBB50}"/>
+              </a:ext>
+            </a:extLst>
+          </p:cNvPr>
+          <p:cNvPicPr>
+            <a:picLocks noChangeAspect="1" noChangeArrowheads="1"/>
+          </p:cNvPicPr>
+          <p:nvPr/>
+        </p:nvPicPr>
+        <p:blipFill>
+          <a:blip r:embed="rId2">
+            <a:extLst>
+              <a:ext uri="{28A0092B-C50C-407E-A947-70E740481C1C}">
+                <a14:useLocalDpi xmlns:a14="http://schemas.microsoft.com/office/drawing/2010/main" val="0"/>
+              </a:ext>
+            </a:extLst>
+          </a:blip>
+          <a:srcRect/>
+          <a:stretch>
+            <a:fillRect/>
+          </a:stretch>
+        </p:blipFill>
+        <p:spPr bwMode="auto">
+          <a:xfrm>
+            <a:off x="355497" y="642090"/>
+            <a:ext cx="4408706" cy="3970317"/>
           </a:xfrm>
           <a:prstGeom prst="rect">
             <a:avLst/>
           </a:prstGeom>
           <a:noFill/>
-          <a:ln w="9525" cap="flat" cmpd="sng" algn="ctr">
-            <a:solidFill>
-              <a:schemeClr val="dk1"/>
-            </a:solidFill>
-            <a:prstDash val="solid"/>
-            <a:round/>
-            <a:headEnd type="none" w="med" len="med"/>
-            <a:tailEnd type="none" w="med" len="med"/>
-          </a:ln>
+          <a:extLst>
+            <a:ext uri="{909E8E84-426E-40DD-AFC4-6F175D3DCCD1}">
+              <a14:hiddenFill xmlns:a14="http://schemas.microsoft.com/office/drawing/2010/main">
+                <a:solidFill>
+                  <a:srgbClr val="FFFFFF"/>
+                </a:solidFill>
+              </a14:hiddenFill>
+            </a:ext>
+          </a:extLst>
         </p:spPr>
-        <p:style>
-          <a:lnRef idx="0">
-            <a:scrgbClr r="0" g="0" b="0"/>
-          </a:lnRef>
-          <a:fillRef idx="0">
-            <a:scrgbClr r="0" g="0" b="0"/>
-          </a:fillRef>
-          <a:effectRef idx="0">
-            <a:scrgbClr r="0" g="0" b="0"/>
-          </a:effectRef>
-          <a:fontRef idx="minor">
-            <a:schemeClr val="dk1"/>
-          </a:fontRef>
-        </p:style>
-        <p:txBody>
-          <a:bodyPr rtlCol="0" anchor="t"/>
-          <a:lstStyle/>
-          <a:p>
-            <a:r>
-              <a:rPr lang="en-US" altLang="zh-CN" sz="1000" b="1" dirty="0"/>
-              <a:t>【</a:t>
-            </a:r>
-            <a:r>
-              <a:rPr lang="zh-CN" altLang="en-US" sz="1000" b="1" dirty="0"/>
-              <a:t>批准规则</a:t>
-            </a:r>
-            <a:r>
-              <a:rPr lang="en-US" altLang="zh-CN" sz="1000" b="1" dirty="0"/>
-              <a:t>】</a:t>
-            </a:r>
-          </a:p>
-          <a:p>
-            <a:pPr marL="171450" indent="-171450">
-              <a:buFont typeface="Arial" panose="020B0604020202020204" pitchFamily="34" charset="0"/>
-              <a:buChar char="•"/>
-            </a:pPr>
-            <a:r>
-              <a:rPr lang="zh-CN" altLang="en-US" sz="1000" dirty="0"/>
-              <a:t>编号</a:t>
-            </a:r>
-            <a:endParaRPr lang="en-US" altLang="zh-CN" sz="1000" dirty="0"/>
-          </a:p>
-          <a:p>
-            <a:pPr marL="171450" indent="-171450">
-              <a:buFont typeface="Arial" panose="020B0604020202020204" pitchFamily="34" charset="0"/>
-              <a:buChar char="•"/>
-            </a:pPr>
-            <a:r>
-              <a:rPr lang="zh-CN" altLang="en-US" sz="1000" dirty="0"/>
-              <a:t>个人类型</a:t>
-            </a:r>
-            <a:endParaRPr lang="en-US" altLang="zh-CN" sz="1000" dirty="0"/>
-          </a:p>
-          <a:p>
-            <a:pPr marL="171450" indent="-171450">
-              <a:buFont typeface="Arial" panose="020B0604020202020204" pitchFamily="34" charset="0"/>
-              <a:buChar char="•"/>
-            </a:pPr>
-            <a:r>
-              <a:rPr lang="zh-CN" altLang="en-US" sz="1000" dirty="0"/>
-              <a:t>假期类型 </a:t>
-            </a:r>
-            <a:endParaRPr lang="en-US" altLang="zh-CN" sz="1000" dirty="0"/>
-          </a:p>
-          <a:p>
-            <a:pPr marL="171450" indent="-171450">
-              <a:buFont typeface="Arial" panose="020B0604020202020204" pitchFamily="34" charset="0"/>
-              <a:buChar char="•"/>
-            </a:pPr>
-            <a:r>
-              <a:rPr lang="zh-CN" altLang="en-US" sz="1000" dirty="0"/>
-              <a:t>间隔</a:t>
-            </a:r>
-            <a:endParaRPr lang="en-US" altLang="zh-CN" sz="1000" dirty="0"/>
-          </a:p>
-          <a:p>
-            <a:pPr marL="171450" indent="-171450">
-              <a:buFont typeface="Arial" panose="020B0604020202020204" pitchFamily="34" charset="0"/>
-              <a:buChar char="•"/>
-            </a:pPr>
-            <a:r>
-              <a:rPr lang="zh-CN" altLang="en-US" sz="1000" dirty="0"/>
-              <a:t>最大领导级别</a:t>
-            </a:r>
-          </a:p>
-        </p:txBody>
-      </p:sp>
-      <p:sp>
-        <p:nvSpPr>
-          <p:cNvPr id="4" name="矩形 3">
-            <a:extLst>
-              <a:ext uri="{FF2B5EF4-FFF2-40B4-BE49-F238E27FC236}">
-                <a16:creationId xmlns:a16="http://schemas.microsoft.com/office/drawing/2014/main" id="{F1E489B5-4ACB-49F1-95CC-3844798A3843}"/>
+      </p:pic>
+      <p:sp>
+        <p:nvSpPr>
+          <p:cNvPr id="3" name="矩形 2">
+            <a:extLst>
+              <a:ext uri="{FF2B5EF4-FFF2-40B4-BE49-F238E27FC236}">
+                <a16:creationId xmlns:a16="http://schemas.microsoft.com/office/drawing/2014/main" id="{5A48AC3D-1C9F-4E12-AA5D-332E8ED37A64}"/>
               </a:ext>
             </a:extLst>
           </p:cNvPr>
@@ -4732,642 +6368,154 @@
         </p:nvSpPr>
         <p:spPr>
           <a:xfrm>
-            <a:off x="9443027" y="938645"/>
-            <a:ext cx="1737591" cy="2092036"/>
+            <a:off x="5045851" y="560037"/>
+            <a:ext cx="6906663" cy="3970318"/>
+          </a:xfrm>
+          <a:prstGeom prst="rect">
+            <a:avLst/>
+          </a:prstGeom>
+        </p:spPr>
+        <p:txBody>
+          <a:bodyPr wrap="square">
+            <a:spAutoFit/>
+          </a:bodyPr>
+          <a:lstStyle/>
+          <a:p>
+            <a:pPr marL="342900" indent="-342900">
+              <a:buFont typeface="+mj-lt"/>
+              <a:buAutoNum type="arabicPeriod"/>
+            </a:pPr>
+            <a:r>
+              <a:rPr lang="zh-CN" altLang="en-US" dirty="0">
+                <a:solidFill>
+                  <a:srgbClr val="333333"/>
+                </a:solidFill>
+                <a:latin typeface="PingFang SC"/>
+              </a:rPr>
+              <a:t>用户接口层用户接口层负责向用户显示信息和解释用户指令。这里的用户可能是：用户、程序、自动化测试和批处理脚本等等。</a:t>
+            </a:r>
+            <a:endParaRPr lang="en-US" altLang="zh-CN" dirty="0">
+              <a:solidFill>
+                <a:srgbClr val="333333"/>
+              </a:solidFill>
+              <a:latin typeface="PingFang SC"/>
+            </a:endParaRPr>
+          </a:p>
+          <a:p>
+            <a:pPr marL="342900" indent="-342900">
+              <a:buFont typeface="+mj-lt"/>
+              <a:buAutoNum type="arabicPeriod"/>
+            </a:pPr>
+            <a:r>
+              <a:rPr lang="zh-CN" altLang="en-US" dirty="0"/>
+              <a:t>应用层应用层是很薄的一层，理论上不应该有业务规则或逻辑，主要面向用例和流程相关的操作。但应用层又位于领域层之上，因为领域层包含多个聚合，所以它可以协调多个聚合的服务和领域对象完成服务编排和组合，协作完成业务操作。</a:t>
+            </a:r>
+            <a:endParaRPr lang="en-US" altLang="zh-CN" dirty="0"/>
+          </a:p>
+          <a:p>
+            <a:pPr marL="342900" indent="-342900">
+              <a:buFont typeface="+mj-lt"/>
+              <a:buAutoNum type="arabicPeriod"/>
+            </a:pPr>
+            <a:r>
+              <a:rPr lang="zh-CN" altLang="en-US" dirty="0"/>
+              <a:t>领域层领域层的作用是实现企业核心业务逻辑，通过各种校验手段保证业务的正确性。领域层主要体现领域模型的业务能力，它用来表达业务概念、业务状态和业务规则。</a:t>
+            </a:r>
+            <a:endParaRPr lang="en-US" altLang="zh-CN" dirty="0"/>
+          </a:p>
+          <a:p>
+            <a:pPr marL="342900" indent="-342900">
+              <a:buFont typeface="+mj-lt"/>
+              <a:buAutoNum type="arabicPeriod"/>
+            </a:pPr>
+            <a:r>
+              <a:rPr lang="zh-CN" altLang="en-US" dirty="0"/>
+              <a:t>基础层基础层是贯穿所有层的，它的作用就是为其它各层提供通用的技术和基础服务，包括第三方工具、驱动、消息中间件、网关、文件、缓存以及数据库等。比较常见的功能还是提供数据库持久化。</a:t>
+            </a:r>
+          </a:p>
+        </p:txBody>
+      </p:sp>
+    </p:spTree>
+    <p:extLst>
+      <p:ext uri="{BB962C8B-B14F-4D97-AF65-F5344CB8AC3E}">
+        <p14:creationId xmlns:p14="http://schemas.microsoft.com/office/powerpoint/2010/main" val="1754625948"/>
+      </p:ext>
+    </p:extLst>
+  </p:cSld>
+  <p:clrMapOvr>
+    <a:masterClrMapping/>
+  </p:clrMapOvr>
+</p:sld>
+</file>
+
+<file path=ppt/slides/slide9.xml><?xml version="1.0" encoding="utf-8"?>
+<p:sld xmlns:a="http://schemas.openxmlformats.org/drawingml/2006/main" xmlns:r="http://schemas.openxmlformats.org/officeDocument/2006/relationships" xmlns:p="http://schemas.openxmlformats.org/presentationml/2006/main">
+  <p:cSld>
+    <p:spTree>
+      <p:nvGrpSpPr>
+        <p:cNvPr id="1" name=""/>
+        <p:cNvGrpSpPr/>
+        <p:nvPr/>
+      </p:nvGrpSpPr>
+      <p:grpSpPr>
+        <a:xfrm>
+          <a:off x="0" y="0"/>
+          <a:ext cx="0" cy="0"/>
+          <a:chOff x="0" y="0"/>
+          <a:chExt cx="0" cy="0"/>
+        </a:xfrm>
+      </p:grpSpPr>
+      <p:pic>
+        <p:nvPicPr>
+          <p:cNvPr id="3074" name="Picture 2">
+            <a:extLst>
+              <a:ext uri="{FF2B5EF4-FFF2-40B4-BE49-F238E27FC236}">
+                <a16:creationId xmlns:a16="http://schemas.microsoft.com/office/drawing/2014/main" id="{F9F95A3C-AACD-4F53-A461-B92852C0A786}"/>
+              </a:ext>
+            </a:extLst>
+          </p:cNvPr>
+          <p:cNvPicPr>
+            <a:picLocks noChangeAspect="1" noChangeArrowheads="1"/>
+          </p:cNvPicPr>
+          <p:nvPr/>
+        </p:nvPicPr>
+        <p:blipFill>
+          <a:blip r:embed="rId2">
+            <a:extLst>
+              <a:ext uri="{28A0092B-C50C-407E-A947-70E740481C1C}">
+                <a14:useLocalDpi xmlns:a14="http://schemas.microsoft.com/office/drawing/2010/main" val="0"/>
+              </a:ext>
+            </a:extLst>
+          </a:blip>
+          <a:srcRect/>
+          <a:stretch>
+            <a:fillRect/>
+          </a:stretch>
+        </p:blipFill>
+        <p:spPr bwMode="auto">
+          <a:xfrm>
+            <a:off x="634763" y="551706"/>
+            <a:ext cx="10922474" cy="5354572"/>
           </a:xfrm>
           <a:prstGeom prst="rect">
             <a:avLst/>
           </a:prstGeom>
           <a:noFill/>
-          <a:ln w="9525" cap="flat" cmpd="sng" algn="ctr">
-            <a:solidFill>
-              <a:schemeClr val="dk1"/>
-            </a:solidFill>
-            <a:prstDash val="solid"/>
-            <a:round/>
-            <a:headEnd type="none" w="med" len="med"/>
-            <a:tailEnd type="none" w="med" len="med"/>
-          </a:ln>
+          <a:extLst>
+            <a:ext uri="{909E8E84-426E-40DD-AFC4-6F175D3DCCD1}">
+              <a14:hiddenFill xmlns:a14="http://schemas.microsoft.com/office/drawing/2010/main">
+                <a:solidFill>
+                  <a:srgbClr val="FFFFFF"/>
+                </a:solidFill>
+              </a14:hiddenFill>
+            </a:ext>
+          </a:extLst>
         </p:spPr>
-        <p:style>
-          <a:lnRef idx="0">
-            <a:scrgbClr r="0" g="0" b="0"/>
-          </a:lnRef>
-          <a:fillRef idx="0">
-            <a:scrgbClr r="0" g="0" b="0"/>
-          </a:fillRef>
-          <a:effectRef idx="0">
-            <a:scrgbClr r="0" g="0" b="0"/>
-          </a:effectRef>
-          <a:fontRef idx="minor">
-            <a:schemeClr val="dk1"/>
-          </a:fontRef>
-        </p:style>
-        <p:txBody>
-          <a:bodyPr rtlCol="0" anchor="t"/>
-          <a:lstStyle/>
-          <a:p>
-            <a:r>
-              <a:rPr lang="en-US" altLang="zh-CN" sz="1000" b="1" dirty="0"/>
-              <a:t>【</a:t>
-            </a:r>
-            <a:r>
-              <a:rPr lang="zh-CN" altLang="en-US" sz="1000" b="1" dirty="0"/>
-              <a:t>人员</a:t>
-            </a:r>
-            <a:r>
-              <a:rPr lang="en-US" altLang="zh-CN" sz="1000" b="1" dirty="0"/>
-              <a:t>】</a:t>
-            </a:r>
-          </a:p>
-          <a:p>
-            <a:pPr marL="171450" indent="-171450">
-              <a:buFont typeface="Arial" panose="020B0604020202020204" pitchFamily="34" charset="0"/>
-              <a:buChar char="•"/>
-            </a:pPr>
-            <a:r>
-              <a:rPr lang="zh-CN" altLang="en-US" sz="1000" dirty="0"/>
-              <a:t>编号</a:t>
-            </a:r>
-            <a:endParaRPr lang="en-US" altLang="zh-CN" sz="1000" dirty="0"/>
-          </a:p>
-          <a:p>
-            <a:pPr marL="171450" indent="-171450">
-              <a:buFont typeface="Arial" panose="020B0604020202020204" pitchFamily="34" charset="0"/>
-              <a:buChar char="•"/>
-            </a:pPr>
-            <a:r>
-              <a:rPr lang="zh-CN" altLang="en-US" sz="1000" dirty="0"/>
-              <a:t>姓名</a:t>
-            </a:r>
-            <a:endParaRPr lang="en-US" altLang="zh-CN" sz="1000" dirty="0"/>
-          </a:p>
-          <a:p>
-            <a:pPr marL="171450" indent="-171450">
-              <a:buFont typeface="Arial" panose="020B0604020202020204" pitchFamily="34" charset="0"/>
-              <a:buChar char="•"/>
-            </a:pPr>
-            <a:r>
-              <a:rPr lang="zh-CN" altLang="en-US" sz="1000" dirty="0"/>
-              <a:t>部门</a:t>
-            </a:r>
-            <a:r>
-              <a:rPr lang="en-US" altLang="zh-CN" sz="1000" dirty="0"/>
-              <a:t>ID</a:t>
-            </a:r>
-            <a:r>
-              <a:rPr lang="zh-CN" altLang="en-US" sz="1000" dirty="0"/>
-              <a:t> </a:t>
-            </a:r>
-            <a:endParaRPr lang="en-US" altLang="zh-CN" sz="1000" dirty="0"/>
-          </a:p>
-          <a:p>
-            <a:pPr marL="171450" indent="-171450">
-              <a:buFont typeface="Arial" panose="020B0604020202020204" pitchFamily="34" charset="0"/>
-              <a:buChar char="•"/>
-            </a:pPr>
-            <a:r>
-              <a:rPr lang="zh-CN" altLang="en-US" sz="1000" dirty="0"/>
-              <a:t>人员类型 </a:t>
-            </a:r>
-            <a:endParaRPr lang="en-US" altLang="zh-CN" sz="1000" dirty="0"/>
-          </a:p>
-          <a:p>
-            <a:pPr marL="171450" indent="-171450">
-              <a:buFont typeface="Arial" panose="020B0604020202020204" pitchFamily="34" charset="0"/>
-              <a:buChar char="•"/>
-            </a:pPr>
-            <a:r>
-              <a:rPr lang="zh-CN" altLang="en-US" sz="1000" dirty="0"/>
-              <a:t>领导</a:t>
-            </a:r>
-            <a:r>
-              <a:rPr lang="en-US" altLang="zh-CN" sz="1000" dirty="0"/>
-              <a:t>ID</a:t>
-            </a:r>
-            <a:r>
-              <a:rPr lang="zh-CN" altLang="en-US" sz="1000" dirty="0"/>
-              <a:t>（这个</a:t>
-            </a:r>
-            <a:r>
-              <a:rPr lang="en-US" altLang="zh-CN" sz="1000" dirty="0"/>
-              <a:t>ID</a:t>
-            </a:r>
-            <a:r>
-              <a:rPr lang="zh-CN" altLang="en-US" sz="1000" dirty="0"/>
-              <a:t>与人员编号可以不一样）</a:t>
-            </a:r>
-            <a:endParaRPr lang="en-US" altLang="zh-CN" sz="1000" dirty="0"/>
-          </a:p>
-          <a:p>
-            <a:pPr marL="171450" indent="-171450">
-              <a:buFont typeface="Arial" panose="020B0604020202020204" pitchFamily="34" charset="0"/>
-              <a:buChar char="•"/>
-            </a:pPr>
-            <a:r>
-              <a:rPr lang="zh-CN" altLang="en-US" sz="1000" dirty="0"/>
-              <a:t>角色级别</a:t>
-            </a:r>
-            <a:endParaRPr lang="en-US" altLang="zh-CN" sz="1000" dirty="0"/>
-          </a:p>
-          <a:p>
-            <a:pPr marL="171450" indent="-171450">
-              <a:buFont typeface="Arial" panose="020B0604020202020204" pitchFamily="34" charset="0"/>
-              <a:buChar char="•"/>
-            </a:pPr>
-            <a:r>
-              <a:rPr lang="zh-CN" altLang="en-US" sz="1000" dirty="0"/>
-              <a:t>创建时间</a:t>
-            </a:r>
-            <a:endParaRPr lang="en-US" altLang="zh-CN" sz="1000" dirty="0"/>
-          </a:p>
-          <a:p>
-            <a:pPr marL="171450" indent="-171450">
-              <a:buFont typeface="Arial" panose="020B0604020202020204" pitchFamily="34" charset="0"/>
-              <a:buChar char="•"/>
-            </a:pPr>
-            <a:r>
-              <a:rPr lang="zh-CN" altLang="en-US" sz="1000" dirty="0"/>
-              <a:t>最后修改时间</a:t>
-            </a:r>
-            <a:endParaRPr lang="en-US" altLang="zh-CN" sz="1000" dirty="0"/>
-          </a:p>
-          <a:p>
-            <a:pPr marL="171450" indent="-171450">
-              <a:buFont typeface="Arial" panose="020B0604020202020204" pitchFamily="34" charset="0"/>
-              <a:buChar char="•"/>
-            </a:pPr>
-            <a:r>
-              <a:rPr lang="zh-CN" altLang="en-US" sz="1000" dirty="0"/>
-              <a:t>个人状态（启动，禁用）</a:t>
-            </a:r>
-            <a:endParaRPr lang="en-US" altLang="zh-CN" sz="1000" dirty="0"/>
-          </a:p>
-        </p:txBody>
-      </p:sp>
-      <p:sp>
-        <p:nvSpPr>
-          <p:cNvPr id="5" name="矩形 4">
-            <a:extLst>
-              <a:ext uri="{FF2B5EF4-FFF2-40B4-BE49-F238E27FC236}">
-                <a16:creationId xmlns:a16="http://schemas.microsoft.com/office/drawing/2014/main" id="{31E8DCF9-E061-42C7-8B6C-EAF8C4D2EF1A}"/>
-              </a:ext>
-            </a:extLst>
-          </p:cNvPr>
-          <p:cNvSpPr/>
-          <p:nvPr/>
-        </p:nvSpPr>
-        <p:spPr>
-          <a:xfrm>
-            <a:off x="3661064" y="1305787"/>
-            <a:ext cx="1737591" cy="1884219"/>
-          </a:xfrm>
-          <a:prstGeom prst="rect">
-            <a:avLst/>
-          </a:prstGeom>
-          <a:noFill/>
-          <a:ln w="9525" cap="flat" cmpd="sng" algn="ctr">
-            <a:solidFill>
-              <a:schemeClr val="dk1"/>
-            </a:solidFill>
-            <a:prstDash val="solid"/>
-            <a:round/>
-            <a:headEnd type="none" w="med" len="med"/>
-            <a:tailEnd type="none" w="med" len="med"/>
-          </a:ln>
-        </p:spPr>
-        <p:style>
-          <a:lnRef idx="0">
-            <a:scrgbClr r="0" g="0" b="0"/>
-          </a:lnRef>
-          <a:fillRef idx="0">
-            <a:scrgbClr r="0" g="0" b="0"/>
-          </a:fillRef>
-          <a:effectRef idx="0">
-            <a:scrgbClr r="0" g="0" b="0"/>
-          </a:effectRef>
-          <a:fontRef idx="minor">
-            <a:schemeClr val="dk1"/>
-          </a:fontRef>
-        </p:style>
-        <p:txBody>
-          <a:bodyPr rtlCol="0" anchor="t"/>
-          <a:lstStyle/>
-          <a:p>
-            <a:r>
-              <a:rPr lang="en-US" altLang="zh-CN" sz="1000" b="1" dirty="0"/>
-              <a:t>【</a:t>
-            </a:r>
-            <a:r>
-              <a:rPr lang="zh-CN" altLang="en-US" sz="1000" b="1" dirty="0"/>
-              <a:t>请假表</a:t>
-            </a:r>
-            <a:r>
-              <a:rPr lang="en-US" altLang="zh-CN" sz="1000" b="1" dirty="0"/>
-              <a:t>】</a:t>
-            </a:r>
-          </a:p>
-          <a:p>
-            <a:pPr marL="171450" indent="-171450">
-              <a:buFont typeface="Arial" panose="020B0604020202020204" pitchFamily="34" charset="0"/>
-              <a:buChar char="•"/>
-            </a:pPr>
-            <a:r>
-              <a:rPr lang="zh-CN" altLang="en-US" sz="1000" dirty="0"/>
-              <a:t>编号</a:t>
-            </a:r>
-            <a:endParaRPr lang="en-US" altLang="zh-CN" sz="1000" dirty="0"/>
-          </a:p>
-          <a:p>
-            <a:pPr marL="171450" indent="-171450">
-              <a:buFont typeface="Arial" panose="020B0604020202020204" pitchFamily="34" charset="0"/>
-              <a:buChar char="•"/>
-            </a:pPr>
-            <a:r>
-              <a:rPr lang="zh-CN" altLang="en-US" sz="1000" dirty="0"/>
-              <a:t>请假条</a:t>
-            </a:r>
-            <a:r>
-              <a:rPr lang="en-US" altLang="zh-CN" sz="1000" dirty="0"/>
-              <a:t>ID</a:t>
-            </a:r>
-          </a:p>
-          <a:p>
-            <a:pPr marL="171450" indent="-171450">
-              <a:buFont typeface="Arial" panose="020B0604020202020204" pitchFamily="34" charset="0"/>
-              <a:buChar char="•"/>
-            </a:pPr>
-            <a:r>
-              <a:rPr lang="zh-CN" altLang="en-US" sz="1000" dirty="0"/>
-              <a:t>请假条名称</a:t>
-            </a:r>
-            <a:endParaRPr lang="en-US" altLang="zh-CN" sz="1000" dirty="0"/>
-          </a:p>
-          <a:p>
-            <a:pPr marL="171450" indent="-171450">
-              <a:buFont typeface="Arial" panose="020B0604020202020204" pitchFamily="34" charset="0"/>
-              <a:buChar char="•"/>
-            </a:pPr>
-            <a:r>
-              <a:rPr lang="zh-CN" altLang="en-US" sz="1000" dirty="0"/>
-              <a:t>请假条类型  </a:t>
-            </a:r>
-            <a:endParaRPr lang="en-US" altLang="zh-CN" sz="1000" dirty="0"/>
-          </a:p>
-          <a:p>
-            <a:pPr marL="171450" indent="-171450">
-              <a:buFont typeface="Arial" panose="020B0604020202020204" pitchFamily="34" charset="0"/>
-              <a:buChar char="•"/>
-            </a:pPr>
-            <a:r>
-              <a:rPr lang="zh-CN" altLang="en-US" sz="1000" dirty="0"/>
-              <a:t>批准</a:t>
-            </a:r>
-            <a:r>
-              <a:rPr lang="en-US" altLang="zh-CN" sz="1000" dirty="0"/>
-              <a:t>ID</a:t>
-            </a:r>
-          </a:p>
-          <a:p>
-            <a:pPr marL="171450" indent="-171450">
-              <a:buFont typeface="Arial" panose="020B0604020202020204" pitchFamily="34" charset="0"/>
-              <a:buChar char="•"/>
-            </a:pPr>
-            <a:r>
-              <a:rPr lang="zh-CN" altLang="en-US" sz="1000" dirty="0"/>
-              <a:t>批准人</a:t>
-            </a:r>
-            <a:endParaRPr lang="en-US" altLang="zh-CN" sz="1000" dirty="0"/>
-          </a:p>
-          <a:p>
-            <a:pPr marL="171450" indent="-171450">
-              <a:buFont typeface="Arial" panose="020B0604020202020204" pitchFamily="34" charset="0"/>
-              <a:buChar char="•"/>
-            </a:pPr>
-            <a:r>
-              <a:rPr lang="zh-CN" altLang="en-US" sz="1000" dirty="0"/>
-              <a:t>请假类型</a:t>
-            </a:r>
-            <a:endParaRPr lang="en-US" altLang="zh-CN" sz="1000" dirty="0"/>
-          </a:p>
-          <a:p>
-            <a:pPr marL="171450" indent="-171450">
-              <a:buFont typeface="Arial" panose="020B0604020202020204" pitchFamily="34" charset="0"/>
-              <a:buChar char="•"/>
-            </a:pPr>
-            <a:r>
-              <a:rPr lang="zh-CN" altLang="en-US" sz="1000" dirty="0"/>
-              <a:t>状态</a:t>
-            </a:r>
-            <a:r>
-              <a:rPr lang="en-US" altLang="zh-CN" sz="1000" dirty="0"/>
-              <a:t>(</a:t>
-            </a:r>
-            <a:r>
-              <a:rPr lang="zh-CN" altLang="en-US" sz="1000" dirty="0"/>
-              <a:t>内部，外部，官方</a:t>
-            </a:r>
-            <a:r>
-              <a:rPr lang="en-US" altLang="zh-CN" sz="1000" dirty="0"/>
-              <a:t>)</a:t>
-            </a:r>
-          </a:p>
-          <a:p>
-            <a:pPr marL="171450" indent="-171450">
-              <a:buFont typeface="Arial" panose="020B0604020202020204" pitchFamily="34" charset="0"/>
-              <a:buChar char="•"/>
-            </a:pPr>
-            <a:r>
-              <a:rPr lang="zh-CN" altLang="en-US" sz="1000" dirty="0"/>
-              <a:t>开始时间</a:t>
-            </a:r>
-            <a:endParaRPr lang="en-US" altLang="zh-CN" sz="1000" dirty="0"/>
-          </a:p>
-          <a:p>
-            <a:pPr marL="171450" indent="-171450">
-              <a:buFont typeface="Arial" panose="020B0604020202020204" pitchFamily="34" charset="0"/>
-              <a:buChar char="•"/>
-            </a:pPr>
-            <a:r>
-              <a:rPr lang="zh-CN" altLang="en-US" sz="1000" dirty="0"/>
-              <a:t>结束时间</a:t>
-            </a:r>
-            <a:endParaRPr lang="en-US" altLang="zh-CN" sz="1000" dirty="0"/>
-          </a:p>
-          <a:p>
-            <a:pPr marL="171450" indent="-171450">
-              <a:buFont typeface="Arial" panose="020B0604020202020204" pitchFamily="34" charset="0"/>
-              <a:buChar char="•"/>
-            </a:pPr>
-            <a:r>
-              <a:rPr lang="zh-CN" altLang="en-US" sz="1000" dirty="0"/>
-              <a:t>间隔</a:t>
-            </a:r>
-            <a:endParaRPr lang="en-US" altLang="zh-CN" sz="1000" dirty="0"/>
-          </a:p>
-        </p:txBody>
-      </p:sp>
-      <p:sp>
-        <p:nvSpPr>
-          <p:cNvPr id="6" name="矩形 5">
-            <a:extLst>
-              <a:ext uri="{FF2B5EF4-FFF2-40B4-BE49-F238E27FC236}">
-                <a16:creationId xmlns:a16="http://schemas.microsoft.com/office/drawing/2014/main" id="{0D17D214-2658-454D-B48F-28F2701EAF89}"/>
-              </a:ext>
-            </a:extLst>
-          </p:cNvPr>
-          <p:cNvSpPr/>
-          <p:nvPr/>
-        </p:nvSpPr>
-        <p:spPr>
-          <a:xfrm>
-            <a:off x="6445826" y="3030681"/>
-            <a:ext cx="1737591" cy="1439719"/>
-          </a:xfrm>
-          <a:prstGeom prst="rect">
-            <a:avLst/>
-          </a:prstGeom>
-          <a:noFill/>
-          <a:ln w="9525" cap="flat" cmpd="sng" algn="ctr">
-            <a:solidFill>
-              <a:schemeClr val="dk1"/>
-            </a:solidFill>
-            <a:prstDash val="solid"/>
-            <a:round/>
-            <a:headEnd type="none" w="med" len="med"/>
-            <a:tailEnd type="none" w="med" len="med"/>
-          </a:ln>
-        </p:spPr>
-        <p:style>
-          <a:lnRef idx="0">
-            <a:scrgbClr r="0" g="0" b="0"/>
-          </a:lnRef>
-          <a:fillRef idx="0">
-            <a:scrgbClr r="0" g="0" b="0"/>
-          </a:fillRef>
-          <a:effectRef idx="0">
-            <a:scrgbClr r="0" g="0" b="0"/>
-          </a:effectRef>
-          <a:fontRef idx="minor">
-            <a:schemeClr val="dk1"/>
-          </a:fontRef>
-        </p:style>
-        <p:txBody>
-          <a:bodyPr rtlCol="0" anchor="t"/>
-          <a:lstStyle/>
-          <a:p>
-            <a:r>
-              <a:rPr lang="en-US" altLang="zh-CN" sz="1000" b="1" dirty="0"/>
-              <a:t>【</a:t>
-            </a:r>
-            <a:r>
-              <a:rPr lang="zh-CN" altLang="en-US" sz="1000" b="1" dirty="0"/>
-              <a:t>批准信息</a:t>
-            </a:r>
-            <a:r>
-              <a:rPr lang="en-US" altLang="zh-CN" sz="1000" b="1" dirty="0"/>
-              <a:t>】</a:t>
-            </a:r>
-          </a:p>
-          <a:p>
-            <a:pPr marL="171450" indent="-171450">
-              <a:buFont typeface="Arial" panose="020B0604020202020204" pitchFamily="34" charset="0"/>
-              <a:buChar char="•"/>
-            </a:pPr>
-            <a:r>
-              <a:rPr lang="zh-CN" altLang="en-US" sz="1000" dirty="0"/>
-              <a:t>批准信息编号</a:t>
-            </a:r>
-            <a:endParaRPr lang="en-US" altLang="zh-CN" sz="1000" dirty="0"/>
-          </a:p>
-          <a:p>
-            <a:pPr marL="171450" indent="-171450">
-              <a:buFont typeface="Arial" panose="020B0604020202020204" pitchFamily="34" charset="0"/>
-              <a:buChar char="•"/>
-            </a:pPr>
-            <a:r>
-              <a:rPr lang="zh-CN" altLang="en-US" sz="1000" dirty="0"/>
-              <a:t>请假条编号</a:t>
-            </a:r>
-            <a:endParaRPr lang="en-US" altLang="zh-CN" sz="1000" dirty="0"/>
-          </a:p>
-          <a:p>
-            <a:pPr marL="171450" indent="-171450">
-              <a:buFont typeface="Arial" panose="020B0604020202020204" pitchFamily="34" charset="0"/>
-              <a:buChar char="•"/>
-            </a:pPr>
-            <a:r>
-              <a:rPr lang="zh-CN" altLang="en-US" sz="1000" dirty="0"/>
-              <a:t>申请人编号</a:t>
-            </a:r>
-            <a:endParaRPr lang="en-US" altLang="zh-CN" sz="1000" dirty="0"/>
-          </a:p>
-          <a:p>
-            <a:pPr marL="171450" indent="-171450">
-              <a:buFont typeface="Arial" panose="020B0604020202020204" pitchFamily="34" charset="0"/>
-              <a:buChar char="•"/>
-            </a:pPr>
-            <a:r>
-              <a:rPr lang="zh-CN" altLang="en-US" sz="1000" dirty="0"/>
-              <a:t>批准人编号</a:t>
-            </a:r>
-            <a:endParaRPr lang="en-US" altLang="zh-CN" sz="1000" dirty="0"/>
-          </a:p>
-          <a:p>
-            <a:pPr marL="171450" indent="-171450">
-              <a:buFont typeface="Arial" panose="020B0604020202020204" pitchFamily="34" charset="0"/>
-              <a:buChar char="•"/>
-            </a:pPr>
-            <a:r>
-              <a:rPr lang="zh-CN" altLang="en-US" sz="1000" dirty="0"/>
-              <a:t>批准级别</a:t>
-            </a:r>
-            <a:endParaRPr lang="en-US" altLang="zh-CN" sz="1000" dirty="0"/>
-          </a:p>
-          <a:p>
-            <a:pPr marL="171450" indent="-171450">
-              <a:buFont typeface="Arial" panose="020B0604020202020204" pitchFamily="34" charset="0"/>
-              <a:buChar char="•"/>
-            </a:pPr>
-            <a:r>
-              <a:rPr lang="zh-CN" altLang="en-US" sz="1000" dirty="0"/>
-              <a:t>批准名称</a:t>
-            </a:r>
-            <a:endParaRPr lang="en-US" altLang="zh-CN" sz="1000" dirty="0"/>
-          </a:p>
-          <a:p>
-            <a:pPr marL="171450" indent="-171450">
-              <a:buFont typeface="Arial" panose="020B0604020202020204" pitchFamily="34" charset="0"/>
-              <a:buChar char="•"/>
-            </a:pPr>
-            <a:r>
-              <a:rPr lang="zh-CN" altLang="en-US" sz="1000" dirty="0"/>
-              <a:t>批准信息</a:t>
-            </a:r>
-            <a:endParaRPr lang="en-US" altLang="zh-CN" sz="1000" dirty="0"/>
-          </a:p>
-          <a:p>
-            <a:pPr marL="171450" indent="-171450">
-              <a:buFont typeface="Arial" panose="020B0604020202020204" pitchFamily="34" charset="0"/>
-              <a:buChar char="•"/>
-            </a:pPr>
-            <a:r>
-              <a:rPr lang="zh-CN" altLang="en-US" sz="1000" dirty="0"/>
-              <a:t>时间？？？</a:t>
-            </a:r>
-            <a:endParaRPr lang="en-US" altLang="zh-CN" sz="1000" dirty="0"/>
-          </a:p>
-        </p:txBody>
-      </p:sp>
-      <p:sp>
-        <p:nvSpPr>
-          <p:cNvPr id="7" name="矩形 6">
-            <a:extLst>
-              <a:ext uri="{FF2B5EF4-FFF2-40B4-BE49-F238E27FC236}">
-                <a16:creationId xmlns:a16="http://schemas.microsoft.com/office/drawing/2014/main" id="{DE6CD20E-6CD1-4CEE-AAF5-2028D0700D45}"/>
-              </a:ext>
-            </a:extLst>
-          </p:cNvPr>
-          <p:cNvSpPr/>
-          <p:nvPr/>
-        </p:nvSpPr>
-        <p:spPr>
-          <a:xfrm>
-            <a:off x="9230588" y="3634509"/>
-            <a:ext cx="1737591" cy="1652155"/>
-          </a:xfrm>
-          <a:prstGeom prst="rect">
-            <a:avLst/>
-          </a:prstGeom>
-          <a:noFill/>
-          <a:ln w="9525" cap="flat" cmpd="sng" algn="ctr">
-            <a:solidFill>
-              <a:schemeClr val="dk1"/>
-            </a:solidFill>
-            <a:prstDash val="solid"/>
-            <a:round/>
-            <a:headEnd type="none" w="med" len="med"/>
-            <a:tailEnd type="none" w="med" len="med"/>
-          </a:ln>
-        </p:spPr>
-        <p:style>
-          <a:lnRef idx="0">
-            <a:scrgbClr r="0" g="0" b="0"/>
-          </a:lnRef>
-          <a:fillRef idx="0">
-            <a:scrgbClr r="0" g="0" b="0"/>
-          </a:fillRef>
-          <a:effectRef idx="0">
-            <a:scrgbClr r="0" g="0" b="0"/>
-          </a:effectRef>
-          <a:fontRef idx="minor">
-            <a:schemeClr val="dk1"/>
-          </a:fontRef>
-        </p:style>
-        <p:txBody>
-          <a:bodyPr rtlCol="0" anchor="t"/>
-          <a:lstStyle/>
-          <a:p>
-            <a:r>
-              <a:rPr lang="en-US" altLang="zh-CN" sz="1000" b="1" dirty="0"/>
-              <a:t>【</a:t>
-            </a:r>
-            <a:r>
-              <a:rPr lang="zh-CN" altLang="en-US" sz="1000" b="1" dirty="0"/>
-              <a:t>组织关系</a:t>
-            </a:r>
-            <a:r>
-              <a:rPr lang="en-US" altLang="zh-CN" sz="1000" b="1" dirty="0"/>
-              <a:t>】</a:t>
-            </a:r>
-          </a:p>
-          <a:p>
-            <a:pPr marL="171450" indent="-171450">
-              <a:buFont typeface="Arial" panose="020B0604020202020204" pitchFamily="34" charset="0"/>
-              <a:buChar char="•"/>
-            </a:pPr>
-            <a:r>
-              <a:rPr lang="zh-CN" altLang="en-US" sz="1000" dirty="0"/>
-              <a:t>编号</a:t>
-            </a:r>
-            <a:endParaRPr lang="en-US" altLang="zh-CN" sz="1000" dirty="0"/>
-          </a:p>
-          <a:p>
-            <a:pPr marL="171450" indent="-171450">
-              <a:buFont typeface="Arial" panose="020B0604020202020204" pitchFamily="34" charset="0"/>
-              <a:buChar char="•"/>
-            </a:pPr>
-            <a:r>
-              <a:rPr lang="zh-CN" altLang="en-US" sz="1000" dirty="0"/>
-              <a:t>人员编号</a:t>
-            </a:r>
-            <a:endParaRPr lang="en-US" altLang="zh-CN" sz="1000" dirty="0"/>
-          </a:p>
-          <a:p>
-            <a:pPr marL="171450" indent="-171450">
-              <a:buFont typeface="Arial" panose="020B0604020202020204" pitchFamily="34" charset="0"/>
-              <a:buChar char="•"/>
-            </a:pPr>
-            <a:r>
-              <a:rPr lang="zh-CN" altLang="en-US" sz="1000" dirty="0"/>
-              <a:t>领导编号</a:t>
-            </a:r>
-            <a:r>
-              <a:rPr lang="en-US" altLang="zh-CN" sz="1000" dirty="0"/>
-              <a:t>(</a:t>
-            </a:r>
-            <a:r>
-              <a:rPr lang="zh-CN" altLang="en-US" sz="1000" dirty="0"/>
-              <a:t>上面人员编号的领导，对应的人员编号）</a:t>
-            </a:r>
-            <a:endParaRPr lang="en-US" altLang="zh-CN" sz="1000" dirty="0"/>
-          </a:p>
-        </p:txBody>
-      </p:sp>
+      </p:pic>
     </p:spTree>
     <p:extLst>
       <p:ext uri="{BB962C8B-B14F-4D97-AF65-F5344CB8AC3E}">
-        <p14:creationId xmlns:p14="http://schemas.microsoft.com/office/powerpoint/2010/main" val="939031820"/>
+        <p14:creationId xmlns:p14="http://schemas.microsoft.com/office/powerpoint/2010/main" val="924523743"/>
       </p:ext>
     </p:extLst>
   </p:cSld>

--- a/DDD_Sample/Docs/DDD.pptx
+++ b/DDD_Sample/Docs/DDD.pptx
@@ -270,7 +270,7 @@
           <a:p>
             <a:fld id="{660BC6C9-25A6-4F7E-A250-A3AC76331EF0}" type="datetimeFigureOut">
               <a:rPr lang="zh-CN" altLang="en-US" smtClean="0"/>
-              <a:t>2020/3/18</a:t>
+              <a:t>2020/4/9</a:t>
             </a:fld>
             <a:endParaRPr lang="zh-CN" altLang="en-US"/>
           </a:p>
@@ -468,7 +468,7 @@
           <a:p>
             <a:fld id="{660BC6C9-25A6-4F7E-A250-A3AC76331EF0}" type="datetimeFigureOut">
               <a:rPr lang="zh-CN" altLang="en-US" smtClean="0"/>
-              <a:t>2020/3/18</a:t>
+              <a:t>2020/4/9</a:t>
             </a:fld>
             <a:endParaRPr lang="zh-CN" altLang="en-US"/>
           </a:p>
@@ -676,7 +676,7 @@
           <a:p>
             <a:fld id="{660BC6C9-25A6-4F7E-A250-A3AC76331EF0}" type="datetimeFigureOut">
               <a:rPr lang="zh-CN" altLang="en-US" smtClean="0"/>
-              <a:t>2020/3/18</a:t>
+              <a:t>2020/4/9</a:t>
             </a:fld>
             <a:endParaRPr lang="zh-CN" altLang="en-US"/>
           </a:p>
@@ -874,7 +874,7 @@
           <a:p>
             <a:fld id="{660BC6C9-25A6-4F7E-A250-A3AC76331EF0}" type="datetimeFigureOut">
               <a:rPr lang="zh-CN" altLang="en-US" smtClean="0"/>
-              <a:t>2020/3/18</a:t>
+              <a:t>2020/4/9</a:t>
             </a:fld>
             <a:endParaRPr lang="zh-CN" altLang="en-US"/>
           </a:p>
@@ -1149,7 +1149,7 @@
           <a:p>
             <a:fld id="{660BC6C9-25A6-4F7E-A250-A3AC76331EF0}" type="datetimeFigureOut">
               <a:rPr lang="zh-CN" altLang="en-US" smtClean="0"/>
-              <a:t>2020/3/18</a:t>
+              <a:t>2020/4/9</a:t>
             </a:fld>
             <a:endParaRPr lang="zh-CN" altLang="en-US"/>
           </a:p>
@@ -1414,7 +1414,7 @@
           <a:p>
             <a:fld id="{660BC6C9-25A6-4F7E-A250-A3AC76331EF0}" type="datetimeFigureOut">
               <a:rPr lang="zh-CN" altLang="en-US" smtClean="0"/>
-              <a:t>2020/3/18</a:t>
+              <a:t>2020/4/9</a:t>
             </a:fld>
             <a:endParaRPr lang="zh-CN" altLang="en-US"/>
           </a:p>
@@ -1826,7 +1826,7 @@
           <a:p>
             <a:fld id="{660BC6C9-25A6-4F7E-A250-A3AC76331EF0}" type="datetimeFigureOut">
               <a:rPr lang="zh-CN" altLang="en-US" smtClean="0"/>
-              <a:t>2020/3/18</a:t>
+              <a:t>2020/4/9</a:t>
             </a:fld>
             <a:endParaRPr lang="zh-CN" altLang="en-US"/>
           </a:p>
@@ -1967,7 +1967,7 @@
           <a:p>
             <a:fld id="{660BC6C9-25A6-4F7E-A250-A3AC76331EF0}" type="datetimeFigureOut">
               <a:rPr lang="zh-CN" altLang="en-US" smtClean="0"/>
-              <a:t>2020/3/18</a:t>
+              <a:t>2020/4/9</a:t>
             </a:fld>
             <a:endParaRPr lang="zh-CN" altLang="en-US"/>
           </a:p>
@@ -2080,7 +2080,7 @@
           <a:p>
             <a:fld id="{660BC6C9-25A6-4F7E-A250-A3AC76331EF0}" type="datetimeFigureOut">
               <a:rPr lang="zh-CN" altLang="en-US" smtClean="0"/>
-              <a:t>2020/3/18</a:t>
+              <a:t>2020/4/9</a:t>
             </a:fld>
             <a:endParaRPr lang="zh-CN" altLang="en-US"/>
           </a:p>
@@ -2391,7 +2391,7 @@
           <a:p>
             <a:fld id="{660BC6C9-25A6-4F7E-A250-A3AC76331EF0}" type="datetimeFigureOut">
               <a:rPr lang="zh-CN" altLang="en-US" smtClean="0"/>
-              <a:t>2020/3/18</a:t>
+              <a:t>2020/4/9</a:t>
             </a:fld>
             <a:endParaRPr lang="zh-CN" altLang="en-US"/>
           </a:p>
@@ -2679,7 +2679,7 @@
           <a:p>
             <a:fld id="{660BC6C9-25A6-4F7E-A250-A3AC76331EF0}" type="datetimeFigureOut">
               <a:rPr lang="zh-CN" altLang="en-US" smtClean="0"/>
-              <a:t>2020/3/18</a:t>
+              <a:t>2020/4/9</a:t>
             </a:fld>
             <a:endParaRPr lang="zh-CN" altLang="en-US"/>
           </a:p>
@@ -2920,7 +2920,7 @@
           <a:p>
             <a:fld id="{660BC6C9-25A6-4F7E-A250-A3AC76331EF0}" type="datetimeFigureOut">
               <a:rPr lang="zh-CN" altLang="en-US" smtClean="0"/>
-              <a:t>2020/3/18</a:t>
+              <a:t>2020/4/9</a:t>
             </a:fld>
             <a:endParaRPr lang="zh-CN" altLang="en-US"/>
           </a:p>
@@ -3840,7 +3840,7 @@
         </p:nvSpPr>
         <p:spPr>
           <a:xfrm>
-            <a:off x="1956552" y="1431750"/>
+            <a:off x="1657518" y="2782940"/>
             <a:ext cx="1737591" cy="1884219"/>
           </a:xfrm>
           <a:prstGeom prst="rect">
